--- a/J0080793.pptx
+++ b/J0080793.pptx
@@ -14,9 +14,9 @@
     <p:sldId id="257" r:id="rId5"/>
     <p:sldId id="258" r:id="rId6"/>
     <p:sldId id="263" r:id="rId7"/>
-    <p:sldId id="265" r:id="rId8"/>
-    <p:sldId id="264" r:id="rId9"/>
-    <p:sldId id="260" r:id="rId10"/>
+    <p:sldId id="260" r:id="rId8"/>
+    <p:sldId id="265" r:id="rId9"/>
+    <p:sldId id="264" r:id="rId10"/>
     <p:sldId id="262" r:id="rId11"/>
     <p:sldId id="261" r:id="rId12"/>
     <p:sldId id="259" r:id="rId13"/>
@@ -7153,8 +7153,8 @@
         </p:nvSpPr>
         <p:spPr>
           <a:xfrm>
-            <a:off x="6336371" y="1441222"/>
-            <a:ext cx="5406450" cy="677108"/>
+            <a:off x="6306095" y="1453694"/>
+            <a:ext cx="5406450" cy="861774"/>
           </a:xfrm>
           <a:prstGeom prst="rect">
             <a:avLst/>
@@ -7172,21 +7172,7 @@
                 <a:latin typeface="微软雅黑" panose="020B0503020204020204" pitchFamily="34" charset="-122"/>
                 <a:ea typeface="微软雅黑" panose="020B0503020204020204" pitchFamily="34" charset="-122"/>
               </a:rPr>
-              <a:t>生產製造系統通用</a:t>
-            </a:r>
-            <a:r>
-              <a:rPr lang="zh-CN" altLang="en-US" sz="1400" b="1" dirty="0">
-                <a:latin typeface="微软雅黑" panose="020B0503020204020204" pitchFamily="34" charset="-122"/>
-                <a:ea typeface="微软雅黑" panose="020B0503020204020204" pitchFamily="34" charset="-122"/>
-              </a:rPr>
-              <a:t>框架開</a:t>
-            </a:r>
-            <a:r>
-              <a:rPr lang="zh-CN" altLang="en-US" sz="1400" b="1" dirty="0" smtClean="0">
-                <a:latin typeface="微软雅黑" panose="020B0503020204020204" pitchFamily="34" charset="-122"/>
-                <a:ea typeface="微软雅黑" panose="020B0503020204020204" pitchFamily="34" charset="-122"/>
-              </a:rPr>
-              <a:t>發</a:t>
+              <a:t>生產製造系統通用框架開發</a:t>
             </a:r>
             <a:endParaRPr lang="en-US" altLang="zh-CN" sz="1400" b="1" dirty="0" smtClean="0">
               <a:latin typeface="微软雅黑" panose="020B0503020204020204" pitchFamily="34" charset="-122"/>
@@ -7199,13 +7185,27 @@
                 <a:latin typeface="微软雅黑 Light" panose="020B0502040204020203" pitchFamily="34" charset="-122"/>
                 <a:ea typeface="微软雅黑 Light" panose="020B0502040204020203" pitchFamily="34" charset="-122"/>
               </a:rPr>
-              <a:t>切庫分庫框架、</a:t>
+              <a:t>分庫框架開發</a:t>
             </a:r>
             <a:r>
               <a:rPr lang="en-US" altLang="zh-CN" sz="1200" dirty="0" smtClean="0">
                 <a:latin typeface="微软雅黑 Light" panose="020B0502040204020203" pitchFamily="34" charset="-122"/>
                 <a:ea typeface="微软雅黑 Light" panose="020B0502040204020203" pitchFamily="34" charset="-122"/>
               </a:rPr>
+              <a:t>:SFC</a:t>
+            </a:r>
+            <a:r>
+              <a:rPr lang="zh-CN" altLang="en-US" sz="1200" dirty="0" smtClean="0">
+                <a:latin typeface="微软雅黑 Light" panose="020B0502040204020203" pitchFamily="34" charset="-122"/>
+                <a:ea typeface="微软雅黑 Light" panose="020B0502040204020203" pitchFamily="34" charset="-122"/>
+              </a:rPr>
+              <a:t>切庫框架、</a:t>
+            </a:r>
+            <a:r>
+              <a:rPr lang="en-US" altLang="zh-CN" sz="1200" dirty="0" smtClean="0">
+                <a:latin typeface="微软雅黑 Light" panose="020B0502040204020203" pitchFamily="34" charset="-122"/>
+                <a:ea typeface="微软雅黑 Light" panose="020B0502040204020203" pitchFamily="34" charset="-122"/>
+              </a:rPr>
               <a:t>PBI</a:t>
             </a:r>
             <a:r>
@@ -7215,55 +7215,32 @@
               </a:rPr>
               <a:t>追溯系統動態表單組件、多語言框架</a:t>
             </a:r>
-            <a:r>
-              <a:rPr lang="en-US" altLang="zh-CN" sz="1200" dirty="0" smtClean="0">
-                <a:latin typeface="微软雅黑 Light" panose="020B0502040204020203" pitchFamily="34" charset="-122"/>
-                <a:ea typeface="微软雅黑 Light" panose="020B0502040204020203" pitchFamily="34" charset="-122"/>
-              </a:rPr>
-              <a:t>,</a:t>
+            <a:endParaRPr lang="en-US" altLang="zh-CN" sz="1200" dirty="0" smtClean="0">
+              <a:latin typeface="微软雅黑 Light" panose="020B0502040204020203" pitchFamily="34" charset="-122"/>
+              <a:ea typeface="微软雅黑 Light" panose="020B0502040204020203" pitchFamily="34" charset="-122"/>
+            </a:endParaRPr>
+          </a:p>
+          <a:p>
+            <a:r>
+              <a:rPr lang="zh-CN" altLang="en-US" sz="1200" dirty="0">
+                <a:latin typeface="微软雅黑 Light" panose="020B0502040204020203" pitchFamily="34" charset="-122"/>
+                <a:ea typeface="微软雅黑 Light" panose="020B0502040204020203" pitchFamily="34" charset="-122"/>
+              </a:rPr>
+              <a:t>多語</a:t>
             </a:r>
             <a:r>
               <a:rPr lang="zh-CN" altLang="en-US" sz="1200" dirty="0" smtClean="0">
                 <a:latin typeface="微软雅黑 Light" panose="020B0502040204020203" pitchFamily="34" charset="-122"/>
                 <a:ea typeface="微软雅黑 Light" panose="020B0502040204020203" pitchFamily="34" charset="-122"/>
               </a:rPr>
-              <a:t>覆蓋</a:t>
-            </a:r>
-            <a:r>
-              <a:rPr lang="en-US" altLang="zh-CN" sz="1200" dirty="0" err="1" smtClean="0">
-                <a:latin typeface="微软雅黑 Light" panose="020B0502040204020203" pitchFamily="34" charset="-122"/>
-                <a:ea typeface="微软雅黑 Light" panose="020B0502040204020203" pitchFamily="34" charset="-122"/>
-              </a:rPr>
-              <a:t>WinForm</a:t>
-            </a:r>
-            <a:r>
-              <a:rPr lang="zh-CN" altLang="en-US" sz="1200" dirty="0" smtClean="0">
-                <a:latin typeface="微软雅黑 Light" panose="020B0502040204020203" pitchFamily="34" charset="-122"/>
-                <a:ea typeface="微软雅黑 Light" panose="020B0502040204020203" pitchFamily="34" charset="-122"/>
-              </a:rPr>
-              <a:t>、</a:t>
-            </a:r>
-            <a:r>
-              <a:rPr lang="zh-CN" altLang="en-US" sz="1200" dirty="0">
-                <a:latin typeface="微软雅黑 Light" panose="020B0502040204020203" pitchFamily="34" charset="-122"/>
-                <a:ea typeface="微软雅黑 Light" panose="020B0502040204020203" pitchFamily="34" charset="-122"/>
-              </a:rPr>
-              <a:t>存</a:t>
-            </a:r>
-            <a:r>
-              <a:rPr lang="zh-CN" altLang="en-US" sz="1200" dirty="0" smtClean="0">
-                <a:latin typeface="微软雅黑 Light" panose="020B0502040204020203" pitchFamily="34" charset="-122"/>
-                <a:ea typeface="微软雅黑 Light" panose="020B0502040204020203" pitchFamily="34" charset="-122"/>
-              </a:rPr>
-              <a:t>儲過程、</a:t>
-            </a:r>
-            <a:r>
-              <a:rPr lang="en-US" altLang="zh-CN" sz="1200" dirty="0" err="1" smtClean="0">
-                <a:latin typeface="微软雅黑 Light" panose="020B0502040204020203" pitchFamily="34" charset="-122"/>
-                <a:ea typeface="微软雅黑 Light" panose="020B0502040204020203" pitchFamily="34" charset="-122"/>
-              </a:rPr>
-              <a:t>pbi</a:t>
-            </a:r>
+              <a:t>言框架開發</a:t>
+            </a:r>
+            <a:endParaRPr lang="en-US" altLang="zh-CN" sz="1200" dirty="0" smtClean="0">
+              <a:latin typeface="微软雅黑 Light" panose="020B0502040204020203" pitchFamily="34" charset="-122"/>
+              <a:ea typeface="微软雅黑 Light" panose="020B0502040204020203" pitchFamily="34" charset="-122"/>
+            </a:endParaRPr>
+          </a:p>
+          <a:p>
             <a:endParaRPr lang="en-US" altLang="zh-CN" sz="1200" dirty="0">
               <a:latin typeface="微软雅黑 Light" panose="020B0502040204020203" pitchFamily="34" charset="-122"/>
               <a:ea typeface="微软雅黑 Light" panose="020B0502040204020203" pitchFamily="34" charset="-122"/>
@@ -7279,8 +7256,8 @@
         </p:nvSpPr>
         <p:spPr>
           <a:xfrm>
-            <a:off x="6302291" y="2350137"/>
-            <a:ext cx="5440530" cy="1046440"/>
+            <a:off x="6257791" y="2330018"/>
+            <a:ext cx="5440530" cy="2000548"/>
           </a:xfrm>
           <a:prstGeom prst="rect">
             <a:avLst/>
@@ -7325,57 +7302,138 @@
                 <a:latin typeface="微软雅黑 Light" panose="020B0502040204020203" pitchFamily="34" charset="-122"/>
                 <a:ea typeface="微软雅黑 Light" panose="020B0502040204020203" pitchFamily="34" charset="-122"/>
               </a:rPr>
-              <a:t>儲物櫃、充電櫃、宿舍智能鎖、等服物聯務端應用</a:t>
-            </a:r>
+              <a:t>儲物櫃、充電櫃、宿舍</a:t>
+            </a:r>
+            <a:r>
+              <a:rPr lang="zh-CN" altLang="en-US" sz="1200" dirty="0">
+                <a:latin typeface="微软雅黑 Light" panose="020B0502040204020203" pitchFamily="34" charset="-122"/>
+                <a:ea typeface="微软雅黑 Light" panose="020B0502040204020203" pitchFamily="34" charset="-122"/>
+              </a:rPr>
+              <a:t>智能鎖</a:t>
+            </a:r>
+            <a:r>
+              <a:rPr lang="zh-CN" altLang="en-US" sz="1200" dirty="0" smtClean="0">
+                <a:latin typeface="微软雅黑 Light" panose="020B0502040204020203" pitchFamily="34" charset="-122"/>
+                <a:ea typeface="微软雅黑 Light" panose="020B0502040204020203" pitchFamily="34" charset="-122"/>
+              </a:rPr>
+              <a:t>、安防數據採集等</a:t>
+            </a:r>
+            <a:r>
+              <a:rPr lang="zh-CN" altLang="en-US" sz="1200" dirty="0">
+                <a:latin typeface="微软雅黑 Light" panose="020B0502040204020203" pitchFamily="34" charset="-122"/>
+                <a:ea typeface="微软雅黑 Light" panose="020B0502040204020203" pitchFamily="34" charset="-122"/>
+              </a:rPr>
+              <a:t>服物聯務端應用</a:t>
+            </a:r>
+            <a:r>
+              <a:rPr lang="en-US" altLang="zh-CN" sz="1200" dirty="0">
+                <a:latin typeface="微软雅黑 Light" panose="020B0502040204020203" pitchFamily="34" charset="-122"/>
+                <a:ea typeface="微软雅黑 Light" panose="020B0502040204020203" pitchFamily="34" charset="-122"/>
+              </a:rPr>
+              <a:t>,</a:t>
+            </a:r>
+            <a:r>
+              <a:rPr lang="zh-CN" altLang="en-US" sz="1200" dirty="0">
+                <a:latin typeface="微软雅黑 Light" panose="020B0502040204020203" pitchFamily="34" charset="-122"/>
+                <a:ea typeface="微软雅黑 Light" panose="020B0502040204020203" pitchFamily="34" charset="-122"/>
+              </a:rPr>
+              <a:t>存在性能、穩定性、代碼質量等多種因素</a:t>
+            </a:r>
+            <a:r>
+              <a:rPr lang="en-US" altLang="zh-CN" sz="1200" dirty="0">
+                <a:latin typeface="微软雅黑 Light" panose="020B0502040204020203" pitchFamily="34" charset="-122"/>
+                <a:ea typeface="微软雅黑 Light" panose="020B0502040204020203" pitchFamily="34" charset="-122"/>
+              </a:rPr>
+              <a:t>,</a:t>
+            </a:r>
+            <a:r>
+              <a:rPr lang="zh-CN" altLang="en-US" sz="1200" dirty="0">
+                <a:latin typeface="微软雅黑 Light" panose="020B0502040204020203" pitchFamily="34" charset="-122"/>
+                <a:ea typeface="微软雅黑 Light" panose="020B0502040204020203" pitchFamily="34" charset="-122"/>
+              </a:rPr>
+              <a:t>導致等每天需要耗費大量精力進行異常處理和軟件維護</a:t>
+            </a:r>
+            <a:r>
+              <a:rPr lang="en-US" altLang="zh-CN" sz="1200" dirty="0">
+                <a:latin typeface="微软雅黑 Light" panose="020B0502040204020203" pitchFamily="34" charset="-122"/>
+                <a:ea typeface="微软雅黑 Light" panose="020B0502040204020203" pitchFamily="34" charset="-122"/>
+              </a:rPr>
+              <a:t>,</a:t>
+            </a:r>
+            <a:r>
+              <a:rPr lang="zh-CN" altLang="en-US" sz="1200" dirty="0">
+                <a:latin typeface="微软雅黑 Light" panose="020B0502040204020203" pitchFamily="34" charset="-122"/>
+                <a:ea typeface="微软雅黑 Light" panose="020B0502040204020203" pitchFamily="34" charset="-122"/>
+              </a:rPr>
+              <a:t>拖累團隊</a:t>
+            </a:r>
+            <a:r>
+              <a:rPr lang="en-US" altLang="zh-CN" sz="1200" dirty="0">
+                <a:latin typeface="微软雅黑 Light" panose="020B0502040204020203" pitchFamily="34" charset="-122"/>
+                <a:ea typeface="微软雅黑 Light" panose="020B0502040204020203" pitchFamily="34" charset="-122"/>
+              </a:rPr>
+              <a:t>,</a:t>
+            </a:r>
+          </a:p>
+          <a:p>
+            <a:endParaRPr lang="en-US" altLang="zh-CN" sz="1400" b="1" dirty="0" smtClean="0">
+              <a:latin typeface="微软雅黑" panose="020B0503020204020204" pitchFamily="34" charset="-122"/>
+              <a:ea typeface="微软雅黑" panose="020B0503020204020204" pitchFamily="34" charset="-122"/>
+            </a:endParaRPr>
+          </a:p>
+          <a:p>
             <a:r>
               <a:rPr lang="en-US" altLang="zh-CN" sz="1200" dirty="0" smtClean="0">
                 <a:latin typeface="微软雅黑 Light" panose="020B0502040204020203" pitchFamily="34" charset="-122"/>
                 <a:ea typeface="微软雅黑 Light" panose="020B0502040204020203" pitchFamily="34" charset="-122"/>
               </a:rPr>
-              <a:t>,</a:t>
+              <a:t>1,.</a:t>
             </a:r>
             <a:r>
               <a:rPr lang="zh-CN" altLang="en-US" sz="1200" dirty="0" smtClean="0">
                 <a:latin typeface="微软雅黑 Light" panose="020B0502040204020203" pitchFamily="34" charset="-122"/>
                 <a:ea typeface="微软雅黑 Light" panose="020B0502040204020203" pitchFamily="34" charset="-122"/>
               </a:rPr>
-              <a:t>存在性能、穩定性、代碼質量等多種因素</a:t>
-            </a:r>
+              <a:t>儲物櫃、充電櫃、</a:t>
+            </a:r>
+            <a:r>
+              <a:rPr lang="zh-CN" altLang="en-US" sz="1200" dirty="0">
+                <a:latin typeface="微软雅黑 Light" panose="020B0502040204020203" pitchFamily="34" charset="-122"/>
+                <a:ea typeface="微软雅黑 Light" panose="020B0502040204020203" pitchFamily="34" charset="-122"/>
+              </a:rPr>
+              <a:t>器材</a:t>
+            </a:r>
+            <a:r>
+              <a:rPr lang="zh-CN" altLang="en-US" sz="1200" dirty="0" smtClean="0">
+                <a:latin typeface="微软雅黑 Light" panose="020B0502040204020203" pitchFamily="34" charset="-122"/>
+                <a:ea typeface="微软雅黑 Light" panose="020B0502040204020203" pitchFamily="34" charset="-122"/>
+              </a:rPr>
+              <a:t>櫃、背包櫃、越南一人一櫃等多重類型儲物櫃的代碼重構及整合</a:t>
+            </a:r>
+            <a:endParaRPr lang="en-US" altLang="zh-CN" sz="1200" dirty="0" smtClean="0">
+              <a:latin typeface="微软雅黑 Light" panose="020B0502040204020203" pitchFamily="34" charset="-122"/>
+              <a:ea typeface="微软雅黑 Light" panose="020B0502040204020203" pitchFamily="34" charset="-122"/>
+            </a:endParaRPr>
+          </a:p>
+          <a:p>
             <a:r>
               <a:rPr lang="en-US" altLang="zh-CN" sz="1200" dirty="0" smtClean="0">
                 <a:latin typeface="微软雅黑 Light" panose="020B0502040204020203" pitchFamily="34" charset="-122"/>
                 <a:ea typeface="微软雅黑 Light" panose="020B0502040204020203" pitchFamily="34" charset="-122"/>
               </a:rPr>
-              <a:t>,</a:t>
+              <a:t>2.</a:t>
             </a:r>
             <a:r>
               <a:rPr lang="zh-CN" altLang="en-US" sz="1200" dirty="0" smtClean="0">
                 <a:latin typeface="微软雅黑 Light" panose="020B0502040204020203" pitchFamily="34" charset="-122"/>
                 <a:ea typeface="微软雅黑 Light" panose="020B0502040204020203" pitchFamily="34" charset="-122"/>
               </a:rPr>
-              <a:t>導致等每天需要耗費大量精力進行異常處理和軟件維護</a:t>
-            </a:r>
-            <a:r>
-              <a:rPr lang="en-US" altLang="zh-CN" sz="1200" dirty="0" smtClean="0">
-                <a:latin typeface="微软雅黑 Light" panose="020B0502040204020203" pitchFamily="34" charset="-122"/>
-                <a:ea typeface="微软雅黑 Light" panose="020B0502040204020203" pitchFamily="34" charset="-122"/>
-              </a:rPr>
-              <a:t>,</a:t>
-            </a:r>
-            <a:r>
-              <a:rPr lang="zh-CN" altLang="en-US" sz="1200" dirty="0" smtClean="0">
-                <a:latin typeface="微软雅黑 Light" panose="020B0502040204020203" pitchFamily="34" charset="-122"/>
-                <a:ea typeface="微软雅黑 Light" panose="020B0502040204020203" pitchFamily="34" charset="-122"/>
-              </a:rPr>
-              <a:t>拖累團隊</a:t>
-            </a:r>
-            <a:r>
-              <a:rPr lang="en-US" altLang="zh-CN" sz="1200" dirty="0" smtClean="0">
-                <a:latin typeface="微软雅黑 Light" panose="020B0502040204020203" pitchFamily="34" charset="-122"/>
-                <a:ea typeface="微软雅黑 Light" panose="020B0502040204020203" pitchFamily="34" charset="-122"/>
-              </a:rPr>
-              <a:t>,</a:t>
-            </a:r>
+              <a:t>嘉善宿舍智能鎖系統的重構整合</a:t>
+            </a:r>
+            <a:endParaRPr lang="en-US" altLang="zh-CN" sz="1200" dirty="0" smtClean="0">
+              <a:latin typeface="微软雅黑 Light" panose="020B0502040204020203" pitchFamily="34" charset="-122"/>
+              <a:ea typeface="微软雅黑 Light" panose="020B0502040204020203" pitchFamily="34" charset="-122"/>
+            </a:endParaRPr>
           </a:p>
           <a:p>
             <a:endParaRPr lang="en-US" altLang="zh-CN" sz="1200" dirty="0">
@@ -7420,7 +7478,7 @@
         </p:nvSpPr>
         <p:spPr>
           <a:xfrm>
-            <a:off x="6336371" y="3838948"/>
+            <a:off x="6336371" y="4400190"/>
             <a:ext cx="4990239" cy="1046440"/>
           </a:xfrm>
           <a:prstGeom prst="rect">
@@ -7543,7 +7601,7 @@
                 <a:latin typeface="微软雅黑 Light" panose="020B0502040204020203" pitchFamily="34" charset="-122"/>
                 <a:ea typeface="微软雅黑 Light" panose="020B0502040204020203" pitchFamily="34" charset="-122"/>
               </a:rPr>
-              <a:t>為公司每年節省</a:t>
+              <a:t>可為公司每年節省</a:t>
             </a:r>
             <a:r>
               <a:rPr lang="en-US" altLang="zh-CN" sz="1200" dirty="0" smtClean="0">
@@ -7684,7 +7742,7 @@
         </p:nvSpPr>
         <p:spPr>
           <a:xfrm>
-            <a:off x="6336371" y="5343379"/>
+            <a:off x="6399656" y="5704587"/>
             <a:ext cx="4064000" cy="677108"/>
           </a:xfrm>
           <a:prstGeom prst="rect">
@@ -7699,32 +7757,11 @@
           <a:lstStyle/>
           <a:p>
             <a:r>
-              <a:rPr lang="zh-CN" altLang="en-US" sz="1400" b="1" dirty="0">
-                <a:latin typeface="微软雅黑" panose="020B0503020204020204" pitchFamily="34" charset="-122"/>
-                <a:ea typeface="微软雅黑" panose="020B0503020204020204" pitchFamily="34" charset="-122"/>
-              </a:rPr>
-              <a:t>資</a:t>
-            </a:r>
-            <a:r>
               <a:rPr lang="zh-CN" altLang="en-US" sz="1400" b="1" dirty="0" smtClean="0">
                 <a:latin typeface="微软雅黑" panose="020B0503020204020204" pitchFamily="34" charset="-122"/>
                 <a:ea typeface="微软雅黑" panose="020B0503020204020204" pitchFamily="34" charset="-122"/>
               </a:rPr>
-              <a:t>按</a:t>
-            </a:r>
-            <a:r>
-              <a:rPr lang="zh-CN" altLang="en-US" sz="1400" b="1" dirty="0">
-                <a:latin typeface="微软雅黑" panose="020B0503020204020204" pitchFamily="34" charset="-122"/>
-                <a:ea typeface="微软雅黑" panose="020B0503020204020204" pitchFamily="34" charset="-122"/>
-              </a:rPr>
-              <a:t>開</a:t>
-            </a:r>
-            <a:r>
-              <a:rPr lang="zh-CN" altLang="en-US" sz="1400" b="1" dirty="0" smtClean="0">
-                <a:latin typeface="微软雅黑" panose="020B0503020204020204" pitchFamily="34" charset="-122"/>
-                <a:ea typeface="微软雅黑" panose="020B0503020204020204" pitchFamily="34" charset="-122"/>
-              </a:rPr>
-              <a:t>發</a:t>
+              <a:t>資安開發</a:t>
             </a:r>
             <a:endParaRPr lang="zh-CN" altLang="en-US" sz="1400" b="1" dirty="0">
               <a:latin typeface="微软雅黑" panose="020B0503020204020204" pitchFamily="34" charset="-122"/>
@@ -8041,7 +8078,7 @@
         </p:nvCxnSpPr>
         <p:spPr>
           <a:xfrm>
-            <a:off x="265907" y="5439386"/>
+            <a:off x="248847" y="5347946"/>
             <a:ext cx="5303346" cy="0"/>
           </a:xfrm>
           <a:prstGeom prst="line">
@@ -8176,1896 +8213,6 @@
 </file>
 
 <file path=ppt/slides/slide5.xml><?xml version="1.0" encoding="utf-8"?>
-<p:sld xmlns:a="http://schemas.openxmlformats.org/drawingml/2006/main" xmlns:r="http://schemas.openxmlformats.org/officeDocument/2006/relationships" xmlns:p="http://schemas.openxmlformats.org/presentationml/2006/main">
-  <p:cSld>
-    <p:spTree>
-      <p:nvGrpSpPr>
-        <p:cNvPr id="1" name=""/>
-        <p:cNvGrpSpPr/>
-        <p:nvPr/>
-      </p:nvGrpSpPr>
-      <p:grpSpPr>
-        <a:xfrm>
-          <a:off x="0" y="0"/>
-          <a:ext cx="0" cy="0"/>
-          <a:chOff x="0" y="0"/>
-          <a:chExt cx="0" cy="0"/>
-        </a:xfrm>
-      </p:grpSpPr>
-      <p:sp>
-        <p:nvSpPr>
-          <p:cNvPr id="62" name="矩形 61"/>
-          <p:cNvSpPr/>
-          <p:nvPr/>
-        </p:nvSpPr>
-        <p:spPr>
-          <a:xfrm>
-            <a:off x="181497" y="1241585"/>
-            <a:ext cx="5654519" cy="917185"/>
-          </a:xfrm>
-          <a:prstGeom prst="rect">
-            <a:avLst/>
-          </a:prstGeom>
-          <a:solidFill>
-            <a:schemeClr val="bg1"/>
-          </a:solidFill>
-          <a:ln>
-            <a:noFill/>
-          </a:ln>
-          <a:effectLst>
-            <a:outerShdw blurRad="63500" sx="102000" sy="102000" algn="ctr" rotWithShape="0">
-              <a:prstClr val="black">
-                <a:alpha val="40000"/>
-              </a:prstClr>
-            </a:outerShdw>
-          </a:effectLst>
-        </p:spPr>
-        <p:style>
-          <a:lnRef idx="2">
-            <a:schemeClr val="accent1">
-              <a:shade val="50000"/>
-            </a:schemeClr>
-          </a:lnRef>
-          <a:fillRef idx="1">
-            <a:schemeClr val="accent1"/>
-          </a:fillRef>
-          <a:effectRef idx="0">
-            <a:schemeClr val="accent1"/>
-          </a:effectRef>
-          <a:fontRef idx="minor">
-            <a:schemeClr val="lt1"/>
-          </a:fontRef>
-        </p:style>
-        <p:txBody>
-          <a:bodyPr rtlCol="0" anchor="ctr"/>
-          <a:lstStyle/>
-          <a:p>
-            <a:pPr algn="ctr"/>
-            <a:endParaRPr lang="zh-CN" altLang="en-US"/>
-          </a:p>
-        </p:txBody>
-      </p:sp>
-      <p:sp>
-        <p:nvSpPr>
-          <p:cNvPr id="25" name="文本框 24"/>
-          <p:cNvSpPr txBox="1"/>
-          <p:nvPr/>
-        </p:nvSpPr>
-        <p:spPr>
-          <a:xfrm>
-            <a:off x="743275" y="108732"/>
-            <a:ext cx="2924198" cy="492443"/>
-          </a:xfrm>
-          <a:prstGeom prst="rect">
-            <a:avLst/>
-          </a:prstGeom>
-          <a:noFill/>
-        </p:spPr>
-        <p:txBody>
-          <a:bodyPr wrap="none" rtlCol="0">
-            <a:spAutoFit/>
-          </a:bodyPr>
-          <a:lstStyle/>
-          <a:p>
-            <a:r>
-              <a:rPr kumimoji="1" lang="en-US" altLang="zh-CN" sz="2600" b="1" dirty="0">
-                <a:latin typeface="微软雅黑" panose="020B0503020204020204" pitchFamily="34" charset="-122"/>
-                <a:ea typeface="微软雅黑" panose="020B0503020204020204" pitchFamily="34" charset="-122"/>
-              </a:rPr>
-              <a:t>J0080793-</a:t>
-            </a:r>
-            <a:r>
-              <a:rPr kumimoji="1" lang="zh-CN" altLang="en-US" sz="2600" b="1" dirty="0">
-                <a:latin typeface="微软雅黑" panose="020B0503020204020204" pitchFamily="34" charset="-122"/>
-                <a:ea typeface="微软雅黑" panose="020B0503020204020204" pitchFamily="34" charset="-122"/>
-              </a:rPr>
-              <a:t>季晨</a:t>
-            </a:r>
-            <a:r>
-              <a:rPr kumimoji="1" lang="zh-CN" altLang="en-US" sz="2600" b="1" dirty="0" smtClean="0">
-                <a:latin typeface="微软雅黑" panose="020B0503020204020204" pitchFamily="34" charset="-122"/>
-                <a:ea typeface="微软雅黑" panose="020B0503020204020204" pitchFamily="34" charset="-122"/>
-              </a:rPr>
-              <a:t>浩</a:t>
-            </a:r>
-            <a:endParaRPr kumimoji="1" lang="zh-CN" altLang="en-US" sz="2600" b="1" dirty="0">
-              <a:latin typeface="微软雅黑" panose="020B0503020204020204" pitchFamily="34" charset="-122"/>
-              <a:ea typeface="微软雅黑" panose="020B0503020204020204" pitchFamily="34" charset="-122"/>
-            </a:endParaRPr>
-          </a:p>
-        </p:txBody>
-      </p:sp>
-      <p:sp>
-        <p:nvSpPr>
-          <p:cNvPr id="12" name="內容版面配置區 2"/>
-          <p:cNvSpPr txBox="1">
-            <a:spLocks/>
-          </p:cNvSpPr>
-          <p:nvPr/>
-        </p:nvSpPr>
-        <p:spPr>
-          <a:xfrm>
-            <a:off x="694268" y="759081"/>
-            <a:ext cx="1493520" cy="344780"/>
-          </a:xfrm>
-          <a:prstGeom prst="rect">
-            <a:avLst/>
-          </a:prstGeom>
-        </p:spPr>
-        <p:txBody>
-          <a:bodyPr vert="horz" lIns="91440" tIns="45720" rIns="91440" bIns="45720" rtlCol="0" anchor="t">
-            <a:normAutofit/>
-          </a:bodyPr>
-          <a:lstStyle>
-            <a:defPPr>
-              <a:defRPr lang="zh-TW"/>
-            </a:defPPr>
-            <a:lvl1pPr marR="0" lvl="0" indent="0" fontAlgn="auto">
-              <a:lnSpc>
-                <a:spcPct val="90000"/>
-              </a:lnSpc>
-              <a:spcBef>
-                <a:spcPct val="0"/>
-              </a:spcBef>
-              <a:spcAft>
-                <a:spcPts val="0"/>
-              </a:spcAft>
-              <a:buClrTx/>
-              <a:buSzTx/>
-              <a:buFontTx/>
-              <a:buNone/>
-              <a:tabLst/>
-              <a:defRPr sz="2000" b="1" spc="100">
-                <a:solidFill>
-                  <a:srgbClr val="FFFF00"/>
-                </a:solidFill>
-                <a:latin typeface="Microsoft YaHei" panose="020B0503020204020204" pitchFamily="34" charset="-122"/>
-                <a:ea typeface="Microsoft YaHei" panose="020B0503020204020204" pitchFamily="34" charset="-122"/>
-              </a:defRPr>
-            </a:lvl1pPr>
-          </a:lstStyle>
-          <a:p>
-            <a:r>
-              <a:rPr lang="zh-CN" altLang="en-US" sz="1600" dirty="0" smtClean="0">
-                <a:solidFill>
-                  <a:schemeClr val="tx1"/>
-                </a:solidFill>
-              </a:rPr>
-              <a:t>個人能力介紹</a:t>
-            </a:r>
-            <a:endParaRPr lang="zh-TW" altLang="en-US" sz="1600" dirty="0">
-              <a:solidFill>
-                <a:schemeClr val="tx1"/>
-              </a:solidFill>
-            </a:endParaRPr>
-          </a:p>
-        </p:txBody>
-      </p:sp>
-      <p:pic>
-        <p:nvPicPr>
-          <p:cNvPr id="24" name="图片 23"/>
-          <p:cNvPicPr>
-            <a:picLocks noChangeAspect="1"/>
-          </p:cNvPicPr>
-          <p:nvPr/>
-        </p:nvPicPr>
-        <p:blipFill>
-          <a:blip r:embed="rId2">
-            <a:extLst>
-              <a:ext uri="{28A0092B-C50C-407E-A947-70E740481C1C}">
-                <a14:useLocalDpi xmlns:a14="http://schemas.microsoft.com/office/drawing/2010/main" val="0"/>
-              </a:ext>
-            </a:extLst>
-          </a:blip>
-          <a:stretch>
-            <a:fillRect/>
-          </a:stretch>
-        </p:blipFill>
-        <p:spPr>
-          <a:xfrm>
-            <a:off x="222688" y="731342"/>
-            <a:ext cx="372519" cy="372519"/>
-          </a:xfrm>
-          <a:prstGeom prst="rect">
-            <a:avLst/>
-          </a:prstGeom>
-        </p:spPr>
-      </p:pic>
-      <p:cxnSp>
-        <p:nvCxnSpPr>
-          <p:cNvPr id="26" name="直接连接符 25"/>
-          <p:cNvCxnSpPr/>
-          <p:nvPr/>
-        </p:nvCxnSpPr>
-        <p:spPr>
-          <a:xfrm>
-            <a:off x="227891" y="1174737"/>
-            <a:ext cx="11514930" cy="29486"/>
-          </a:xfrm>
-          <a:prstGeom prst="line">
-            <a:avLst/>
-          </a:prstGeom>
-          <a:ln/>
-        </p:spPr>
-        <p:style>
-          <a:lnRef idx="1">
-            <a:schemeClr val="dk1"/>
-          </a:lnRef>
-          <a:fillRef idx="0">
-            <a:schemeClr val="dk1"/>
-          </a:fillRef>
-          <a:effectRef idx="0">
-            <a:schemeClr val="dk1"/>
-          </a:effectRef>
-          <a:fontRef idx="minor">
-            <a:schemeClr val="tx1"/>
-          </a:fontRef>
-        </p:style>
-      </p:cxnSp>
-      <p:sp>
-        <p:nvSpPr>
-          <p:cNvPr id="28" name="文本框 27"/>
-          <p:cNvSpPr txBox="1"/>
-          <p:nvPr/>
-        </p:nvSpPr>
-        <p:spPr>
-          <a:xfrm>
-            <a:off x="802289" y="1287333"/>
-            <a:ext cx="4911013" cy="738664"/>
-          </a:xfrm>
-          <a:prstGeom prst="rect">
-            <a:avLst/>
-          </a:prstGeom>
-          <a:noFill/>
-        </p:spPr>
-        <p:txBody>
-          <a:bodyPr wrap="square" rtlCol="0">
-            <a:spAutoFit/>
-          </a:bodyPr>
-          <a:lstStyle/>
-          <a:p>
-            <a:r>
-              <a:rPr lang="zh-CN" altLang="en-US" sz="1400" b="1" dirty="0" smtClean="0">
-                <a:latin typeface="微软雅黑" panose="020B0503020204020204" pitchFamily="34" charset="-122"/>
-                <a:ea typeface="微软雅黑" panose="020B0503020204020204" pitchFamily="34" charset="-122"/>
-              </a:rPr>
-              <a:t>全棧開發</a:t>
-            </a:r>
-            <a:endParaRPr lang="en-US" altLang="zh-CN" sz="1400" b="1" dirty="0" smtClean="0">
-              <a:latin typeface="微软雅黑" panose="020B0503020204020204" pitchFamily="34" charset="-122"/>
-              <a:ea typeface="微软雅黑" panose="020B0503020204020204" pitchFamily="34" charset="-122"/>
-            </a:endParaRPr>
-          </a:p>
-          <a:p>
-            <a:r>
-              <a:rPr lang="zh-CN" altLang="en-US" sz="1400" dirty="0" smtClean="0"/>
-              <a:t>掌握多種編程語言及技術棧包括</a:t>
-            </a:r>
-            <a:r>
-              <a:rPr lang="en-US" altLang="zh-CN" sz="1400" dirty="0" smtClean="0"/>
-              <a:t>C++</a:t>
-            </a:r>
-            <a:r>
-              <a:rPr lang="zh-CN" altLang="en-US" sz="1400" dirty="0" smtClean="0"/>
-              <a:t>、</a:t>
-            </a:r>
-            <a:r>
-              <a:rPr lang="en-US" altLang="zh-CN" sz="1400" dirty="0" smtClean="0"/>
-              <a:t>JavaScript</a:t>
-            </a:r>
-            <a:r>
-              <a:rPr lang="zh-CN" altLang="en-US" sz="1400" dirty="0" smtClean="0"/>
-              <a:t>、</a:t>
-            </a:r>
-            <a:r>
-              <a:rPr lang="en-US" altLang="zh-CN" sz="1400" dirty="0" smtClean="0"/>
-              <a:t>Java</a:t>
-            </a:r>
-            <a:r>
-              <a:rPr lang="zh-CN" altLang="en-US" sz="1400" dirty="0" smtClean="0"/>
-              <a:t>、</a:t>
-            </a:r>
-            <a:r>
-              <a:rPr lang="en-US" altLang="zh-CN" sz="1400" dirty="0" smtClean="0"/>
-              <a:t>C#</a:t>
-            </a:r>
-            <a:r>
-              <a:rPr lang="zh-CN" altLang="en-US" sz="1400" dirty="0" smtClean="0"/>
-              <a:t>等、有底層高難度開發經驗</a:t>
-            </a:r>
-            <a:r>
-              <a:rPr lang="en-US" altLang="zh-CN" sz="1400" dirty="0" smtClean="0"/>
-              <a:t>,</a:t>
-            </a:r>
-            <a:r>
-              <a:rPr lang="zh-CN" altLang="en-US" sz="1400" dirty="0" smtClean="0"/>
-              <a:t>技術能力較強</a:t>
-            </a:r>
-            <a:r>
-              <a:rPr lang="en-US" altLang="zh-CN" sz="1400" dirty="0" smtClean="0"/>
-              <a:t>,</a:t>
-            </a:r>
-            <a:r>
-              <a:rPr lang="zh-CN" altLang="en-US" sz="1400" dirty="0" smtClean="0"/>
-              <a:t>可高質量完成工作</a:t>
-            </a:r>
-            <a:endParaRPr lang="zh-CN" altLang="en-US" sz="1400" dirty="0"/>
-          </a:p>
-        </p:txBody>
-      </p:sp>
-      <p:sp>
-        <p:nvSpPr>
-          <p:cNvPr id="29" name="文本框 28"/>
-          <p:cNvSpPr txBox="1"/>
-          <p:nvPr/>
-        </p:nvSpPr>
-        <p:spPr>
-          <a:xfrm>
-            <a:off x="837792" y="5681933"/>
-            <a:ext cx="4190570" cy="492443"/>
-          </a:xfrm>
-          <a:prstGeom prst="rect">
-            <a:avLst/>
-          </a:prstGeom>
-          <a:noFill/>
-        </p:spPr>
-        <p:txBody>
-          <a:bodyPr wrap="square" rtlCol="0">
-            <a:spAutoFit/>
-          </a:bodyPr>
-          <a:lstStyle/>
-          <a:p>
-            <a:r>
-              <a:rPr lang="zh-CN" altLang="en-US" sz="1400" b="1" dirty="0" smtClean="0">
-                <a:latin typeface="微软雅黑" panose="020B0503020204020204" pitchFamily="34" charset="-122"/>
-                <a:ea typeface="微软雅黑" panose="020B0503020204020204" pitchFamily="34" charset="-122"/>
-              </a:rPr>
-              <a:t>學習能力</a:t>
-            </a:r>
-            <a:endParaRPr lang="en-US" altLang="zh-CN" sz="1400" b="1" dirty="0" smtClean="0">
-              <a:latin typeface="微软雅黑" panose="020B0503020204020204" pitchFamily="34" charset="-122"/>
-              <a:ea typeface="微软雅黑" panose="020B0503020204020204" pitchFamily="34" charset="-122"/>
-            </a:endParaRPr>
-          </a:p>
-          <a:p>
-            <a:r>
-              <a:rPr lang="zh-CN" altLang="en-US" sz="1200" dirty="0" smtClean="0"/>
-              <a:t>學習能力較強</a:t>
-            </a:r>
-            <a:r>
-              <a:rPr lang="en-US" altLang="zh-CN" sz="1200" dirty="0" smtClean="0"/>
-              <a:t>,</a:t>
-            </a:r>
-            <a:r>
-              <a:rPr lang="zh-CN" altLang="en-US" sz="1200" dirty="0" smtClean="0"/>
-              <a:t>可不斷提升自我</a:t>
-            </a:r>
-            <a:r>
-              <a:rPr lang="en-US" altLang="zh-CN" sz="1200" dirty="0" smtClean="0"/>
-              <a:t>,</a:t>
-            </a:r>
-            <a:r>
-              <a:rPr lang="zh-CN" altLang="en-US" sz="1200" dirty="0" smtClean="0"/>
-              <a:t>快速成長</a:t>
-            </a:r>
-            <a:endParaRPr lang="zh-CN" altLang="en-US" sz="1200" dirty="0"/>
-          </a:p>
-        </p:txBody>
-      </p:sp>
-      <p:sp>
-        <p:nvSpPr>
-          <p:cNvPr id="30" name="文本框 29"/>
-          <p:cNvSpPr txBox="1"/>
-          <p:nvPr/>
-        </p:nvSpPr>
-        <p:spPr>
-          <a:xfrm>
-            <a:off x="742121" y="4534135"/>
-            <a:ext cx="4871839" cy="492443"/>
-          </a:xfrm>
-          <a:prstGeom prst="rect">
-            <a:avLst/>
-          </a:prstGeom>
-          <a:noFill/>
-        </p:spPr>
-        <p:txBody>
-          <a:bodyPr wrap="square" rtlCol="0">
-            <a:spAutoFit/>
-          </a:bodyPr>
-          <a:lstStyle/>
-          <a:p>
-            <a:r>
-              <a:rPr lang="zh-CN" altLang="en-US" sz="1400" b="1" dirty="0" smtClean="0">
-                <a:latin typeface="微软雅黑" panose="020B0503020204020204" pitchFamily="34" charset="-122"/>
-                <a:ea typeface="微软雅黑" panose="020B0503020204020204" pitchFamily="34" charset="-122"/>
-              </a:rPr>
-              <a:t>工作主動性高、善於思考、具有創新挑戰精神</a:t>
-            </a:r>
-            <a:endParaRPr lang="en-US" altLang="zh-CN" sz="1400" b="1" dirty="0" smtClean="0">
-              <a:latin typeface="微软雅黑" panose="020B0503020204020204" pitchFamily="34" charset="-122"/>
-              <a:ea typeface="微软雅黑" panose="020B0503020204020204" pitchFamily="34" charset="-122"/>
-            </a:endParaRPr>
-          </a:p>
-          <a:p>
-            <a:r>
-              <a:rPr lang="zh-CN" altLang="en-US" sz="1100" dirty="0" smtClean="0">
-                <a:latin typeface="微软雅黑 Light" panose="020B0502040204020203" pitchFamily="34" charset="-122"/>
-                <a:ea typeface="微软雅黑 Light" panose="020B0502040204020203" pitchFamily="34" charset="-122"/>
-              </a:rPr>
-              <a:t>可打破常規主動發現工作中的問題並設計優雅的解決方案</a:t>
-            </a:r>
-            <a:endParaRPr lang="zh-CN" altLang="en-US" sz="1100" dirty="0">
-              <a:latin typeface="微软雅黑 Light" panose="020B0502040204020203" pitchFamily="34" charset="-122"/>
-              <a:ea typeface="微软雅黑 Light" panose="020B0502040204020203" pitchFamily="34" charset="-122"/>
-            </a:endParaRPr>
-          </a:p>
-        </p:txBody>
-      </p:sp>
-      <p:cxnSp>
-        <p:nvCxnSpPr>
-          <p:cNvPr id="32" name="直接连接符 31"/>
-          <p:cNvCxnSpPr/>
-          <p:nvPr/>
-        </p:nvCxnSpPr>
-        <p:spPr>
-          <a:xfrm>
-            <a:off x="5857352" y="1292758"/>
-            <a:ext cx="32084" cy="5203056"/>
-          </a:xfrm>
-          <a:prstGeom prst="line">
-            <a:avLst/>
-          </a:prstGeom>
-          <a:ln/>
-        </p:spPr>
-        <p:style>
-          <a:lnRef idx="1">
-            <a:schemeClr val="dk1"/>
-          </a:lnRef>
-          <a:fillRef idx="0">
-            <a:schemeClr val="dk1"/>
-          </a:fillRef>
-          <a:effectRef idx="0">
-            <a:schemeClr val="dk1"/>
-          </a:effectRef>
-          <a:fontRef idx="minor">
-            <a:schemeClr val="tx1"/>
-          </a:fontRef>
-        </p:style>
-      </p:cxnSp>
-      <p:pic>
-        <p:nvPicPr>
-          <p:cNvPr id="35" name="图片 34"/>
-          <p:cNvPicPr>
-            <a:picLocks noChangeAspect="1"/>
-          </p:cNvPicPr>
-          <p:nvPr/>
-        </p:nvPicPr>
-        <p:blipFill>
-          <a:blip r:embed="rId3">
-            <a:extLst>
-              <a:ext uri="{28A0092B-C50C-407E-A947-70E740481C1C}">
-                <a14:useLocalDpi xmlns:a14="http://schemas.microsoft.com/office/drawing/2010/main" val="0"/>
-              </a:ext>
-            </a:extLst>
-          </a:blip>
-          <a:stretch>
-            <a:fillRect/>
-          </a:stretch>
-        </p:blipFill>
-        <p:spPr>
-          <a:xfrm>
-            <a:off x="248847" y="5749520"/>
-            <a:ext cx="494428" cy="494428"/>
-          </a:xfrm>
-          <a:prstGeom prst="rect">
-            <a:avLst/>
-          </a:prstGeom>
-        </p:spPr>
-      </p:pic>
-      <p:pic>
-        <p:nvPicPr>
-          <p:cNvPr id="37" name="图片 36"/>
-          <p:cNvPicPr>
-            <a:picLocks noChangeAspect="1"/>
-          </p:cNvPicPr>
-          <p:nvPr/>
-        </p:nvPicPr>
-        <p:blipFill>
-          <a:blip r:embed="rId4">
-            <a:extLst>
-              <a:ext uri="{28A0092B-C50C-407E-A947-70E740481C1C}">
-                <a14:useLocalDpi xmlns:a14="http://schemas.microsoft.com/office/drawing/2010/main" val="0"/>
-              </a:ext>
-            </a:extLst>
-          </a:blip>
-          <a:stretch>
-            <a:fillRect/>
-          </a:stretch>
-        </p:blipFill>
-        <p:spPr>
-          <a:xfrm>
-            <a:off x="286842" y="1487059"/>
-            <a:ext cx="430468" cy="430468"/>
-          </a:xfrm>
-          <a:prstGeom prst="rect">
-            <a:avLst/>
-          </a:prstGeom>
-        </p:spPr>
-      </p:pic>
-      <p:pic>
-        <p:nvPicPr>
-          <p:cNvPr id="38" name="图片 37"/>
-          <p:cNvPicPr>
-            <a:picLocks noChangeAspect="1"/>
-          </p:cNvPicPr>
-          <p:nvPr/>
-        </p:nvPicPr>
-        <p:blipFill>
-          <a:blip r:embed="rId5">
-            <a:extLst>
-              <a:ext uri="{28A0092B-C50C-407E-A947-70E740481C1C}">
-                <a14:useLocalDpi xmlns:a14="http://schemas.microsoft.com/office/drawing/2010/main" val="0"/>
-              </a:ext>
-            </a:extLst>
-          </a:blip>
-          <a:stretch>
-            <a:fillRect/>
-          </a:stretch>
-        </p:blipFill>
-        <p:spPr>
-          <a:xfrm>
-            <a:off x="314033" y="4573284"/>
-            <a:ext cx="392921" cy="392921"/>
-          </a:xfrm>
-          <a:prstGeom prst="rect">
-            <a:avLst/>
-          </a:prstGeom>
-        </p:spPr>
-      </p:pic>
-      <p:cxnSp>
-        <p:nvCxnSpPr>
-          <p:cNvPr id="40" name="直接连接符 39"/>
-          <p:cNvCxnSpPr/>
-          <p:nvPr/>
-        </p:nvCxnSpPr>
-        <p:spPr>
-          <a:xfrm>
-            <a:off x="213675" y="2196133"/>
-            <a:ext cx="5303346" cy="0"/>
-          </a:xfrm>
-          <a:prstGeom prst="line">
-            <a:avLst/>
-          </a:prstGeom>
-          <a:ln/>
-        </p:spPr>
-        <p:style>
-          <a:lnRef idx="1">
-            <a:schemeClr val="dk1"/>
-          </a:lnRef>
-          <a:fillRef idx="0">
-            <a:schemeClr val="dk1"/>
-          </a:fillRef>
-          <a:effectRef idx="0">
-            <a:schemeClr val="dk1"/>
-          </a:effectRef>
-          <a:fontRef idx="minor">
-            <a:schemeClr val="tx1"/>
-          </a:fontRef>
-        </p:style>
-      </p:cxnSp>
-      <p:cxnSp>
-        <p:nvCxnSpPr>
-          <p:cNvPr id="41" name="直接连接符 40"/>
-          <p:cNvCxnSpPr/>
-          <p:nvPr/>
-        </p:nvCxnSpPr>
-        <p:spPr>
-          <a:xfrm>
-            <a:off x="227891" y="3249939"/>
-            <a:ext cx="5303346" cy="0"/>
-          </a:xfrm>
-          <a:prstGeom prst="line">
-            <a:avLst/>
-          </a:prstGeom>
-          <a:ln/>
-        </p:spPr>
-        <p:style>
-          <a:lnRef idx="1">
-            <a:schemeClr val="dk1"/>
-          </a:lnRef>
-          <a:fillRef idx="0">
-            <a:schemeClr val="dk1"/>
-          </a:fillRef>
-          <a:effectRef idx="0">
-            <a:schemeClr val="dk1"/>
-          </a:effectRef>
-          <a:fontRef idx="minor">
-            <a:schemeClr val="tx1"/>
-          </a:fontRef>
-        </p:style>
-      </p:cxnSp>
-      <p:cxnSp>
-        <p:nvCxnSpPr>
-          <p:cNvPr id="42" name="直接连接符 41"/>
-          <p:cNvCxnSpPr/>
-          <p:nvPr/>
-        </p:nvCxnSpPr>
-        <p:spPr>
-          <a:xfrm>
-            <a:off x="213675" y="6616851"/>
-            <a:ext cx="5303346" cy="0"/>
-          </a:xfrm>
-          <a:prstGeom prst="line">
-            <a:avLst/>
-          </a:prstGeom>
-          <a:ln/>
-        </p:spPr>
-        <p:style>
-          <a:lnRef idx="1">
-            <a:schemeClr val="dk1"/>
-          </a:lnRef>
-          <a:fillRef idx="0">
-            <a:schemeClr val="dk1"/>
-          </a:fillRef>
-          <a:effectRef idx="0">
-            <a:schemeClr val="dk1"/>
-          </a:effectRef>
-          <a:fontRef idx="minor">
-            <a:schemeClr val="tx1"/>
-          </a:fontRef>
-        </p:style>
-      </p:cxnSp>
-      <p:sp>
-        <p:nvSpPr>
-          <p:cNvPr id="45" name="文本框 44"/>
-          <p:cNvSpPr txBox="1"/>
-          <p:nvPr/>
-        </p:nvSpPr>
-        <p:spPr>
-          <a:xfrm>
-            <a:off x="6336371" y="1441222"/>
-            <a:ext cx="4190570" cy="584775"/>
-          </a:xfrm>
-          <a:prstGeom prst="rect">
-            <a:avLst/>
-          </a:prstGeom>
-          <a:noFill/>
-        </p:spPr>
-        <p:txBody>
-          <a:bodyPr wrap="square" rtlCol="0">
-            <a:spAutoFit/>
-          </a:bodyPr>
-          <a:lstStyle/>
-          <a:p>
-            <a:r>
-              <a:rPr lang="zh-CN" altLang="en-US" sz="1400" b="1" dirty="0" smtClean="0">
-                <a:latin typeface="微软雅黑" panose="020B0503020204020204" pitchFamily="34" charset="-122"/>
-                <a:ea typeface="微软雅黑" panose="020B0503020204020204" pitchFamily="34" charset="-122"/>
-              </a:rPr>
-              <a:t>生產製造系統通用</a:t>
-            </a:r>
-            <a:r>
-              <a:rPr lang="zh-CN" altLang="en-US" sz="1400" b="1" dirty="0">
-                <a:latin typeface="微软雅黑" panose="020B0503020204020204" pitchFamily="34" charset="-122"/>
-                <a:ea typeface="微软雅黑" panose="020B0503020204020204" pitchFamily="34" charset="-122"/>
-              </a:rPr>
-              <a:t>框架開</a:t>
-            </a:r>
-            <a:r>
-              <a:rPr lang="zh-CN" altLang="en-US" sz="1400" b="1" dirty="0" smtClean="0">
-                <a:latin typeface="微软雅黑" panose="020B0503020204020204" pitchFamily="34" charset="-122"/>
-                <a:ea typeface="微软雅黑" panose="020B0503020204020204" pitchFamily="34" charset="-122"/>
-              </a:rPr>
-              <a:t>發</a:t>
-            </a:r>
-            <a:endParaRPr lang="en-US" altLang="zh-CN" sz="1400" b="1" dirty="0" smtClean="0">
-              <a:latin typeface="微软雅黑" panose="020B0503020204020204" pitchFamily="34" charset="-122"/>
-              <a:ea typeface="微软雅黑" panose="020B0503020204020204" pitchFamily="34" charset="-122"/>
-            </a:endParaRPr>
-          </a:p>
-          <a:p>
-            <a:r>
-              <a:rPr lang="zh-CN" altLang="en-US" dirty="0"/>
-              <a:t>多語言框架開</a:t>
-            </a:r>
-            <a:r>
-              <a:rPr lang="zh-CN" altLang="en-US" dirty="0" smtClean="0"/>
-              <a:t>發、</a:t>
-            </a:r>
-            <a:endParaRPr lang="en-US" altLang="zh-CN" dirty="0"/>
-          </a:p>
-        </p:txBody>
-      </p:sp>
-      <p:sp>
-        <p:nvSpPr>
-          <p:cNvPr id="48" name="文本框 47"/>
-          <p:cNvSpPr txBox="1"/>
-          <p:nvPr/>
-        </p:nvSpPr>
-        <p:spPr>
-          <a:xfrm>
-            <a:off x="6302291" y="2350137"/>
-            <a:ext cx="5440530" cy="677108"/>
-          </a:xfrm>
-          <a:prstGeom prst="rect">
-            <a:avLst/>
-          </a:prstGeom>
-          <a:noFill/>
-        </p:spPr>
-        <p:txBody>
-          <a:bodyPr wrap="square" rtlCol="0">
-            <a:spAutoFit/>
-          </a:bodyPr>
-          <a:lstStyle/>
-          <a:p>
-            <a:r>
-              <a:rPr lang="zh-CN" altLang="en-US" sz="1400" b="1" dirty="0" smtClean="0">
-                <a:latin typeface="微软雅黑" panose="020B0503020204020204" pitchFamily="34" charset="-122"/>
-                <a:ea typeface="微软雅黑" panose="020B0503020204020204" pitchFamily="34" charset="-122"/>
-              </a:rPr>
-              <a:t>物聯系統優化</a:t>
-            </a:r>
-            <a:r>
-              <a:rPr lang="en-US" altLang="zh-CN" sz="1400" b="1" dirty="0" smtClean="0">
-                <a:latin typeface="微软雅黑" panose="020B0503020204020204" pitchFamily="34" charset="-122"/>
-                <a:ea typeface="微软雅黑" panose="020B0503020204020204" pitchFamily="34" charset="-122"/>
-              </a:rPr>
-              <a:t>&amp;</a:t>
-            </a:r>
-            <a:r>
-              <a:rPr lang="zh-CN" altLang="en-US" sz="1400" b="1" dirty="0" smtClean="0">
-                <a:latin typeface="微软雅黑" panose="020B0503020204020204" pitchFamily="34" charset="-122"/>
-                <a:ea typeface="微软雅黑" panose="020B0503020204020204" pitchFamily="34" charset="-122"/>
-              </a:rPr>
-              <a:t>整合平台開發</a:t>
-            </a:r>
-            <a:endParaRPr lang="en-US" altLang="zh-CN" sz="1400" b="1" dirty="0" smtClean="0">
-              <a:latin typeface="微软雅黑" panose="020B0503020204020204" pitchFamily="34" charset="-122"/>
-              <a:ea typeface="微软雅黑" panose="020B0503020204020204" pitchFamily="34" charset="-122"/>
-            </a:endParaRPr>
-          </a:p>
-          <a:p>
-            <a:r>
-              <a:rPr lang="zh-CN" altLang="en-US" sz="1200" dirty="0" smtClean="0">
-                <a:latin typeface="微软雅黑 Light" panose="020B0502040204020203" pitchFamily="34" charset="-122"/>
-                <a:ea typeface="微软雅黑 Light" panose="020B0502040204020203" pitchFamily="34" charset="-122"/>
-              </a:rPr>
-              <a:t>儲物櫃、充電櫃、宿舍智能鎖、等服物聯務端應用</a:t>
-            </a:r>
-            <a:r>
-              <a:rPr lang="en-US" altLang="zh-CN" sz="1200" dirty="0" smtClean="0">
-                <a:latin typeface="微软雅黑 Light" panose="020B0502040204020203" pitchFamily="34" charset="-122"/>
-                <a:ea typeface="微软雅黑 Light" panose="020B0502040204020203" pitchFamily="34" charset="-122"/>
-              </a:rPr>
-              <a:t>,</a:t>
-            </a:r>
-            <a:r>
-              <a:rPr lang="zh-CN" altLang="en-US" sz="1200" dirty="0" smtClean="0">
-                <a:latin typeface="微软雅黑 Light" panose="020B0502040204020203" pitchFamily="34" charset="-122"/>
-                <a:ea typeface="微软雅黑 Light" panose="020B0502040204020203" pitchFamily="34" charset="-122"/>
-              </a:rPr>
-              <a:t>存在性能、穩定性、代碼質量等多種因素</a:t>
-            </a:r>
-            <a:r>
-              <a:rPr lang="en-US" altLang="zh-CN" sz="1200" dirty="0" smtClean="0">
-                <a:latin typeface="微软雅黑 Light" panose="020B0502040204020203" pitchFamily="34" charset="-122"/>
-                <a:ea typeface="微软雅黑 Light" panose="020B0502040204020203" pitchFamily="34" charset="-122"/>
-              </a:rPr>
-              <a:t>,</a:t>
-            </a:r>
-            <a:r>
-              <a:rPr lang="zh-CN" altLang="en-US" sz="1200" dirty="0" smtClean="0">
-                <a:latin typeface="微软雅黑 Light" panose="020B0502040204020203" pitchFamily="34" charset="-122"/>
-                <a:ea typeface="微软雅黑 Light" panose="020B0502040204020203" pitchFamily="34" charset="-122"/>
-              </a:rPr>
-              <a:t>導致等每天需要耗費大量精力進行異常處理和軟件維護</a:t>
-            </a:r>
-            <a:r>
-              <a:rPr lang="en-US" altLang="zh-CN" sz="1200" dirty="0" smtClean="0">
-                <a:latin typeface="微软雅黑 Light" panose="020B0502040204020203" pitchFamily="34" charset="-122"/>
-                <a:ea typeface="微软雅黑 Light" panose="020B0502040204020203" pitchFamily="34" charset="-122"/>
-              </a:rPr>
-              <a:t>,</a:t>
-            </a:r>
-            <a:r>
-              <a:rPr lang="zh-CN" altLang="en-US" sz="1200" dirty="0" smtClean="0">
-                <a:latin typeface="微软雅黑 Light" panose="020B0502040204020203" pitchFamily="34" charset="-122"/>
-                <a:ea typeface="微软雅黑 Light" panose="020B0502040204020203" pitchFamily="34" charset="-122"/>
-              </a:rPr>
-              <a:t>拖累團隊</a:t>
-            </a:r>
-            <a:r>
-              <a:rPr lang="en-US" altLang="zh-CN" sz="1200" dirty="0" smtClean="0">
-                <a:latin typeface="微软雅黑 Light" panose="020B0502040204020203" pitchFamily="34" charset="-122"/>
-                <a:ea typeface="微软雅黑 Light" panose="020B0502040204020203" pitchFamily="34" charset="-122"/>
-              </a:rPr>
-              <a:t>,</a:t>
-            </a:r>
-            <a:endParaRPr lang="en-US" altLang="zh-CN" sz="1200" dirty="0">
-              <a:latin typeface="微软雅黑 Light" panose="020B0502040204020203" pitchFamily="34" charset="-122"/>
-              <a:ea typeface="微软雅黑 Light" panose="020B0502040204020203" pitchFamily="34" charset="-122"/>
-            </a:endParaRPr>
-          </a:p>
-        </p:txBody>
-      </p:sp>
-      <p:sp>
-        <p:nvSpPr>
-          <p:cNvPr id="49" name="文本框 48"/>
-          <p:cNvSpPr txBox="1"/>
-          <p:nvPr/>
-        </p:nvSpPr>
-        <p:spPr>
-          <a:xfrm>
-            <a:off x="6336371" y="3838948"/>
-            <a:ext cx="4990239" cy="1046440"/>
-          </a:xfrm>
-          <a:prstGeom prst="rect">
-            <a:avLst/>
-          </a:prstGeom>
-          <a:noFill/>
-        </p:spPr>
-        <p:txBody>
-          <a:bodyPr wrap="square" rtlCol="0">
-            <a:spAutoFit/>
-          </a:bodyPr>
-          <a:lstStyle/>
-          <a:p>
-            <a:r>
-              <a:rPr lang="zh-CN" altLang="en-US" sz="1400" b="1" dirty="0">
-                <a:latin typeface="微软雅黑" panose="020B0503020204020204" pitchFamily="34" charset="-122"/>
-                <a:ea typeface="微软雅黑" panose="020B0503020204020204" pitchFamily="34" charset="-122"/>
-              </a:rPr>
-              <a:t>自研電腦監控系統替代</a:t>
-            </a:r>
-            <a:r>
-              <a:rPr lang="en-US" altLang="zh-CN" sz="1400" b="1" dirty="0" err="1">
-                <a:latin typeface="微软雅黑" panose="020B0503020204020204" pitchFamily="34" charset="-122"/>
-                <a:ea typeface="微软雅黑" panose="020B0503020204020204" pitchFamily="34" charset="-122"/>
-              </a:rPr>
-              <a:t>IPGuard</a:t>
-            </a:r>
-            <a:endParaRPr lang="en-US" altLang="zh-CN" sz="1400" b="1" dirty="0">
-              <a:latin typeface="微软雅黑" panose="020B0503020204020204" pitchFamily="34" charset="-122"/>
-              <a:ea typeface="微软雅黑" panose="020B0503020204020204" pitchFamily="34" charset="-122"/>
-            </a:endParaRPr>
-          </a:p>
-          <a:p>
-            <a:r>
-              <a:rPr lang="zh-CN" altLang="en-US" sz="1200" dirty="0" smtClean="0">
-                <a:latin typeface="微软雅黑 Light" panose="020B0502040204020203" pitchFamily="34" charset="-122"/>
-                <a:ea typeface="微软雅黑 Light" panose="020B0502040204020203" pitchFamily="34" charset="-122"/>
-              </a:rPr>
-              <a:t>使用</a:t>
-            </a:r>
-            <a:r>
-              <a:rPr lang="en-US" altLang="zh-CN" sz="1200" dirty="0" smtClean="0">
-                <a:latin typeface="微软雅黑 Light" panose="020B0502040204020203" pitchFamily="34" charset="-122"/>
-                <a:ea typeface="微软雅黑 Light" panose="020B0502040204020203" pitchFamily="34" charset="-122"/>
-              </a:rPr>
-              <a:t>C++</a:t>
-            </a:r>
-            <a:r>
-              <a:rPr lang="zh-CN" altLang="en-US" sz="1200" dirty="0" smtClean="0">
-                <a:latin typeface="微软雅黑 Light" panose="020B0502040204020203" pitchFamily="34" charset="-122"/>
-                <a:ea typeface="微软雅黑 Light" panose="020B0502040204020203" pitchFamily="34" charset="-122"/>
-              </a:rPr>
-              <a:t>、</a:t>
-            </a:r>
-            <a:r>
-              <a:rPr lang="en-US" altLang="zh-CN" sz="1200" dirty="0" smtClean="0">
-                <a:latin typeface="微软雅黑 Light" panose="020B0502040204020203" pitchFamily="34" charset="-122"/>
-                <a:ea typeface="微软雅黑 Light" panose="020B0502040204020203" pitchFamily="34" charset="-122"/>
-              </a:rPr>
-              <a:t>C#/ASP.NET CORE</a:t>
-            </a:r>
-            <a:r>
-              <a:rPr lang="zh-CN" altLang="en-US" sz="1200" dirty="0" smtClean="0">
-                <a:latin typeface="微软雅黑 Light" panose="020B0502040204020203" pitchFamily="34" charset="-122"/>
-                <a:ea typeface="微软雅黑 Light" panose="020B0502040204020203" pitchFamily="34" charset="-122"/>
-              </a:rPr>
-              <a:t>等技術、獨立一人完成架構設計、功能設計、代碼實現</a:t>
-            </a:r>
-            <a:r>
-              <a:rPr lang="zh-CN" altLang="en-US" sz="1200" dirty="0">
-                <a:latin typeface="微软雅黑 Light" panose="020B0502040204020203" pitchFamily="34" charset="-122"/>
-                <a:ea typeface="微软雅黑 Light" panose="020B0502040204020203" pitchFamily="34" charset="-122"/>
-              </a:rPr>
-              <a:t>。</a:t>
-            </a:r>
-            <a:r>
-              <a:rPr lang="zh-CN" altLang="en-US" sz="1200" dirty="0" smtClean="0">
-                <a:latin typeface="微软雅黑 Light" panose="020B0502040204020203" pitchFamily="34" charset="-122"/>
-                <a:ea typeface="微软雅黑 Light" panose="020B0502040204020203" pitchFamily="34" charset="-122"/>
-              </a:rPr>
-              <a:t>可替代</a:t>
-            </a:r>
-            <a:r>
-              <a:rPr lang="en-US" altLang="zh-CN" sz="1200" dirty="0" err="1" smtClean="0">
-                <a:latin typeface="微软雅黑 Light" panose="020B0502040204020203" pitchFamily="34" charset="-122"/>
-                <a:ea typeface="微软雅黑 Light" panose="020B0502040204020203" pitchFamily="34" charset="-122"/>
-              </a:rPr>
-              <a:t>IPGuard</a:t>
-            </a:r>
-            <a:r>
-              <a:rPr lang="zh-CN" altLang="en-US" sz="1200" dirty="0" smtClean="0">
-                <a:latin typeface="微软雅黑 Light" panose="020B0502040204020203" pitchFamily="34" charset="-122"/>
-                <a:ea typeface="微软雅黑 Light" panose="020B0502040204020203" pitchFamily="34" charset="-122"/>
-              </a:rPr>
-              <a:t>導入生產段電腦完成遠程指令執行、軟件</a:t>
-            </a:r>
-            <a:r>
-              <a:rPr lang="en-US" altLang="zh-CN" sz="1200" dirty="0" smtClean="0">
-                <a:latin typeface="微软雅黑 Light" panose="020B0502040204020203" pitchFamily="34" charset="-122"/>
-                <a:ea typeface="微软雅黑 Light" panose="020B0502040204020203" pitchFamily="34" charset="-122"/>
-              </a:rPr>
-              <a:t>&amp;</a:t>
-            </a:r>
-            <a:r>
-              <a:rPr lang="zh-CN" altLang="en-US" sz="1200" dirty="0" smtClean="0">
-                <a:latin typeface="微软雅黑 Light" panose="020B0502040204020203" pitchFamily="34" charset="-122"/>
-                <a:ea typeface="微软雅黑 Light" panose="020B0502040204020203" pitchFamily="34" charset="-122"/>
-              </a:rPr>
-              <a:t>硬件信息採集、在線狀態監控等功能</a:t>
-            </a:r>
-            <a:r>
-              <a:rPr lang="en-US" altLang="zh-CN" sz="1200" dirty="0" smtClean="0">
-                <a:latin typeface="微软雅黑 Light" panose="020B0502040204020203" pitchFamily="34" charset="-122"/>
-                <a:ea typeface="微软雅黑 Light" panose="020B0502040204020203" pitchFamily="34" charset="-122"/>
-              </a:rPr>
-              <a:t>,</a:t>
-            </a:r>
-            <a:r>
-              <a:rPr lang="zh-CN" altLang="en-US" sz="1200" dirty="0" smtClean="0">
-                <a:latin typeface="微软雅黑 Light" panose="020B0502040204020203" pitchFamily="34" charset="-122"/>
-                <a:ea typeface="微软雅黑 Light" panose="020B0502040204020203" pitchFamily="34" charset="-122"/>
-              </a:rPr>
-              <a:t>為公司每年節省</a:t>
-            </a:r>
-            <a:r>
-              <a:rPr lang="en-US" altLang="zh-CN" sz="1200" dirty="0" smtClean="0">
-                <a:latin typeface="微软雅黑 Light" panose="020B0502040204020203" pitchFamily="34" charset="-122"/>
-                <a:ea typeface="微软雅黑 Light" panose="020B0502040204020203" pitchFamily="34" charset="-122"/>
-              </a:rPr>
-              <a:t>75</a:t>
-            </a:r>
-            <a:r>
-              <a:rPr lang="zh-CN" altLang="en-US" sz="1200" dirty="0" smtClean="0">
-                <a:latin typeface="微软雅黑 Light" panose="020B0502040204020203" pitchFamily="34" charset="-122"/>
-                <a:ea typeface="微软雅黑 Light" panose="020B0502040204020203" pitchFamily="34" charset="-122"/>
-              </a:rPr>
-              <a:t>萬</a:t>
-            </a:r>
-            <a:r>
-              <a:rPr lang="en-US" altLang="zh-CN" sz="1200" dirty="0" smtClean="0">
-                <a:latin typeface="微软雅黑 Light" panose="020B0502040204020203" pitchFamily="34" charset="-122"/>
-                <a:ea typeface="微软雅黑 Light" panose="020B0502040204020203" pitchFamily="34" charset="-122"/>
-              </a:rPr>
-              <a:t>RMB</a:t>
-            </a:r>
-            <a:r>
-              <a:rPr lang="zh-CN" altLang="en-US" sz="1200" dirty="0" smtClean="0">
-                <a:latin typeface="微软雅黑 Light" panose="020B0502040204020203" pitchFamily="34" charset="-122"/>
-                <a:ea typeface="微软雅黑 Light" panose="020B0502040204020203" pitchFamily="34" charset="-122"/>
-              </a:rPr>
-              <a:t>的授權費用</a:t>
-            </a:r>
-            <a:endParaRPr lang="en-US" altLang="zh-CN" sz="1200" dirty="0">
-              <a:latin typeface="微软雅黑 Light" panose="020B0502040204020203" pitchFamily="34" charset="-122"/>
-              <a:ea typeface="微软雅黑 Light" panose="020B0502040204020203" pitchFamily="34" charset="-122"/>
-            </a:endParaRPr>
-          </a:p>
-        </p:txBody>
-      </p:sp>
-      <p:sp>
-        <p:nvSpPr>
-          <p:cNvPr id="50" name="內容版面配置區 2"/>
-          <p:cNvSpPr txBox="1">
-            <a:spLocks/>
-          </p:cNvSpPr>
-          <p:nvPr/>
-        </p:nvSpPr>
-        <p:spPr>
-          <a:xfrm>
-            <a:off x="6871236" y="724896"/>
-            <a:ext cx="1493520" cy="344780"/>
-          </a:xfrm>
-          <a:prstGeom prst="rect">
-            <a:avLst/>
-          </a:prstGeom>
-        </p:spPr>
-        <p:txBody>
-          <a:bodyPr vert="horz" lIns="91440" tIns="45720" rIns="91440" bIns="45720" rtlCol="0" anchor="t">
-            <a:normAutofit/>
-          </a:bodyPr>
-          <a:lstStyle>
-            <a:defPPr>
-              <a:defRPr lang="zh-TW"/>
-            </a:defPPr>
-            <a:lvl1pPr marR="0" lvl="0" indent="0" fontAlgn="auto">
-              <a:lnSpc>
-                <a:spcPct val="90000"/>
-              </a:lnSpc>
-              <a:spcBef>
-                <a:spcPct val="0"/>
-              </a:spcBef>
-              <a:spcAft>
-                <a:spcPts val="0"/>
-              </a:spcAft>
-              <a:buClrTx/>
-              <a:buSzTx/>
-              <a:buFontTx/>
-              <a:buNone/>
-              <a:tabLst/>
-              <a:defRPr sz="2000" b="1" spc="100">
-                <a:solidFill>
-                  <a:srgbClr val="FFFF00"/>
-                </a:solidFill>
-                <a:latin typeface="Microsoft YaHei" panose="020B0503020204020204" pitchFamily="34" charset="-122"/>
-                <a:ea typeface="Microsoft YaHei" panose="020B0503020204020204" pitchFamily="34" charset="-122"/>
-              </a:defRPr>
-            </a:lvl1pPr>
-          </a:lstStyle>
-          <a:p>
-            <a:r>
-              <a:rPr lang="zh-CN" altLang="en-US" sz="1600" dirty="0" smtClean="0">
-                <a:solidFill>
-                  <a:schemeClr val="tx1"/>
-                </a:solidFill>
-              </a:rPr>
-              <a:t>近年成就</a:t>
-            </a:r>
-            <a:endParaRPr lang="zh-TW" altLang="en-US" sz="1600" dirty="0">
-              <a:solidFill>
-                <a:schemeClr val="tx1"/>
-              </a:solidFill>
-            </a:endParaRPr>
-          </a:p>
-        </p:txBody>
-      </p:sp>
-      <p:pic>
-        <p:nvPicPr>
-          <p:cNvPr id="51" name="图片 50"/>
-          <p:cNvPicPr>
-            <a:picLocks noChangeAspect="1"/>
-          </p:cNvPicPr>
-          <p:nvPr/>
-        </p:nvPicPr>
-        <p:blipFill>
-          <a:blip r:embed="rId2">
-            <a:extLst>
-              <a:ext uri="{28A0092B-C50C-407E-A947-70E740481C1C}">
-                <a14:useLocalDpi xmlns:a14="http://schemas.microsoft.com/office/drawing/2010/main" val="0"/>
-              </a:ext>
-            </a:extLst>
-          </a:blip>
-          <a:stretch>
-            <a:fillRect/>
-          </a:stretch>
-        </p:blipFill>
-        <p:spPr>
-          <a:xfrm>
-            <a:off x="6399656" y="697157"/>
-            <a:ext cx="372519" cy="372519"/>
-          </a:xfrm>
-          <a:prstGeom prst="rect">
-            <a:avLst/>
-          </a:prstGeom>
-        </p:spPr>
-      </p:pic>
-      <p:sp>
-        <p:nvSpPr>
-          <p:cNvPr id="52" name="文本框 51"/>
-          <p:cNvSpPr txBox="1"/>
-          <p:nvPr/>
-        </p:nvSpPr>
-        <p:spPr>
-          <a:xfrm>
-            <a:off x="6399656" y="5435711"/>
-            <a:ext cx="4064000" cy="492443"/>
-          </a:xfrm>
-          <a:prstGeom prst="rect">
-            <a:avLst/>
-          </a:prstGeom>
-          <a:noFill/>
-        </p:spPr>
-        <p:txBody>
-          <a:bodyPr wrap="square" rtlCol="0">
-            <a:spAutoFit/>
-          </a:bodyPr>
-          <a:lstStyle/>
-          <a:p>
-            <a:r>
-              <a:rPr lang="zh-CN" altLang="en-US" sz="1400" b="1" dirty="0">
-                <a:latin typeface="微软雅黑" panose="020B0503020204020204" pitchFamily="34" charset="-122"/>
-                <a:ea typeface="微软雅黑" panose="020B0503020204020204" pitchFamily="34" charset="-122"/>
-              </a:rPr>
-              <a:t>資</a:t>
-            </a:r>
-            <a:r>
-              <a:rPr lang="zh-CN" altLang="en-US" sz="1400" b="1" dirty="0" smtClean="0">
-                <a:latin typeface="微软雅黑" panose="020B0503020204020204" pitchFamily="34" charset="-122"/>
-                <a:ea typeface="微软雅黑" panose="020B0503020204020204" pitchFamily="34" charset="-122"/>
-              </a:rPr>
-              <a:t>按</a:t>
-            </a:r>
-            <a:r>
-              <a:rPr lang="zh-CN" altLang="en-US" sz="1400" b="1" dirty="0">
-                <a:latin typeface="微软雅黑" panose="020B0503020204020204" pitchFamily="34" charset="-122"/>
-                <a:ea typeface="微软雅黑" panose="020B0503020204020204" pitchFamily="34" charset="-122"/>
-              </a:rPr>
-              <a:t>開</a:t>
-            </a:r>
-            <a:r>
-              <a:rPr lang="zh-CN" altLang="en-US" sz="1400" b="1" dirty="0" smtClean="0">
-                <a:latin typeface="微软雅黑" panose="020B0503020204020204" pitchFamily="34" charset="-122"/>
-                <a:ea typeface="微软雅黑" panose="020B0503020204020204" pitchFamily="34" charset="-122"/>
-              </a:rPr>
-              <a:t>發</a:t>
-            </a:r>
-            <a:endParaRPr lang="zh-CN" altLang="en-US" sz="1400" b="1" dirty="0">
-              <a:latin typeface="微软雅黑" panose="020B0503020204020204" pitchFamily="34" charset="-122"/>
-              <a:ea typeface="微软雅黑" panose="020B0503020204020204" pitchFamily="34" charset="-122"/>
-            </a:endParaRPr>
-          </a:p>
-          <a:p>
-            <a:r>
-              <a:rPr lang="en-US" altLang="zh-CN" sz="1200" dirty="0" smtClean="0">
-                <a:latin typeface="微软雅黑 Light" panose="020B0502040204020203" pitchFamily="34" charset="-122"/>
-                <a:ea typeface="微软雅黑 Light" panose="020B0502040204020203" pitchFamily="34" charset="-122"/>
-              </a:rPr>
-              <a:t>1.SFC</a:t>
-            </a:r>
-            <a:r>
-              <a:rPr lang="zh-CN" altLang="en-US" sz="1200" dirty="0" smtClean="0">
-                <a:latin typeface="微软雅黑 Light" panose="020B0502040204020203" pitchFamily="34" charset="-122"/>
-                <a:ea typeface="微软雅黑 Light" panose="020B0502040204020203" pitchFamily="34" charset="-122"/>
-              </a:rPr>
-              <a:t>版本控制推</a:t>
-            </a:r>
-            <a:r>
-              <a:rPr lang="zh-CN" altLang="en-US" sz="1200" dirty="0" smtClean="0">
-                <a:latin typeface="微软雅黑 Light" panose="020B0502040204020203" pitchFamily="34" charset="-122"/>
-                <a:ea typeface="微软雅黑 Light" panose="020B0502040204020203" pitchFamily="34" charset="-122"/>
-              </a:rPr>
-              <a:t>動</a:t>
-            </a:r>
-            <a:endParaRPr lang="en-US" altLang="zh-CN" sz="1200" dirty="0" smtClean="0">
-              <a:latin typeface="微软雅黑 Light" panose="020B0502040204020203" pitchFamily="34" charset="-122"/>
-              <a:ea typeface="微软雅黑 Light" panose="020B0502040204020203" pitchFamily="34" charset="-122"/>
-            </a:endParaRPr>
-          </a:p>
-        </p:txBody>
-      </p:sp>
-      <p:sp>
-        <p:nvSpPr>
-          <p:cNvPr id="53" name="文本框 52"/>
-          <p:cNvSpPr txBox="1"/>
-          <p:nvPr/>
-        </p:nvSpPr>
-        <p:spPr>
-          <a:xfrm>
-            <a:off x="755921" y="2248938"/>
-            <a:ext cx="4729411" cy="861774"/>
-          </a:xfrm>
-          <a:prstGeom prst="rect">
-            <a:avLst/>
-          </a:prstGeom>
-          <a:noFill/>
-        </p:spPr>
-        <p:txBody>
-          <a:bodyPr wrap="square" rtlCol="0">
-            <a:spAutoFit/>
-          </a:bodyPr>
-          <a:lstStyle/>
-          <a:p>
-            <a:r>
-              <a:rPr lang="zh-CN" altLang="en-US" sz="1400" b="1" dirty="0" smtClean="0">
-                <a:latin typeface="微软雅黑" panose="020B0503020204020204" pitchFamily="34" charset="-122"/>
-                <a:ea typeface="微软雅黑" panose="020B0503020204020204" pitchFamily="34" charset="-122"/>
-              </a:rPr>
-              <a:t>架構設計、代碼重構</a:t>
-            </a:r>
-            <a:endParaRPr lang="en-US" altLang="zh-CN" sz="1400" b="1" dirty="0" smtClean="0">
-              <a:latin typeface="微软雅黑" panose="020B0503020204020204" pitchFamily="34" charset="-122"/>
-              <a:ea typeface="微软雅黑" panose="020B0503020204020204" pitchFamily="34" charset="-122"/>
-            </a:endParaRPr>
-          </a:p>
-          <a:p>
-            <a:r>
-              <a:rPr lang="zh-TW" altLang="en-US" sz="1200" dirty="0">
-                <a:latin typeface="微软雅黑 Light" panose="020B0502040204020203" pitchFamily="34" charset="-122"/>
-                <a:ea typeface="微软雅黑 Light" panose="020B0502040204020203" pitchFamily="34" charset="-122"/>
-              </a:rPr>
-              <a:t>可根據業</a:t>
-            </a:r>
-            <a:r>
-              <a:rPr lang="zh-TW" altLang="en-US" sz="1200" dirty="0" smtClean="0">
-                <a:latin typeface="微软雅黑 Light" panose="020B0502040204020203" pitchFamily="34" charset="-122"/>
-                <a:ea typeface="微软雅黑 Light" panose="020B0502040204020203" pitchFamily="34" charset="-122"/>
-              </a:rPr>
-              <a:t>務</a:t>
-            </a:r>
-            <a:r>
-              <a:rPr lang="zh-CN" altLang="en-US" sz="1200" dirty="0" smtClean="0">
-                <a:latin typeface="微软雅黑 Light" panose="020B0502040204020203" pitchFamily="34" charset="-122"/>
-                <a:ea typeface="微软雅黑 Light" panose="020B0502040204020203" pitchFamily="34" charset="-122"/>
-              </a:rPr>
-              <a:t>根據實際情況</a:t>
-            </a:r>
-            <a:r>
-              <a:rPr lang="zh-TW" altLang="en-US" sz="1200" dirty="0" smtClean="0">
-                <a:latin typeface="微软雅黑 Light" panose="020B0502040204020203" pitchFamily="34" charset="-122"/>
-                <a:ea typeface="微软雅黑 Light" panose="020B0502040204020203" pitchFamily="34" charset="-122"/>
-              </a:rPr>
-              <a:t>設計</a:t>
-            </a:r>
-            <a:r>
-              <a:rPr lang="zh-CN" altLang="en-US" sz="1200" dirty="0" smtClean="0">
-                <a:latin typeface="微软雅黑 Light" panose="020B0502040204020203" pitchFamily="34" charset="-122"/>
-                <a:ea typeface="微软雅黑 Light" panose="020B0502040204020203" pitchFamily="34" charset="-122"/>
-              </a:rPr>
-              <a:t>優雅</a:t>
-            </a:r>
-            <a:r>
-              <a:rPr lang="zh-TW" altLang="en-US" sz="1200" dirty="0" smtClean="0">
-                <a:latin typeface="微软雅黑 Light" panose="020B0502040204020203" pitchFamily="34" charset="-122"/>
-                <a:ea typeface="微软雅黑 Light" panose="020B0502040204020203" pitchFamily="34" charset="-122"/>
-              </a:rPr>
-              <a:t>架構方案</a:t>
-            </a:r>
-            <a:r>
-              <a:rPr lang="zh-TW" altLang="en-US" sz="1200" dirty="0">
-                <a:latin typeface="微软雅黑 Light" panose="020B0502040204020203" pitchFamily="34" charset="-122"/>
-                <a:ea typeface="微软雅黑 Light" panose="020B0502040204020203" pitchFamily="34" charset="-122"/>
-              </a:rPr>
-              <a:t>包括</a:t>
-            </a:r>
-            <a:r>
-              <a:rPr lang="en-US" altLang="zh-TW" sz="1200" dirty="0">
-                <a:latin typeface="微软雅黑 Light" panose="020B0502040204020203" pitchFamily="34" charset="-122"/>
-                <a:ea typeface="微软雅黑 Light" panose="020B0502040204020203" pitchFamily="34" charset="-122"/>
-              </a:rPr>
-              <a:t>:</a:t>
-            </a:r>
-            <a:r>
-              <a:rPr lang="zh-TW" altLang="en-US" sz="1200" dirty="0">
-                <a:latin typeface="微软雅黑 Light" panose="020B0502040204020203" pitchFamily="34" charset="-122"/>
-                <a:ea typeface="微软雅黑 Light" panose="020B0502040204020203" pitchFamily="34" charset="-122"/>
-              </a:rPr>
-              <a:t>代碼分層架構、部署架構、業務建模等</a:t>
-            </a:r>
-            <a:r>
-              <a:rPr lang="en-US" altLang="zh-TW" sz="1200" dirty="0">
-                <a:latin typeface="微软雅黑 Light" panose="020B0502040204020203" pitchFamily="34" charset="-122"/>
-                <a:ea typeface="微软雅黑 Light" panose="020B0502040204020203" pitchFamily="34" charset="-122"/>
-              </a:rPr>
-              <a:t>,</a:t>
-            </a:r>
-            <a:r>
-              <a:rPr lang="zh-TW" altLang="en-US" sz="1200" dirty="0">
-                <a:latin typeface="微软雅黑 Light" panose="020B0502040204020203" pitchFamily="34" charset="-122"/>
-                <a:ea typeface="微软雅黑 Light" panose="020B0502040204020203" pitchFamily="34" charset="-122"/>
-              </a:rPr>
-              <a:t>可畫出易懂的架構圖</a:t>
-            </a:r>
-            <a:r>
-              <a:rPr lang="en-US" altLang="zh-TW" sz="1200" dirty="0">
-                <a:latin typeface="微软雅黑 Light" panose="020B0502040204020203" pitchFamily="34" charset="-122"/>
-                <a:ea typeface="微软雅黑 Light" panose="020B0502040204020203" pitchFamily="34" charset="-122"/>
-              </a:rPr>
-              <a:t>,</a:t>
-            </a:r>
-            <a:r>
-              <a:rPr lang="zh-TW" altLang="en-US" sz="1200" dirty="0">
-                <a:latin typeface="微软雅黑 Light" panose="020B0502040204020203" pitchFamily="34" charset="-122"/>
-                <a:ea typeface="微软雅黑 Light" panose="020B0502040204020203" pitchFamily="34" charset="-122"/>
-              </a:rPr>
-              <a:t>文檔</a:t>
-            </a:r>
-            <a:r>
-              <a:rPr lang="en-US" altLang="zh-TW" sz="1200" dirty="0">
-                <a:latin typeface="微软雅黑 Light" panose="020B0502040204020203" pitchFamily="34" charset="-122"/>
-                <a:ea typeface="微软雅黑 Light" panose="020B0502040204020203" pitchFamily="34" charset="-122"/>
-              </a:rPr>
-              <a:t>,</a:t>
-            </a:r>
-            <a:r>
-              <a:rPr lang="zh-TW" altLang="en-US" sz="1200" dirty="0">
-                <a:latin typeface="微软雅黑 Light" panose="020B0502040204020203" pitchFamily="34" charset="-122"/>
-                <a:ea typeface="微软雅黑 Light" panose="020B0502040204020203" pitchFamily="34" charset="-122"/>
-              </a:rPr>
-              <a:t>推進團隊開發速度</a:t>
-            </a:r>
-            <a:r>
-              <a:rPr lang="en-US" altLang="zh-TW" sz="1200" dirty="0">
-                <a:latin typeface="微软雅黑 Light" panose="020B0502040204020203" pitchFamily="34" charset="-122"/>
-                <a:ea typeface="微软雅黑 Light" panose="020B0502040204020203" pitchFamily="34" charset="-122"/>
-              </a:rPr>
-              <a:t>,</a:t>
-            </a:r>
-            <a:r>
-              <a:rPr lang="zh-TW" altLang="en-US" sz="1200" dirty="0">
-                <a:latin typeface="微软雅黑 Light" panose="020B0502040204020203" pitchFamily="34" charset="-122"/>
-                <a:ea typeface="微软雅黑 Light" panose="020B0502040204020203" pitchFamily="34" charset="-122"/>
-              </a:rPr>
-              <a:t>使係統穩定、高效</a:t>
-            </a:r>
-            <a:endParaRPr lang="zh-CN" altLang="en-US" sz="1200" dirty="0">
-              <a:latin typeface="微软雅黑 Light" panose="020B0502040204020203" pitchFamily="34" charset="-122"/>
-              <a:ea typeface="微软雅黑 Light" panose="020B0502040204020203" pitchFamily="34" charset="-122"/>
-            </a:endParaRPr>
-          </a:p>
-        </p:txBody>
-      </p:sp>
-      <p:pic>
-        <p:nvPicPr>
-          <p:cNvPr id="54" name="图片 53"/>
-          <p:cNvPicPr>
-            <a:picLocks noChangeAspect="1"/>
-          </p:cNvPicPr>
-          <p:nvPr/>
-        </p:nvPicPr>
-        <p:blipFill>
-          <a:blip r:embed="rId3">
-            <a:extLst>
-              <a:ext uri="{28A0092B-C50C-407E-A947-70E740481C1C}">
-                <a14:useLocalDpi xmlns:a14="http://schemas.microsoft.com/office/drawing/2010/main" val="0"/>
-              </a:ext>
-            </a:extLst>
-          </a:blip>
-          <a:stretch>
-            <a:fillRect/>
-          </a:stretch>
-        </p:blipFill>
-        <p:spPr>
-          <a:xfrm>
-            <a:off x="319933" y="2501075"/>
-            <a:ext cx="391396" cy="391396"/>
-          </a:xfrm>
-          <a:prstGeom prst="rect">
-            <a:avLst/>
-          </a:prstGeom>
-        </p:spPr>
-      </p:pic>
-      <p:pic>
-        <p:nvPicPr>
-          <p:cNvPr id="56" name="图片 55"/>
-          <p:cNvPicPr>
-            <a:picLocks noChangeAspect="1"/>
-          </p:cNvPicPr>
-          <p:nvPr/>
-        </p:nvPicPr>
-        <p:blipFill>
-          <a:blip r:embed="rId3">
-            <a:extLst>
-              <a:ext uri="{28A0092B-C50C-407E-A947-70E740481C1C}">
-                <a14:useLocalDpi xmlns:a14="http://schemas.microsoft.com/office/drawing/2010/main" val="0"/>
-              </a:ext>
-            </a:extLst>
-          </a:blip>
-          <a:stretch>
-            <a:fillRect/>
-          </a:stretch>
-        </p:blipFill>
-        <p:spPr>
-          <a:xfrm>
-            <a:off x="338155" y="3497277"/>
-            <a:ext cx="403966" cy="403966"/>
-          </a:xfrm>
-          <a:prstGeom prst="rect">
-            <a:avLst/>
-          </a:prstGeom>
-        </p:spPr>
-      </p:pic>
-      <p:cxnSp>
-        <p:nvCxnSpPr>
-          <p:cNvPr id="57" name="直接连接符 56"/>
-          <p:cNvCxnSpPr/>
-          <p:nvPr/>
-        </p:nvCxnSpPr>
-        <p:spPr>
-          <a:xfrm>
-            <a:off x="213675" y="4288266"/>
-            <a:ext cx="5303346" cy="0"/>
-          </a:xfrm>
-          <a:prstGeom prst="line">
-            <a:avLst/>
-          </a:prstGeom>
-          <a:ln/>
-        </p:spPr>
-        <p:style>
-          <a:lnRef idx="1">
-            <a:schemeClr val="dk1"/>
-          </a:lnRef>
-          <a:fillRef idx="0">
-            <a:schemeClr val="dk1"/>
-          </a:fillRef>
-          <a:effectRef idx="0">
-            <a:schemeClr val="dk1"/>
-          </a:effectRef>
-          <a:fontRef idx="minor">
-            <a:schemeClr val="tx1"/>
-          </a:fontRef>
-        </p:style>
-      </p:cxnSp>
-      <p:cxnSp>
-        <p:nvCxnSpPr>
-          <p:cNvPr id="58" name="直接连接符 57"/>
-          <p:cNvCxnSpPr/>
-          <p:nvPr/>
-        </p:nvCxnSpPr>
-        <p:spPr>
-          <a:xfrm>
-            <a:off x="265907" y="5439386"/>
-            <a:ext cx="5303346" cy="0"/>
-          </a:xfrm>
-          <a:prstGeom prst="line">
-            <a:avLst/>
-          </a:prstGeom>
-          <a:ln/>
-        </p:spPr>
-        <p:style>
-          <a:lnRef idx="1">
-            <a:schemeClr val="dk1"/>
-          </a:lnRef>
-          <a:fillRef idx="0">
-            <a:schemeClr val="dk1"/>
-          </a:fillRef>
-          <a:effectRef idx="0">
-            <a:schemeClr val="dk1"/>
-          </a:effectRef>
-          <a:fontRef idx="minor">
-            <a:schemeClr val="tx1"/>
-          </a:fontRef>
-        </p:style>
-      </p:cxnSp>
-      <p:sp>
-        <p:nvSpPr>
-          <p:cNvPr id="59" name="文本框 58"/>
-          <p:cNvSpPr txBox="1"/>
-          <p:nvPr/>
-        </p:nvSpPr>
-        <p:spPr>
-          <a:xfrm>
-            <a:off x="813334" y="3329928"/>
-            <a:ext cx="4729411" cy="738664"/>
-          </a:xfrm>
-          <a:prstGeom prst="rect">
-            <a:avLst/>
-          </a:prstGeom>
-          <a:noFill/>
-        </p:spPr>
-        <p:txBody>
-          <a:bodyPr wrap="square" rtlCol="0">
-            <a:spAutoFit/>
-          </a:bodyPr>
-          <a:lstStyle/>
-          <a:p>
-            <a:r>
-              <a:rPr lang="zh-CN" altLang="en-US" sz="1400" b="1" dirty="0">
-                <a:latin typeface="微软雅黑" panose="020B0503020204020204" pitchFamily="34" charset="-122"/>
-                <a:ea typeface="微软雅黑" panose="020B0503020204020204" pitchFamily="34" charset="-122"/>
-              </a:rPr>
-              <a:t>框架開發</a:t>
-            </a:r>
-            <a:endParaRPr lang="en-US" altLang="zh-CN" sz="1400" b="1" dirty="0">
-              <a:latin typeface="微软雅黑" panose="020B0503020204020204" pitchFamily="34" charset="-122"/>
-              <a:ea typeface="微软雅黑" panose="020B0503020204020204" pitchFamily="34" charset="-122"/>
-            </a:endParaRPr>
-          </a:p>
-          <a:p>
-            <a:r>
-              <a:rPr lang="zh-CN" altLang="en-US" sz="1400" dirty="0">
-                <a:latin typeface="微软雅黑 Light" panose="020B0502040204020203" pitchFamily="34" charset="-122"/>
-                <a:ea typeface="微软雅黑 Light" panose="020B0502040204020203" pitchFamily="34" charset="-122"/>
-              </a:rPr>
-              <a:t>熟悉</a:t>
-            </a:r>
-            <a:r>
-              <a:rPr lang="en-US" altLang="zh-CN" sz="1400" dirty="0">
-                <a:latin typeface="微软雅黑 Light" panose="020B0502040204020203" pitchFamily="34" charset="-122"/>
-                <a:ea typeface="微软雅黑 Light" panose="020B0502040204020203" pitchFamily="34" charset="-122"/>
-              </a:rPr>
-              <a:t>C#/.NET </a:t>
-            </a:r>
-            <a:r>
-              <a:rPr lang="zh-CN" altLang="en-US" sz="1400" dirty="0">
-                <a:latin typeface="微软雅黑 Light" panose="020B0502040204020203" pitchFamily="34" charset="-122"/>
-                <a:ea typeface="微软雅黑 Light" panose="020B0502040204020203" pitchFamily="34" charset="-122"/>
-              </a:rPr>
-              <a:t>、</a:t>
-            </a:r>
-            <a:r>
-              <a:rPr lang="en-US" altLang="zh-CN" sz="1400" dirty="0">
-                <a:latin typeface="微软雅黑 Light" panose="020B0502040204020203" pitchFamily="34" charset="-122"/>
-                <a:ea typeface="微软雅黑 Light" panose="020B0502040204020203" pitchFamily="34" charset="-122"/>
-              </a:rPr>
-              <a:t>Java</a:t>
-            </a:r>
-            <a:r>
-              <a:rPr lang="zh-CN" altLang="en-US" sz="1400" dirty="0">
-                <a:latin typeface="微软雅黑 Light" panose="020B0502040204020203" pitchFamily="34" charset="-122"/>
-                <a:ea typeface="微软雅黑 Light" panose="020B0502040204020203" pitchFamily="34" charset="-122"/>
-              </a:rPr>
-              <a:t>技術棧高級特性</a:t>
-            </a:r>
-            <a:r>
-              <a:rPr lang="en-US" altLang="zh-CN" sz="1400" dirty="0">
-                <a:latin typeface="微软雅黑 Light" panose="020B0502040204020203" pitchFamily="34" charset="-122"/>
-                <a:ea typeface="微软雅黑 Light" panose="020B0502040204020203" pitchFamily="34" charset="-122"/>
-              </a:rPr>
-              <a:t>,</a:t>
-            </a:r>
-            <a:r>
-              <a:rPr lang="zh-CN" altLang="en-US" sz="1400" dirty="0">
-                <a:latin typeface="微软雅黑 Light" panose="020B0502040204020203" pitchFamily="34" charset="-122"/>
-                <a:ea typeface="微软雅黑 Light" panose="020B0502040204020203" pitchFamily="34" charset="-122"/>
-              </a:rPr>
-              <a:t>可封裝整個團隊通用的框架</a:t>
-            </a:r>
-            <a:endParaRPr lang="en-US" altLang="zh-CN" sz="1400" dirty="0">
-              <a:latin typeface="微软雅黑 Light" panose="020B0502040204020203" pitchFamily="34" charset="-122"/>
-              <a:ea typeface="微软雅黑 Light" panose="020B0502040204020203" pitchFamily="34" charset="-122"/>
-            </a:endParaRPr>
-          </a:p>
-        </p:txBody>
-      </p:sp>
-    </p:spTree>
-    <p:extLst>
-      <p:ext uri="{BB962C8B-B14F-4D97-AF65-F5344CB8AC3E}">
-        <p14:creationId xmlns:p14="http://schemas.microsoft.com/office/powerpoint/2010/main" val="1605343788"/>
-      </p:ext>
-    </p:extLst>
-  </p:cSld>
-  <p:clrMapOvr>
-    <a:masterClrMapping/>
-  </p:clrMapOvr>
-  <p:timing>
-    <p:tnLst>
-      <p:par>
-        <p:cTn id="1" dur="indefinite" restart="never" nodeType="tmRoot"/>
-      </p:par>
-    </p:tnLst>
-  </p:timing>
-</p:sld>
-</file>
-
-<file path=ppt/slides/slide6.xml><?xml version="1.0" encoding="utf-8"?>
-<p:sld xmlns:a="http://schemas.openxmlformats.org/drawingml/2006/main" xmlns:r="http://schemas.openxmlformats.org/officeDocument/2006/relationships" xmlns:p="http://schemas.openxmlformats.org/presentationml/2006/main">
-  <p:cSld>
-    <p:spTree>
-      <p:nvGrpSpPr>
-        <p:cNvPr id="1" name=""/>
-        <p:cNvGrpSpPr/>
-        <p:nvPr/>
-      </p:nvGrpSpPr>
-      <p:grpSpPr>
-        <a:xfrm>
-          <a:off x="0" y="0"/>
-          <a:ext cx="0" cy="0"/>
-          <a:chOff x="0" y="0"/>
-          <a:chExt cx="0" cy="0"/>
-        </a:xfrm>
-      </p:grpSpPr>
-      <p:sp>
-        <p:nvSpPr>
-          <p:cNvPr id="25" name="文本框 24"/>
-          <p:cNvSpPr txBox="1"/>
-          <p:nvPr/>
-        </p:nvSpPr>
-        <p:spPr>
-          <a:xfrm>
-            <a:off x="743275" y="108732"/>
-            <a:ext cx="2924198" cy="492443"/>
-          </a:xfrm>
-          <a:prstGeom prst="rect">
-            <a:avLst/>
-          </a:prstGeom>
-          <a:noFill/>
-        </p:spPr>
-        <p:txBody>
-          <a:bodyPr wrap="none" rtlCol="0">
-            <a:spAutoFit/>
-          </a:bodyPr>
-          <a:lstStyle/>
-          <a:p>
-            <a:r>
-              <a:rPr kumimoji="1" lang="en-US" altLang="zh-CN" sz="2600" b="1" dirty="0">
-                <a:latin typeface="微软雅黑" panose="020B0503020204020204" pitchFamily="34" charset="-122"/>
-                <a:ea typeface="微软雅黑" panose="020B0503020204020204" pitchFamily="34" charset="-122"/>
-              </a:rPr>
-              <a:t>J0080793-</a:t>
-            </a:r>
-            <a:r>
-              <a:rPr kumimoji="1" lang="zh-CN" altLang="en-US" sz="2600" b="1" dirty="0">
-                <a:latin typeface="微软雅黑" panose="020B0503020204020204" pitchFamily="34" charset="-122"/>
-                <a:ea typeface="微软雅黑" panose="020B0503020204020204" pitchFamily="34" charset="-122"/>
-              </a:rPr>
-              <a:t>季晨</a:t>
-            </a:r>
-            <a:r>
-              <a:rPr kumimoji="1" lang="zh-CN" altLang="en-US" sz="2600" b="1" dirty="0" smtClean="0">
-                <a:latin typeface="微软雅黑" panose="020B0503020204020204" pitchFamily="34" charset="-122"/>
-                <a:ea typeface="微软雅黑" panose="020B0503020204020204" pitchFamily="34" charset="-122"/>
-              </a:rPr>
-              <a:t>浩</a:t>
-            </a:r>
-            <a:endParaRPr kumimoji="1" lang="zh-CN" altLang="en-US" sz="2600" b="1" dirty="0">
-              <a:latin typeface="微软雅黑" panose="020B0503020204020204" pitchFamily="34" charset="-122"/>
-              <a:ea typeface="微软雅黑" panose="020B0503020204020204" pitchFamily="34" charset="-122"/>
-            </a:endParaRPr>
-          </a:p>
-        </p:txBody>
-      </p:sp>
-      <p:sp>
-        <p:nvSpPr>
-          <p:cNvPr id="3" name="文本框 2"/>
-          <p:cNvSpPr txBox="1"/>
-          <p:nvPr/>
-        </p:nvSpPr>
-        <p:spPr>
-          <a:xfrm>
-            <a:off x="173374" y="979171"/>
-            <a:ext cx="4064000" cy="2308324"/>
-          </a:xfrm>
-          <a:prstGeom prst="rect">
-            <a:avLst/>
-          </a:prstGeom>
-          <a:noFill/>
-        </p:spPr>
-        <p:txBody>
-          <a:bodyPr wrap="square" rtlCol="0">
-            <a:spAutoFit/>
-          </a:bodyPr>
-          <a:lstStyle/>
-          <a:p>
-            <a:r>
-              <a:rPr lang="en-US" altLang="zh-CN" dirty="0" smtClean="0"/>
-              <a:t>1.</a:t>
-            </a:r>
-            <a:r>
-              <a:rPr lang="zh-CN" altLang="en-US" dirty="0"/>
-              <a:t>掌握多種編程語言及技術棧、包括</a:t>
-            </a:r>
-            <a:r>
-              <a:rPr lang="en-US" altLang="zh-CN" dirty="0"/>
-              <a:t>C++</a:t>
-            </a:r>
-            <a:r>
-              <a:rPr lang="zh-CN" altLang="en-US" dirty="0"/>
-              <a:t>、</a:t>
-            </a:r>
-            <a:r>
-              <a:rPr lang="en-US" altLang="zh-CN" dirty="0"/>
-              <a:t>JavaScript</a:t>
-            </a:r>
-            <a:r>
-              <a:rPr lang="zh-CN" altLang="en-US" dirty="0"/>
-              <a:t>、</a:t>
-            </a:r>
-            <a:r>
-              <a:rPr lang="en-US" altLang="zh-CN" dirty="0"/>
-              <a:t>Java</a:t>
-            </a:r>
-            <a:r>
-              <a:rPr lang="zh-CN" altLang="en-US" dirty="0"/>
-              <a:t>、</a:t>
-            </a:r>
-            <a:r>
-              <a:rPr lang="en-US" altLang="zh-CN" dirty="0"/>
-              <a:t>C#</a:t>
-            </a:r>
-            <a:r>
-              <a:rPr lang="zh-CN" altLang="en-US" dirty="0"/>
-              <a:t>等、有底層高難度開發經驗</a:t>
-            </a:r>
-            <a:r>
-              <a:rPr lang="en-US" altLang="zh-CN" dirty="0"/>
-              <a:t>,</a:t>
-            </a:r>
-            <a:r>
-              <a:rPr lang="zh-CN" altLang="en-US" dirty="0"/>
-              <a:t>技</a:t>
-            </a:r>
-            <a:r>
-              <a:rPr lang="zh-CN" altLang="en-US" dirty="0" smtClean="0"/>
-              <a:t>術能力強</a:t>
-            </a:r>
-            <a:r>
-              <a:rPr lang="en-US" altLang="zh-CN" dirty="0"/>
-              <a:t>,</a:t>
-            </a:r>
-            <a:r>
-              <a:rPr lang="zh-CN" altLang="en-US" dirty="0"/>
-              <a:t>可高質量完成</a:t>
-            </a:r>
-            <a:r>
-              <a:rPr lang="zh-CN" altLang="en-US" dirty="0" smtClean="0"/>
-              <a:t>工作</a:t>
-            </a:r>
-            <a:endParaRPr lang="en-US" altLang="zh-CN" dirty="0" smtClean="0"/>
-          </a:p>
-          <a:p>
-            <a:r>
-              <a:rPr lang="en-US" altLang="zh-CN" dirty="0" smtClean="0"/>
-              <a:t>2.</a:t>
-            </a:r>
-            <a:r>
-              <a:rPr lang="zh-CN" altLang="en-US" dirty="0" smtClean="0"/>
-              <a:t>擅長系統架構、代碼重構、框架封裝</a:t>
-            </a:r>
-            <a:endParaRPr lang="zh-CN" altLang="en-US" dirty="0"/>
-          </a:p>
-          <a:p>
-            <a:r>
-              <a:rPr lang="en-US" altLang="zh-CN" dirty="0" smtClean="0"/>
-              <a:t>3.</a:t>
-            </a:r>
-            <a:r>
-              <a:rPr lang="zh-CN" altLang="en-US" dirty="0"/>
-              <a:t>工作主動性高、善於思考、具有創新挑戰精神、可打破常規主動發現工作中的問題並設計優雅的解決</a:t>
-            </a:r>
-            <a:r>
-              <a:rPr lang="zh-CN" altLang="en-US" dirty="0" smtClean="0"/>
-              <a:t>方案</a:t>
-            </a:r>
-            <a:endParaRPr lang="zh-CN" altLang="en-US" dirty="0"/>
-          </a:p>
-        </p:txBody>
-      </p:sp>
-      <p:sp>
-        <p:nvSpPr>
-          <p:cNvPr id="6" name="文本框 5"/>
-          <p:cNvSpPr txBox="1"/>
-          <p:nvPr/>
-        </p:nvSpPr>
-        <p:spPr>
-          <a:xfrm>
-            <a:off x="6917323" y="1868508"/>
-            <a:ext cx="4064000" cy="2031325"/>
-          </a:xfrm>
-          <a:prstGeom prst="rect">
-            <a:avLst/>
-          </a:prstGeom>
-          <a:noFill/>
-        </p:spPr>
-        <p:txBody>
-          <a:bodyPr wrap="square" rtlCol="0">
-            <a:spAutoFit/>
-          </a:bodyPr>
-          <a:lstStyle/>
-          <a:p>
-            <a:r>
-              <a:rPr lang="zh-CN" altLang="en-US" dirty="0" smtClean="0"/>
-              <a:t>近年成就</a:t>
-            </a:r>
-            <a:endParaRPr lang="en-US" altLang="zh-CN" dirty="0" smtClean="0"/>
-          </a:p>
-          <a:p>
-            <a:r>
-              <a:rPr lang="en-US" altLang="zh-CN" dirty="0" smtClean="0"/>
-              <a:t>1.SFC</a:t>
-            </a:r>
-            <a:r>
-              <a:rPr lang="zh-CN" altLang="en-US" dirty="0" smtClean="0"/>
-              <a:t>版本控制推動</a:t>
-            </a:r>
-            <a:endParaRPr lang="en-US" altLang="zh-CN" dirty="0" smtClean="0"/>
-          </a:p>
-          <a:p>
-            <a:r>
-              <a:rPr lang="en-US" altLang="zh-CN" dirty="0" smtClean="0"/>
-              <a:t>2.</a:t>
-            </a:r>
-            <a:r>
-              <a:rPr lang="zh-CN" altLang="en-US" dirty="0" smtClean="0"/>
-              <a:t>多語言框架開發</a:t>
-            </a:r>
-            <a:endParaRPr lang="en-US" altLang="zh-CN" dirty="0" smtClean="0"/>
-          </a:p>
-          <a:p>
-            <a:r>
-              <a:rPr lang="en-US" altLang="zh-CN" dirty="0" smtClean="0"/>
-              <a:t>2.</a:t>
-            </a:r>
-            <a:r>
-              <a:rPr lang="zh-CN" altLang="en-US" dirty="0" smtClean="0"/>
-              <a:t>生產製造系統通用框架開發</a:t>
-            </a:r>
-            <a:endParaRPr lang="en-US" altLang="zh-CN" dirty="0" smtClean="0"/>
-          </a:p>
-          <a:p>
-            <a:r>
-              <a:rPr lang="en-US" altLang="zh-CN" dirty="0"/>
-              <a:t>3</a:t>
-            </a:r>
-            <a:r>
-              <a:rPr lang="en-US" altLang="zh-CN" dirty="0" smtClean="0"/>
-              <a:t>.</a:t>
-            </a:r>
-            <a:r>
-              <a:rPr lang="zh-CN" altLang="en-US" dirty="0"/>
-              <a:t>物</a:t>
-            </a:r>
-            <a:r>
-              <a:rPr lang="zh-CN" altLang="en-US" dirty="0" smtClean="0"/>
-              <a:t>聯整合平台開發</a:t>
-            </a:r>
-            <a:endParaRPr lang="en-US" altLang="zh-CN" dirty="0" smtClean="0"/>
-          </a:p>
-          <a:p>
-            <a:r>
-              <a:rPr lang="en-US" altLang="zh-CN" dirty="0"/>
-              <a:t>4</a:t>
-            </a:r>
-            <a:r>
-              <a:rPr lang="en-US" altLang="zh-CN" dirty="0" smtClean="0"/>
-              <a:t>.</a:t>
-            </a:r>
-            <a:r>
-              <a:rPr lang="zh-CN" altLang="en-US" dirty="0" smtClean="0"/>
-              <a:t>自研電腦監控系統替代</a:t>
-            </a:r>
-            <a:r>
-              <a:rPr lang="en-US" altLang="zh-CN" dirty="0" err="1" smtClean="0"/>
-              <a:t>IPGuard</a:t>
-            </a:r>
-            <a:endParaRPr lang="en-US" altLang="zh-CN" dirty="0" smtClean="0"/>
-          </a:p>
-          <a:p>
-            <a:r>
-              <a:rPr lang="en-US" altLang="zh-CN" dirty="0" smtClean="0"/>
-              <a:t>5.</a:t>
-            </a:r>
-            <a:r>
-              <a:rPr lang="zh-CN" altLang="en-US" dirty="0" smtClean="0"/>
-              <a:t>資按數據分析</a:t>
-            </a:r>
-            <a:endParaRPr lang="zh-CN" altLang="en-US" dirty="0"/>
-          </a:p>
-        </p:txBody>
-      </p:sp>
-    </p:spTree>
-    <p:extLst>
-      <p:ext uri="{BB962C8B-B14F-4D97-AF65-F5344CB8AC3E}">
-        <p14:creationId xmlns:p14="http://schemas.microsoft.com/office/powerpoint/2010/main" val="3749659606"/>
-      </p:ext>
-    </p:extLst>
-  </p:cSld>
-  <p:clrMapOvr>
-    <a:masterClrMapping/>
-  </p:clrMapOvr>
-  <p:timing>
-    <p:tnLst>
-      <p:par>
-        <p:cTn id="1" dur="indefinite" restart="never" nodeType="tmRoot"/>
-      </p:par>
-    </p:tnLst>
-  </p:timing>
-</p:sld>
-</file>
-
-<file path=ppt/slides/slide7.xml><?xml version="1.0" encoding="utf-8"?>
 <p:sld xmlns:a="http://schemas.openxmlformats.org/drawingml/2006/main" xmlns:r="http://schemas.openxmlformats.org/officeDocument/2006/relationships" xmlns:p="http://schemas.openxmlformats.org/presentationml/2006/main">
   <p:cSld>
     <p:bg>
@@ -10149,14 +8296,14 @@
       </p:sp>
       <p:sp>
         <p:nvSpPr>
-          <p:cNvPr id="4" name="文本框 3"/>
+          <p:cNvPr id="3" name="文本框 2"/>
           <p:cNvSpPr txBox="1"/>
           <p:nvPr/>
         </p:nvSpPr>
         <p:spPr>
           <a:xfrm>
-            <a:off x="374975" y="1450338"/>
-            <a:ext cx="8813165" cy="8063746"/>
+            <a:off x="862147" y="1262141"/>
+            <a:ext cx="9692496" cy="307777"/>
           </a:xfrm>
           <a:prstGeom prst="rect">
             <a:avLst/>
@@ -10170,1035 +8317,3012 @@
           <a:lstStyle/>
           <a:p>
             <a:r>
-              <a:rPr lang="zh-CN" altLang="en-US" sz="1400" dirty="0"/>
-              <a:t>未来两年规划</a:t>
-            </a:r>
-            <a:endParaRPr lang="en-US" altLang="zh-CN" sz="1400" dirty="0"/>
-          </a:p>
-          <a:p>
-            <a:r>
-              <a:rPr lang="en-US" altLang="zh-CN" sz="1400" dirty="0">
-                <a:latin typeface="微软雅黑" panose="020B0503020204020204" pitchFamily="34" charset="-122"/>
-                <a:ea typeface="微软雅黑" panose="020B0503020204020204" pitchFamily="34" charset="-122"/>
-              </a:rPr>
-              <a:t>1. </a:t>
+              <a:rPr lang="zh-CN" altLang="en-US" sz="1400" dirty="0">
+                <a:latin typeface="微软雅黑" panose="020B0503020204020204" pitchFamily="34" charset="-122"/>
+                <a:ea typeface="微软雅黑" panose="020B0503020204020204" pitchFamily="34" charset="-122"/>
+                <a:sym typeface="+mn-ea"/>
+              </a:rPr>
+              <a:t>隨</a:t>
+            </a:r>
+            <a:r>
+              <a:rPr lang="zh-CN" altLang="en-US" sz="1400" dirty="0" smtClean="0">
+                <a:latin typeface="微软雅黑" panose="020B0503020204020204" pitchFamily="34" charset="-122"/>
+                <a:ea typeface="微软雅黑" panose="020B0503020204020204" pitchFamily="34" charset="-122"/>
+                <a:sym typeface="+mn-ea"/>
+              </a:rPr>
+              <a:t>著技術的發展和</a:t>
             </a:r>
             <a:r>
               <a:rPr lang="en-US" altLang="zh-CN" sz="1400" dirty="0" smtClean="0">
                 <a:latin typeface="微软雅黑" panose="020B0503020204020204" pitchFamily="34" charset="-122"/>
                 <a:ea typeface="微软雅黑" panose="020B0503020204020204" pitchFamily="34" charset="-122"/>
-              </a:rPr>
-              <a:t>C#</a:t>
+                <a:sym typeface="+mn-ea"/>
+              </a:rPr>
+              <a:t>AI</a:t>
             </a:r>
             <a:r>
               <a:rPr lang="zh-CN" altLang="en-US" sz="1400" dirty="0" smtClean="0">
                 <a:latin typeface="微软雅黑" panose="020B0503020204020204" pitchFamily="34" charset="-122"/>
                 <a:ea typeface="微软雅黑" panose="020B0503020204020204" pitchFamily="34" charset="-122"/>
-              </a:rPr>
-              <a:t>開</a:t>
-            </a:r>
-            <a:r>
-              <a:rPr lang="zh-CN" altLang="en-US" sz="1400" dirty="0">
-                <a:latin typeface="微软雅黑" panose="020B0503020204020204" pitchFamily="34" charset="-122"/>
-                <a:ea typeface="微软雅黑" panose="020B0503020204020204" pitchFamily="34" charset="-122"/>
-              </a:rPr>
-              <a:t>發引擎開發</a:t>
-            </a:r>
-          </a:p>
-          <a:p>
-            <a:r>
-              <a:rPr lang="zh-CN" altLang="en-US" sz="1400" dirty="0" smtClean="0">
-                <a:latin typeface="微软雅黑" panose="020B0503020204020204" pitchFamily="34" charset="-122"/>
-                <a:ea typeface="微软雅黑" panose="020B0503020204020204" pitchFamily="34" charset="-122"/>
-              </a:rPr>
-              <a:t>針對公司內部業務</a:t>
-            </a:r>
-            <a:r>
-              <a:rPr lang="en-US" altLang="zh-CN" sz="1400" dirty="0" smtClean="0">
-                <a:latin typeface="微软雅黑" panose="020B0503020204020204" pitchFamily="34" charset="-122"/>
-                <a:ea typeface="微软雅黑" panose="020B0503020204020204" pitchFamily="34" charset="-122"/>
-              </a:rPr>
-              <a:t>,</a:t>
-            </a:r>
-            <a:r>
-              <a:rPr lang="zh-CN" altLang="en-US" sz="1400" dirty="0" smtClean="0">
-                <a:latin typeface="微软雅黑" panose="020B0503020204020204" pitchFamily="34" charset="-122"/>
-                <a:ea typeface="微软雅黑" panose="020B0503020204020204" pitchFamily="34" charset="-122"/>
-              </a:rPr>
-              <a:t>開發通用代碼庫</a:t>
-            </a:r>
-            <a:r>
-              <a:rPr lang="zh-CN" altLang="en-US" sz="1400" dirty="0">
-                <a:latin typeface="微软雅黑" panose="020B0503020204020204" pitchFamily="34" charset="-122"/>
-                <a:ea typeface="微软雅黑" panose="020B0503020204020204" pitchFamily="34" charset="-122"/>
-              </a:rPr>
-              <a:t>、</a:t>
-            </a:r>
-            <a:r>
-              <a:rPr lang="zh-CN" altLang="en-US" sz="1400" dirty="0" smtClean="0">
-                <a:latin typeface="微软雅黑" panose="020B0503020204020204" pitchFamily="34" charset="-122"/>
-                <a:ea typeface="微软雅黑" panose="020B0503020204020204" pitchFamily="34" charset="-122"/>
-              </a:rPr>
-              <a:t>制定</a:t>
-            </a:r>
-            <a:r>
-              <a:rPr lang="zh-CN" altLang="en-US" sz="1400" dirty="0">
-                <a:latin typeface="微软雅黑" panose="020B0503020204020204" pitchFamily="34" charset="-122"/>
-                <a:ea typeface="微软雅黑" panose="020B0503020204020204" pitchFamily="34" charset="-122"/>
-              </a:rPr>
-              <a:t>通用開</a:t>
-            </a:r>
-            <a:r>
-              <a:rPr lang="zh-CN" altLang="en-US" sz="1400" dirty="0" smtClean="0">
-                <a:latin typeface="微软雅黑" panose="020B0503020204020204" pitchFamily="34" charset="-122"/>
-                <a:ea typeface="微软雅黑" panose="020B0503020204020204" pitchFamily="34" charset="-122"/>
-              </a:rPr>
-              <a:t>發準則</a:t>
-            </a:r>
-            <a:r>
-              <a:rPr lang="en-US" altLang="zh-CN" sz="1400" dirty="0" smtClean="0">
-                <a:latin typeface="微软雅黑" panose="020B0503020204020204" pitchFamily="34" charset="-122"/>
-                <a:ea typeface="微软雅黑" panose="020B0503020204020204" pitchFamily="34" charset="-122"/>
-              </a:rPr>
-              <a:t>,</a:t>
-            </a:r>
-            <a:r>
-              <a:rPr lang="zh-CN" altLang="en-US" sz="1400" dirty="0" smtClean="0">
-                <a:latin typeface="微软雅黑" panose="020B0503020204020204" pitchFamily="34" charset="-122"/>
-                <a:ea typeface="微软雅黑" panose="020B0503020204020204" pitchFamily="34" charset="-122"/>
-              </a:rPr>
-              <a:t>並持續迭代優化</a:t>
-            </a:r>
-            <a:r>
-              <a:rPr lang="en-US" altLang="zh-CN" sz="1400" dirty="0" smtClean="0">
-                <a:latin typeface="微软雅黑" panose="020B0503020204020204" pitchFamily="34" charset="-122"/>
-                <a:ea typeface="微软雅黑" panose="020B0503020204020204" pitchFamily="34" charset="-122"/>
-              </a:rPr>
-              <a:t>,</a:t>
-            </a:r>
-            <a:r>
-              <a:rPr lang="zh-CN" altLang="en-US" sz="1400" dirty="0" smtClean="0">
-                <a:latin typeface="微软雅黑" panose="020B0503020204020204" pitchFamily="34" charset="-122"/>
-                <a:ea typeface="微软雅黑" panose="020B0503020204020204" pitchFamily="34" charset="-122"/>
-              </a:rPr>
-              <a:t>以提高</a:t>
-            </a:r>
-            <a:r>
-              <a:rPr lang="zh-CN" altLang="en-US" sz="1400" dirty="0">
-                <a:latin typeface="微软雅黑" panose="020B0503020204020204" pitchFamily="34" charset="-122"/>
-                <a:ea typeface="微软雅黑" panose="020B0503020204020204" pitchFamily="34" charset="-122"/>
-              </a:rPr>
-              <a:t>整個團隊的技術下限</a:t>
-            </a:r>
-            <a:r>
-              <a:rPr lang="en-US" altLang="zh-CN" sz="1400" dirty="0" smtClean="0">
-                <a:latin typeface="微软雅黑" panose="020B0503020204020204" pitchFamily="34" charset="-122"/>
-                <a:ea typeface="微软雅黑" panose="020B0503020204020204" pitchFamily="34" charset="-122"/>
-              </a:rPr>
-              <a:t>,</a:t>
-            </a:r>
-            <a:r>
-              <a:rPr lang="zh-CN" altLang="en-US" sz="1400" dirty="0" smtClean="0">
-                <a:latin typeface="微软雅黑" panose="020B0503020204020204" pitchFamily="34" charset="-122"/>
-                <a:ea typeface="微软雅黑" panose="020B0503020204020204" pitchFamily="34" charset="-122"/>
-              </a:rPr>
-              <a:t>橫</a:t>
-            </a:r>
-            <a:r>
-              <a:rPr lang="zh-CN" altLang="en-US" sz="1400" dirty="0">
-                <a:latin typeface="微软雅黑" panose="020B0503020204020204" pitchFamily="34" charset="-122"/>
-                <a:ea typeface="微软雅黑" panose="020B0503020204020204" pitchFamily="34" charset="-122"/>
-              </a:rPr>
-              <a:t>向提高整個團隊的工作效率和質</a:t>
-            </a:r>
-            <a:r>
-              <a:rPr lang="zh-CN" altLang="en-US" sz="1400" dirty="0" smtClean="0">
-                <a:latin typeface="微软雅黑" panose="020B0503020204020204" pitchFamily="34" charset="-122"/>
-                <a:ea typeface="微软雅黑" panose="020B0503020204020204" pitchFamily="34" charset="-122"/>
-              </a:rPr>
-              <a:t>量。</a:t>
-            </a:r>
-            <a:endParaRPr lang="en-US" altLang="zh-CN" sz="1400" dirty="0" smtClean="0">
+                <a:sym typeface="+mn-ea"/>
+              </a:rPr>
+              <a:t>的發展、現在已經有更多的工具可以完成</a:t>
+            </a:r>
+            <a:endParaRPr lang="zh-CN" altLang="en-US" sz="1200" dirty="0">
               <a:latin typeface="微软雅黑" panose="020B0503020204020204" pitchFamily="34" charset="-122"/>
               <a:ea typeface="微软雅黑" panose="020B0503020204020204" pitchFamily="34" charset="-122"/>
             </a:endParaRPr>
           </a:p>
-          <a:p>
-            <a:r>
-              <a:rPr lang="zh-CN" altLang="en-US" sz="1400" dirty="0" smtClean="0">
-                <a:latin typeface="微软雅黑" panose="020B0503020204020204" pitchFamily="34" charset="-122"/>
-                <a:ea typeface="微软雅黑" panose="020B0503020204020204" pitchFamily="34" charset="-122"/>
-              </a:rPr>
-              <a:t>開發引擎可視為是技術解決方案和業務解決方案在代碼段的物理</a:t>
-            </a:r>
-            <a:r>
-              <a:rPr lang="zh-CN" altLang="en-US" sz="1400" dirty="0">
-                <a:latin typeface="微软雅黑" panose="020B0503020204020204" pitchFamily="34" charset="-122"/>
-                <a:ea typeface="微软雅黑" panose="020B0503020204020204" pitchFamily="34" charset="-122"/>
-              </a:rPr>
-              <a:t>實現</a:t>
-            </a:r>
-            <a:r>
-              <a:rPr lang="en-US" altLang="zh-CN" sz="1400" dirty="0" smtClean="0">
+        </p:txBody>
+      </p:sp>
+      <p:pic>
+        <p:nvPicPr>
+          <p:cNvPr id="5" name="图片 4"/>
+          <p:cNvPicPr>
+            <a:picLocks noChangeAspect="1"/>
+          </p:cNvPicPr>
+          <p:nvPr/>
+        </p:nvPicPr>
+        <p:blipFill>
+          <a:blip r:embed="rId2">
+            <a:extLst>
+              <a:ext uri="{28A0092B-C50C-407E-A947-70E740481C1C}">
+                <a14:useLocalDpi xmlns:a14="http://schemas.microsoft.com/office/drawing/2010/main" val="0"/>
+              </a:ext>
+            </a:extLst>
+          </a:blip>
+          <a:stretch>
+            <a:fillRect/>
+          </a:stretch>
+        </p:blipFill>
+        <p:spPr>
+          <a:xfrm>
+            <a:off x="286023" y="1176997"/>
+            <a:ext cx="392921" cy="392921"/>
+          </a:xfrm>
+          <a:prstGeom prst="rect">
+            <a:avLst/>
+          </a:prstGeom>
+        </p:spPr>
+      </p:pic>
+      <p:sp>
+        <p:nvSpPr>
+          <p:cNvPr id="6" name="文本框 5"/>
+          <p:cNvSpPr txBox="1"/>
+          <p:nvPr/>
+        </p:nvSpPr>
+        <p:spPr>
+          <a:xfrm>
+            <a:off x="862147" y="861201"/>
+            <a:ext cx="10414344" cy="307777"/>
+          </a:xfrm>
+          <a:prstGeom prst="rect">
+            <a:avLst/>
+          </a:prstGeom>
+          <a:noFill/>
+        </p:spPr>
+        <p:txBody>
+          <a:bodyPr wrap="square" rtlCol="0">
+            <a:spAutoFit/>
+          </a:bodyPr>
+          <a:lstStyle/>
+          <a:p>
+            <a:r>
+              <a:rPr lang="zh-CN" altLang="en-US" sz="1400" dirty="0"/>
+              <a:t>未来两年规划</a:t>
+            </a:r>
+            <a:endParaRPr lang="en-US" altLang="zh-CN" sz="1400" dirty="0"/>
+          </a:p>
+        </p:txBody>
+      </p:sp>
+      <p:sp>
+        <p:nvSpPr>
+          <p:cNvPr id="7" name="文本框 6"/>
+          <p:cNvSpPr txBox="1"/>
+          <p:nvPr/>
+        </p:nvSpPr>
+        <p:spPr>
+          <a:xfrm>
+            <a:off x="862147" y="1736783"/>
+            <a:ext cx="11422382" cy="1015663"/>
+          </a:xfrm>
+          <a:prstGeom prst="rect">
+            <a:avLst/>
+          </a:prstGeom>
+          <a:noFill/>
+        </p:spPr>
+        <p:txBody>
+          <a:bodyPr wrap="square" rtlCol="0">
+            <a:spAutoFit/>
+          </a:bodyPr>
+          <a:lstStyle/>
+          <a:p>
+            <a:r>
+              <a:rPr lang="en-US" altLang="zh-CN" sz="1200" dirty="0" smtClean="0">
+                <a:latin typeface="微软雅黑" panose="020B0503020204020204" pitchFamily="34" charset="-122"/>
+                <a:ea typeface="微软雅黑" panose="020B0503020204020204" pitchFamily="34" charset="-122"/>
+              </a:rPr>
+              <a:t>C</a:t>
+            </a:r>
+            <a:r>
+              <a:rPr lang="en-US" altLang="zh-CN" sz="1200" dirty="0">
+                <a:latin typeface="微软雅黑" panose="020B0503020204020204" pitchFamily="34" charset="-122"/>
+                <a:ea typeface="微软雅黑" panose="020B0503020204020204" pitchFamily="34" charset="-122"/>
+              </a:rPr>
+              <a:t>#</a:t>
+            </a:r>
+            <a:r>
+              <a:rPr lang="zh-CN" altLang="en-US" sz="1200" dirty="0">
+                <a:latin typeface="微软雅黑" panose="020B0503020204020204" pitchFamily="34" charset="-122"/>
+                <a:ea typeface="微软雅黑" panose="020B0503020204020204" pitchFamily="34" charset="-122"/>
+              </a:rPr>
+              <a:t>開發引擎開發</a:t>
+            </a:r>
+          </a:p>
+          <a:p>
+            <a:r>
+              <a:rPr lang="zh-CN" altLang="en-US" sz="1200" dirty="0">
+                <a:latin typeface="微软雅黑" panose="020B0503020204020204" pitchFamily="34" charset="-122"/>
+                <a:ea typeface="微软雅黑" panose="020B0503020204020204" pitchFamily="34" charset="-122"/>
+              </a:rPr>
+              <a:t>針對公司內部業務</a:t>
+            </a:r>
+            <a:r>
+              <a:rPr lang="en-US" altLang="zh-CN" sz="1200" dirty="0">
                 <a:latin typeface="微软雅黑" panose="020B0503020204020204" pitchFamily="34" charset="-122"/>
                 <a:ea typeface="微软雅黑" panose="020B0503020204020204" pitchFamily="34" charset="-122"/>
               </a:rPr>
               <a:t>,</a:t>
             </a:r>
             <a:r>
-              <a:rPr lang="zh-CN" altLang="en-US" sz="1400" dirty="0" smtClean="0">
-                <a:latin typeface="微软雅黑" panose="020B0503020204020204" pitchFamily="34" charset="-122"/>
-                <a:ea typeface="微软雅黑" panose="020B0503020204020204" pitchFamily="34" charset="-122"/>
-              </a:rPr>
-              <a:t>讓技術和業務邏輯不再通過簡單的口頭傳播和複製黏貼</a:t>
-            </a:r>
-            <a:r>
-              <a:rPr lang="en-US" altLang="zh-CN" sz="1400" dirty="0" smtClean="0">
+              <a:rPr lang="zh-CN" altLang="en-US" sz="1200" dirty="0">
+                <a:latin typeface="微软雅黑" panose="020B0503020204020204" pitchFamily="34" charset="-122"/>
+                <a:ea typeface="微软雅黑" panose="020B0503020204020204" pitchFamily="34" charset="-122"/>
+              </a:rPr>
+              <a:t>開發通用代碼庫、制定通用開發準則</a:t>
+            </a:r>
+            <a:r>
+              <a:rPr lang="en-US" altLang="zh-CN" sz="1200" dirty="0">
                 <a:latin typeface="微软雅黑" panose="020B0503020204020204" pitchFamily="34" charset="-122"/>
                 <a:ea typeface="微软雅黑" panose="020B0503020204020204" pitchFamily="34" charset="-122"/>
               </a:rPr>
               <a:t>,</a:t>
             </a:r>
             <a:r>
-              <a:rPr lang="zh-CN" altLang="en-US" sz="1400" dirty="0" smtClean="0">
-                <a:latin typeface="微软雅黑" panose="020B0503020204020204" pitchFamily="34" charset="-122"/>
-                <a:ea typeface="微软雅黑" panose="020B0503020204020204" pitchFamily="34" charset="-122"/>
-              </a:rPr>
-              <a:t>開發人員可直接通過內部搭建的包管理系統安裝使用</a:t>
-            </a:r>
-            <a:r>
-              <a:rPr lang="en-US" altLang="zh-CN" sz="1400" dirty="0" smtClean="0">
+              <a:rPr lang="zh-CN" altLang="en-US" sz="1200" dirty="0">
+                <a:latin typeface="微软雅黑" panose="020B0503020204020204" pitchFamily="34" charset="-122"/>
+                <a:ea typeface="微软雅黑" panose="020B0503020204020204" pitchFamily="34" charset="-122"/>
+              </a:rPr>
+              <a:t>並持續迭代優化</a:t>
+            </a:r>
+            <a:r>
+              <a:rPr lang="en-US" altLang="zh-CN" sz="1200" dirty="0">
                 <a:latin typeface="微软雅黑" panose="020B0503020204020204" pitchFamily="34" charset="-122"/>
                 <a:ea typeface="微软雅黑" panose="020B0503020204020204" pitchFamily="34" charset="-122"/>
               </a:rPr>
               <a:t>,</a:t>
             </a:r>
             <a:r>
-              <a:rPr lang="zh-CN" altLang="en-US" sz="1400" dirty="0" smtClean="0">
-                <a:latin typeface="微软雅黑" panose="020B0503020204020204" pitchFamily="34" charset="-122"/>
-                <a:ea typeface="微软雅黑" panose="020B0503020204020204" pitchFamily="34" charset="-122"/>
-              </a:rPr>
-              <a:t>讓複雜的技術處理流程和業務流程變成一個個簡單的</a:t>
-            </a:r>
-            <a:r>
-              <a:rPr lang="en-US" altLang="zh-CN" sz="1400" dirty="0" smtClean="0">
-                <a:latin typeface="微软雅黑" panose="020B0503020204020204" pitchFamily="34" charset="-122"/>
-                <a:ea typeface="微软雅黑" panose="020B0503020204020204" pitchFamily="34" charset="-122"/>
-              </a:rPr>
-              <a:t>API,</a:t>
-            </a:r>
-            <a:r>
-              <a:rPr lang="zh-CN" altLang="en-US" sz="1400" dirty="0" smtClean="0">
-                <a:latin typeface="微软雅黑" panose="020B0503020204020204" pitchFamily="34" charset="-122"/>
-                <a:ea typeface="微软雅黑" panose="020B0503020204020204" pitchFamily="34" charset="-122"/>
-              </a:rPr>
-              <a:t>使之</a:t>
-            </a:r>
-            <a:r>
-              <a:rPr lang="zh-CN" altLang="en-US" sz="1400" dirty="0">
-                <a:latin typeface="微软雅黑" panose="020B0503020204020204" pitchFamily="34" charset="-122"/>
-                <a:ea typeface="微软雅黑" panose="020B0503020204020204" pitchFamily="34" charset="-122"/>
-              </a:rPr>
-              <a:t>成為</a:t>
-            </a:r>
-            <a:r>
-              <a:rPr lang="zh-CN" altLang="en-US" sz="1400" dirty="0" smtClean="0">
-                <a:latin typeface="微软雅黑" panose="020B0503020204020204" pitchFamily="34" charset="-122"/>
-                <a:ea typeface="微软雅黑" panose="020B0503020204020204" pitchFamily="34" charset="-122"/>
-              </a:rPr>
-              <a:t>團</a:t>
-            </a:r>
-            <a:r>
-              <a:rPr lang="zh-CN" altLang="en-US" sz="1400" dirty="0">
-                <a:latin typeface="微软雅黑" panose="020B0503020204020204" pitchFamily="34" charset="-122"/>
-                <a:ea typeface="微软雅黑" panose="020B0503020204020204" pitchFamily="34" charset="-122"/>
-              </a:rPr>
-              <a:t>隊的技術積</a:t>
-            </a:r>
-            <a:r>
-              <a:rPr lang="zh-CN" altLang="en-US" sz="1400" dirty="0" smtClean="0">
-                <a:latin typeface="微软雅黑" panose="020B0503020204020204" pitchFamily="34" charset="-122"/>
-                <a:ea typeface="微软雅黑" panose="020B0503020204020204" pitchFamily="34" charset="-122"/>
-              </a:rPr>
-              <a:t>累並不斷壯大</a:t>
-            </a:r>
-            <a:r>
-              <a:rPr lang="en-US" altLang="zh-CN" sz="1400" dirty="0" smtClean="0">
+              <a:rPr lang="zh-CN" altLang="en-US" sz="1200" dirty="0">
+                <a:latin typeface="微软雅黑" panose="020B0503020204020204" pitchFamily="34" charset="-122"/>
+                <a:ea typeface="微软雅黑" panose="020B0503020204020204" pitchFamily="34" charset="-122"/>
+              </a:rPr>
+              <a:t>以提高整個團隊的技術下限</a:t>
+            </a:r>
+            <a:r>
+              <a:rPr lang="en-US" altLang="zh-CN" sz="1200" dirty="0">
                 <a:latin typeface="微软雅黑" panose="020B0503020204020204" pitchFamily="34" charset="-122"/>
                 <a:ea typeface="微软雅黑" panose="020B0503020204020204" pitchFamily="34" charset="-122"/>
               </a:rPr>
               <a:t>,</a:t>
             </a:r>
             <a:r>
-              <a:rPr lang="zh-CN" altLang="en-US" sz="1400" dirty="0">
-                <a:latin typeface="微软雅黑" panose="020B0503020204020204" pitchFamily="34" charset="-122"/>
-                <a:ea typeface="微软雅黑" panose="020B0503020204020204" pitchFamily="34" charset="-122"/>
-              </a:rPr>
-              <a:t>讓團隊在遇到問題時</a:t>
-            </a:r>
-            <a:r>
-              <a:rPr lang="en-US" altLang="zh-CN" sz="1400" dirty="0">
-                <a:latin typeface="微软雅黑" panose="020B0503020204020204" pitchFamily="34" charset="-122"/>
-                <a:ea typeface="微软雅黑" panose="020B0503020204020204" pitchFamily="34" charset="-122"/>
-              </a:rPr>
-              <a:t>,</a:t>
-            </a:r>
-            <a:r>
-              <a:rPr lang="zh-CN" altLang="en-US" sz="1400" dirty="0">
-                <a:latin typeface="微软雅黑" panose="020B0503020204020204" pitchFamily="34" charset="-122"/>
-                <a:ea typeface="微软雅黑" panose="020B0503020204020204" pitchFamily="34" charset="-122"/>
-              </a:rPr>
-              <a:t>可以用最優</a:t>
-            </a:r>
-            <a:r>
-              <a:rPr lang="zh-CN" altLang="en-US" sz="1400" dirty="0" smtClean="0">
-                <a:latin typeface="微软雅黑" panose="020B0503020204020204" pitchFamily="34" charset="-122"/>
-                <a:ea typeface="微软雅黑" panose="020B0503020204020204" pitchFamily="34" charset="-122"/>
-              </a:rPr>
-              <a:t>的、統</a:t>
-            </a:r>
-            <a:r>
-              <a:rPr lang="zh-CN" altLang="en-US" sz="1400" dirty="0">
-                <a:latin typeface="微软雅黑" panose="020B0503020204020204" pitchFamily="34" charset="-122"/>
-                <a:ea typeface="微软雅黑" panose="020B0503020204020204" pitchFamily="34" charset="-122"/>
-              </a:rPr>
-              <a:t>一</a:t>
-            </a:r>
-            <a:r>
-              <a:rPr lang="zh-CN" altLang="en-US" sz="1400" dirty="0" smtClean="0">
-                <a:latin typeface="微软雅黑" panose="020B0503020204020204" pitchFamily="34" charset="-122"/>
-                <a:ea typeface="微软雅黑" panose="020B0503020204020204" pitchFamily="34" charset="-122"/>
-              </a:rPr>
-              <a:t>的思</a:t>
-            </a:r>
-            <a:r>
-              <a:rPr lang="zh-CN" altLang="en-US" sz="1400" dirty="0">
-                <a:latin typeface="微软雅黑" panose="020B0503020204020204" pitchFamily="34" charset="-122"/>
-                <a:ea typeface="微软雅黑" panose="020B0503020204020204" pitchFamily="34" charset="-122"/>
-              </a:rPr>
-              <a:t>維形態解決問</a:t>
-            </a:r>
-            <a:r>
-              <a:rPr lang="zh-CN" altLang="en-US" sz="1400" dirty="0" smtClean="0">
-                <a:latin typeface="微软雅黑" panose="020B0503020204020204" pitchFamily="34" charset="-122"/>
-                <a:ea typeface="微软雅黑" panose="020B0503020204020204" pitchFamily="34" charset="-122"/>
-              </a:rPr>
-              <a:t>題</a:t>
-            </a:r>
-            <a:endParaRPr lang="en-US" altLang="zh-CN" sz="1400" dirty="0">
+              <a:rPr lang="zh-CN" altLang="en-US" sz="1200" dirty="0">
+                <a:latin typeface="微软雅黑" panose="020B0503020204020204" pitchFamily="34" charset="-122"/>
+                <a:ea typeface="微软雅黑" panose="020B0503020204020204" pitchFamily="34" charset="-122"/>
+              </a:rPr>
+              <a:t>橫向提高整個團隊的工作效率和質量。</a:t>
+            </a:r>
+            <a:endParaRPr lang="en-US" altLang="zh-CN" sz="1200" dirty="0">
               <a:latin typeface="微软雅黑" panose="020B0503020204020204" pitchFamily="34" charset="-122"/>
               <a:ea typeface="微软雅黑" panose="020B0503020204020204" pitchFamily="34" charset="-122"/>
             </a:endParaRPr>
           </a:p>
           <a:p>
             <a:r>
-              <a:rPr lang="zh-CN" altLang="en-US" sz="1400" dirty="0" smtClean="0">
-                <a:latin typeface="微软雅黑" panose="020B0503020204020204" pitchFamily="34" charset="-122"/>
-                <a:ea typeface="微软雅黑" panose="020B0503020204020204" pitchFamily="34" charset="-122"/>
-              </a:rPr>
-              <a:t>並減</a:t>
-            </a:r>
-            <a:r>
-              <a:rPr lang="zh-CN" altLang="en-US" sz="1400" dirty="0">
-                <a:latin typeface="微软雅黑" panose="020B0503020204020204" pitchFamily="34" charset="-122"/>
-                <a:ea typeface="微软雅黑" panose="020B0503020204020204" pitchFamily="34" charset="-122"/>
-              </a:rPr>
-              <a:t>少強團隊的技術溝通成本</a:t>
-            </a:r>
-            <a:r>
-              <a:rPr lang="en-US" altLang="zh-CN" sz="1400" dirty="0" smtClean="0">
+              <a:rPr lang="zh-CN" altLang="en-US" sz="1200" dirty="0">
+                <a:latin typeface="微软雅黑" panose="020B0503020204020204" pitchFamily="34" charset="-122"/>
+                <a:ea typeface="微软雅黑" panose="020B0503020204020204" pitchFamily="34" charset="-122"/>
+              </a:rPr>
+              <a:t>開發引擎可視為是技術解決方案和業務解決方案在代碼段的物理實現</a:t>
+            </a:r>
+            <a:r>
+              <a:rPr lang="en-US" altLang="zh-CN" sz="1200" dirty="0">
                 <a:latin typeface="微软雅黑" panose="020B0503020204020204" pitchFamily="34" charset="-122"/>
                 <a:ea typeface="微软雅黑" panose="020B0503020204020204" pitchFamily="34" charset="-122"/>
               </a:rPr>
               <a:t>,</a:t>
             </a:r>
             <a:r>
-              <a:rPr lang="zh-CN" altLang="en-US" sz="1400" dirty="0" smtClean="0">
-                <a:latin typeface="微软雅黑" panose="020B0503020204020204" pitchFamily="34" charset="-122"/>
-                <a:ea typeface="微软雅黑" panose="020B0503020204020204" pitchFamily="34" charset="-122"/>
-              </a:rPr>
-              <a:t> 打破</a:t>
-            </a:r>
-            <a:r>
-              <a:rPr lang="zh-CN" altLang="en-US" sz="1400" dirty="0">
-                <a:latin typeface="微软雅黑" panose="020B0503020204020204" pitchFamily="34" charset="-122"/>
-                <a:ea typeface="微软雅黑" panose="020B0503020204020204" pitchFamily="34" charset="-122"/>
-              </a:rPr>
-              <a:t>現在無法大規模協同開發的困境</a:t>
-            </a:r>
-            <a:r>
-              <a:rPr lang="en-US" altLang="zh-CN" sz="1400" dirty="0">
+              <a:rPr lang="zh-CN" altLang="en-US" sz="1200" dirty="0">
+                <a:latin typeface="微软雅黑" panose="020B0503020204020204" pitchFamily="34" charset="-122"/>
+                <a:ea typeface="微软雅黑" panose="020B0503020204020204" pitchFamily="34" charset="-122"/>
+              </a:rPr>
+              <a:t>讓技術和業務邏輯不再通過簡單的口頭傳播和複製黏貼</a:t>
+            </a:r>
+            <a:r>
+              <a:rPr lang="en-US" altLang="zh-CN" sz="1200" dirty="0">
                 <a:latin typeface="微软雅黑" panose="020B0503020204020204" pitchFamily="34" charset="-122"/>
                 <a:ea typeface="微软雅黑" panose="020B0503020204020204" pitchFamily="34" charset="-122"/>
               </a:rPr>
               <a:t>,</a:t>
             </a:r>
             <a:r>
-              <a:rPr lang="zh-CN" altLang="en-US" sz="1400" dirty="0">
-                <a:latin typeface="微软雅黑" panose="020B0503020204020204" pitchFamily="34" charset="-122"/>
-                <a:ea typeface="微软雅黑" panose="020B0503020204020204" pitchFamily="34" charset="-122"/>
-              </a:rPr>
-              <a:t>讓開發人員的人力安排更加</a:t>
-            </a:r>
-            <a:r>
-              <a:rPr lang="zh-CN" altLang="en-US" sz="1400" dirty="0" smtClean="0">
-                <a:latin typeface="微软雅黑" panose="020B0503020204020204" pitchFamily="34" charset="-122"/>
-                <a:ea typeface="微软雅黑" panose="020B0503020204020204" pitchFamily="34" charset="-122"/>
-              </a:rPr>
-              <a:t>平均</a:t>
-            </a:r>
-            <a:r>
-              <a:rPr lang="en-US" altLang="zh-CN" sz="1400" dirty="0" smtClean="0">
+              <a:rPr lang="zh-CN" altLang="en-US" sz="1200" dirty="0">
+                <a:latin typeface="微软雅黑" panose="020B0503020204020204" pitchFamily="34" charset="-122"/>
+                <a:ea typeface="微软雅黑" panose="020B0503020204020204" pitchFamily="34" charset="-122"/>
+              </a:rPr>
+              <a:t>開發人員可直接通過內部搭建的包管理系統安裝使用</a:t>
+            </a:r>
+            <a:r>
+              <a:rPr lang="en-US" altLang="zh-CN" sz="1200" dirty="0">
                 <a:latin typeface="微软雅黑" panose="020B0503020204020204" pitchFamily="34" charset="-122"/>
                 <a:ea typeface="微软雅黑" panose="020B0503020204020204" pitchFamily="34" charset="-122"/>
               </a:rPr>
               <a:t>,</a:t>
             </a:r>
             <a:r>
-              <a:rPr lang="zh-CN" altLang="en-US" sz="1400" dirty="0" smtClean="0">
-                <a:latin typeface="微软雅黑" panose="020B0503020204020204" pitchFamily="34" charset="-122"/>
-                <a:ea typeface="微软雅黑" panose="020B0503020204020204" pitchFamily="34" charset="-122"/>
-              </a:rPr>
-              <a:t>在遇到緊急專案開發時</a:t>
-            </a:r>
-            <a:r>
-              <a:rPr lang="en-US" altLang="zh-CN" sz="1400" dirty="0" smtClean="0">
+              <a:rPr lang="zh-CN" altLang="en-US" sz="1200" dirty="0">
+                <a:latin typeface="微软雅黑" panose="020B0503020204020204" pitchFamily="34" charset="-122"/>
+                <a:ea typeface="微软雅黑" panose="020B0503020204020204" pitchFamily="34" charset="-122"/>
+              </a:rPr>
+              <a:t>讓複雜的技術處理流程和業務流程變成一個個簡單的</a:t>
+            </a:r>
+            <a:r>
+              <a:rPr lang="en-US" altLang="zh-CN" sz="1200" dirty="0">
+                <a:latin typeface="微软雅黑" panose="020B0503020204020204" pitchFamily="34" charset="-122"/>
+                <a:ea typeface="微软雅黑" panose="020B0503020204020204" pitchFamily="34" charset="-122"/>
+              </a:rPr>
+              <a:t>API,</a:t>
+            </a:r>
+            <a:r>
+              <a:rPr lang="zh-CN" altLang="en-US" sz="1200" dirty="0">
+                <a:latin typeface="微软雅黑" panose="020B0503020204020204" pitchFamily="34" charset="-122"/>
+                <a:ea typeface="微软雅黑" panose="020B0503020204020204" pitchFamily="34" charset="-122"/>
+              </a:rPr>
+              <a:t>使之成為團隊的技術積累並不斷壯大</a:t>
+            </a:r>
+            <a:r>
+              <a:rPr lang="en-US" altLang="zh-CN" sz="1200" dirty="0">
                 <a:latin typeface="微软雅黑" panose="020B0503020204020204" pitchFamily="34" charset="-122"/>
                 <a:ea typeface="微软雅黑" panose="020B0503020204020204" pitchFamily="34" charset="-122"/>
               </a:rPr>
               <a:t>,</a:t>
             </a:r>
             <a:r>
-              <a:rPr lang="zh-CN" altLang="en-US" sz="1400" dirty="0" smtClean="0">
-                <a:latin typeface="微软雅黑" panose="020B0503020204020204" pitchFamily="34" charset="-122"/>
-                <a:ea typeface="微软雅黑" panose="020B0503020204020204" pitchFamily="34" charset="-122"/>
-              </a:rPr>
-              <a:t>可快速組織入人力有效</a:t>
-            </a:r>
-            <a:r>
-              <a:rPr lang="zh-CN" altLang="en-US" sz="1400" dirty="0">
-                <a:latin typeface="微软雅黑" panose="020B0503020204020204" pitchFamily="34" charset="-122"/>
-                <a:ea typeface="微软雅黑" panose="020B0503020204020204" pitchFamily="34" charset="-122"/>
-              </a:rPr>
-              <a:t>、</a:t>
-            </a:r>
-            <a:r>
-              <a:rPr lang="zh-CN" altLang="en-US" sz="1400" dirty="0" smtClean="0">
-                <a:latin typeface="微软雅黑" panose="020B0503020204020204" pitchFamily="34" charset="-122"/>
-                <a:ea typeface="微软雅黑" panose="020B0503020204020204" pitchFamily="34" charset="-122"/>
-              </a:rPr>
-              <a:t>快速推進專案進度</a:t>
-            </a:r>
-            <a:endParaRPr lang="en-US" altLang="zh-CN" sz="1400" dirty="0" smtClean="0">
+              <a:rPr lang="zh-CN" altLang="en-US" sz="1200" dirty="0">
+                <a:latin typeface="微软雅黑" panose="020B0503020204020204" pitchFamily="34" charset="-122"/>
+                <a:ea typeface="微软雅黑" panose="020B0503020204020204" pitchFamily="34" charset="-122"/>
+              </a:rPr>
+              <a:t>讓團隊在遇到問題時</a:t>
+            </a:r>
+            <a:r>
+              <a:rPr lang="en-US" altLang="zh-CN" sz="1200" dirty="0">
+                <a:latin typeface="微软雅黑" panose="020B0503020204020204" pitchFamily="34" charset="-122"/>
+                <a:ea typeface="微软雅黑" panose="020B0503020204020204" pitchFamily="34" charset="-122"/>
+              </a:rPr>
+              <a:t>,</a:t>
+            </a:r>
+            <a:r>
+              <a:rPr lang="zh-CN" altLang="en-US" sz="1200" dirty="0">
+                <a:latin typeface="微软雅黑" panose="020B0503020204020204" pitchFamily="34" charset="-122"/>
+                <a:ea typeface="微软雅黑" panose="020B0503020204020204" pitchFamily="34" charset="-122"/>
+              </a:rPr>
+              <a:t>可以用最優的、統一的思維形態解決問題</a:t>
+            </a:r>
+            <a:endParaRPr lang="en-US" altLang="zh-CN" sz="1200" dirty="0">
               <a:latin typeface="微软雅黑" panose="020B0503020204020204" pitchFamily="34" charset="-122"/>
               <a:ea typeface="微软雅黑" panose="020B0503020204020204" pitchFamily="34" charset="-122"/>
             </a:endParaRPr>
           </a:p>
           <a:p>
-            <a:endParaRPr lang="zh-CN" altLang="en-US" sz="1400" dirty="0" smtClean="0"/>
-          </a:p>
-          <a:p>
+            <a:r>
+              <a:rPr lang="zh-CN" altLang="en-US" sz="1200" dirty="0" smtClean="0">
+                <a:latin typeface="微软雅黑" panose="020B0503020204020204" pitchFamily="34" charset="-122"/>
+                <a:ea typeface="微软雅黑" panose="020B0503020204020204" pitchFamily="34" charset="-122"/>
+              </a:rPr>
+              <a:t>減</a:t>
+            </a:r>
+            <a:r>
+              <a:rPr lang="zh-CN" altLang="en-US" sz="1200" dirty="0">
+                <a:latin typeface="微软雅黑" panose="020B0503020204020204" pitchFamily="34" charset="-122"/>
+                <a:ea typeface="微软雅黑" panose="020B0503020204020204" pitchFamily="34" charset="-122"/>
+              </a:rPr>
+              <a:t>少強團隊的技術溝通成本</a:t>
+            </a:r>
+            <a:r>
+              <a:rPr lang="en-US" altLang="zh-CN" sz="1200" dirty="0">
+                <a:latin typeface="微软雅黑" panose="020B0503020204020204" pitchFamily="34" charset="-122"/>
+                <a:ea typeface="微软雅黑" panose="020B0503020204020204" pitchFamily="34" charset="-122"/>
+              </a:rPr>
+              <a:t>,</a:t>
+            </a:r>
+            <a:r>
+              <a:rPr lang="zh-CN" altLang="en-US" sz="1200" dirty="0">
+                <a:latin typeface="微软雅黑" panose="020B0503020204020204" pitchFamily="34" charset="-122"/>
+                <a:ea typeface="微软雅黑" panose="020B0503020204020204" pitchFamily="34" charset="-122"/>
+              </a:rPr>
+              <a:t> 打破現在無法大規模協同開發的困境</a:t>
+            </a:r>
+            <a:r>
+              <a:rPr lang="en-US" altLang="zh-CN" sz="1200" dirty="0">
+                <a:latin typeface="微软雅黑" panose="020B0503020204020204" pitchFamily="34" charset="-122"/>
+                <a:ea typeface="微软雅黑" panose="020B0503020204020204" pitchFamily="34" charset="-122"/>
+              </a:rPr>
+              <a:t>,</a:t>
+            </a:r>
+            <a:r>
+              <a:rPr lang="zh-CN" altLang="en-US" sz="1200" dirty="0">
+                <a:latin typeface="微软雅黑" panose="020B0503020204020204" pitchFamily="34" charset="-122"/>
+                <a:ea typeface="微软雅黑" panose="020B0503020204020204" pitchFamily="34" charset="-122"/>
+              </a:rPr>
+              <a:t>讓開發人員的人力安排更加平均</a:t>
+            </a:r>
+            <a:r>
+              <a:rPr lang="en-US" altLang="zh-CN" sz="1200" dirty="0">
+                <a:latin typeface="微软雅黑" panose="020B0503020204020204" pitchFamily="34" charset="-122"/>
+                <a:ea typeface="微软雅黑" panose="020B0503020204020204" pitchFamily="34" charset="-122"/>
+              </a:rPr>
+              <a:t>,</a:t>
+            </a:r>
+            <a:r>
+              <a:rPr lang="zh-CN" altLang="en-US" sz="1200" dirty="0">
+                <a:latin typeface="微软雅黑" panose="020B0503020204020204" pitchFamily="34" charset="-122"/>
+                <a:ea typeface="微软雅黑" panose="020B0503020204020204" pitchFamily="34" charset="-122"/>
+              </a:rPr>
+              <a:t>在遇到緊急專案開發時</a:t>
+            </a:r>
+            <a:r>
+              <a:rPr lang="en-US" altLang="zh-CN" sz="1200" dirty="0">
+                <a:latin typeface="微软雅黑" panose="020B0503020204020204" pitchFamily="34" charset="-122"/>
+                <a:ea typeface="微软雅黑" panose="020B0503020204020204" pitchFamily="34" charset="-122"/>
+              </a:rPr>
+              <a:t>,</a:t>
+            </a:r>
+            <a:r>
+              <a:rPr lang="zh-CN" altLang="en-US" sz="1200" dirty="0">
+                <a:latin typeface="微软雅黑" panose="020B0503020204020204" pitchFamily="34" charset="-122"/>
+                <a:ea typeface="微软雅黑" panose="020B0503020204020204" pitchFamily="34" charset="-122"/>
+              </a:rPr>
+              <a:t>可快速組織入人力有效、快速推進專案進度</a:t>
+            </a:r>
+            <a:endParaRPr lang="en-US" altLang="zh-CN" sz="1200" dirty="0">
+              <a:latin typeface="微软雅黑" panose="020B0503020204020204" pitchFamily="34" charset="-122"/>
+              <a:ea typeface="微软雅黑" panose="020B0503020204020204" pitchFamily="34" charset="-122"/>
+            </a:endParaRPr>
+          </a:p>
+        </p:txBody>
+      </p:sp>
+      <p:sp>
+        <p:nvSpPr>
+          <p:cNvPr id="8" name="文本框 7"/>
+          <p:cNvSpPr txBox="1"/>
+          <p:nvPr/>
+        </p:nvSpPr>
+        <p:spPr>
+          <a:xfrm>
+            <a:off x="862147" y="3055688"/>
+            <a:ext cx="11286737" cy="830997"/>
+          </a:xfrm>
+          <a:prstGeom prst="rect">
+            <a:avLst/>
+          </a:prstGeom>
+          <a:noFill/>
+        </p:spPr>
+        <p:txBody>
+          <a:bodyPr wrap="square" rtlCol="0">
+            <a:spAutoFit/>
+          </a:bodyPr>
+          <a:lstStyle/>
+          <a:p>
+            <a:r>
+              <a:rPr lang="en-US" altLang="zh-CN" sz="1200" dirty="0">
+                <a:latin typeface="微软雅黑" panose="020B0503020204020204" pitchFamily="34" charset="-122"/>
+                <a:ea typeface="微软雅黑" panose="020B0503020204020204" pitchFamily="34" charset="-122"/>
+              </a:rPr>
+              <a:t>2.</a:t>
+            </a:r>
+            <a:r>
+              <a:rPr lang="zh-CN" altLang="en-US" sz="1200" dirty="0">
+                <a:latin typeface="微软雅黑" panose="020B0503020204020204" pitchFamily="34" charset="-122"/>
+                <a:ea typeface="微软雅黑" panose="020B0503020204020204" pitchFamily="34" charset="-122"/>
+              </a:rPr>
+              <a:t>生產製造系統</a:t>
+            </a:r>
+            <a:r>
+              <a:rPr lang="en-US" altLang="zh-CN" sz="1200" dirty="0">
+                <a:latin typeface="微软雅黑" panose="020B0503020204020204" pitchFamily="34" charset="-122"/>
+                <a:ea typeface="微软雅黑" panose="020B0503020204020204" pitchFamily="34" charset="-122"/>
+              </a:rPr>
+              <a:t>-</a:t>
+            </a:r>
+            <a:r>
+              <a:rPr lang="zh-CN" altLang="en-US" sz="1200" dirty="0">
+                <a:latin typeface="微软雅黑" panose="020B0503020204020204" pitchFamily="34" charset="-122"/>
+                <a:ea typeface="微软雅黑" panose="020B0503020204020204" pitchFamily="34" charset="-122"/>
+              </a:rPr>
+              <a:t>產品攔截平台開發</a:t>
+            </a:r>
+            <a:endParaRPr lang="en-US" altLang="zh-CN" sz="1200" dirty="0">
+              <a:latin typeface="微软雅黑" panose="020B0503020204020204" pitchFamily="34" charset="-122"/>
+              <a:ea typeface="微软雅黑" panose="020B0503020204020204" pitchFamily="34" charset="-122"/>
+            </a:endParaRPr>
+          </a:p>
+          <a:p>
+            <a:r>
+              <a:rPr lang="zh-CN" altLang="en-US" sz="1200" dirty="0">
+                <a:latin typeface="微软雅黑" panose="020B0503020204020204" pitchFamily="34" charset="-122"/>
+                <a:ea typeface="微软雅黑" panose="020B0503020204020204" pitchFamily="34" charset="-122"/>
+              </a:rPr>
+              <a:t>實現卡站可視化、過站卡站設定追溯、交付用戶自定義設定攔截規則無需開發人員參與等目標</a:t>
+            </a:r>
+            <a:endParaRPr lang="en-US" altLang="zh-CN" sz="1200" dirty="0">
+              <a:latin typeface="微软雅黑" panose="020B0503020204020204" pitchFamily="34" charset="-122"/>
+              <a:ea typeface="微软雅黑" panose="020B0503020204020204" pitchFamily="34" charset="-122"/>
+            </a:endParaRPr>
+          </a:p>
+          <a:p>
+            <a:r>
+              <a:rPr lang="zh-CN" altLang="en-US" sz="1200" dirty="0">
+                <a:latin typeface="微软雅黑" panose="020B0503020204020204" pitchFamily="34" charset="-122"/>
+                <a:ea typeface="微软雅黑" panose="020B0503020204020204" pitchFamily="34" charset="-122"/>
+              </a:rPr>
+              <a:t>基於</a:t>
+            </a:r>
+            <a:r>
+              <a:rPr lang="en-US" altLang="zh-CN" sz="1200" dirty="0">
+                <a:latin typeface="微软雅黑" panose="020B0503020204020204" pitchFamily="34" charset="-122"/>
+                <a:ea typeface="微软雅黑" panose="020B0503020204020204" pitchFamily="34" charset="-122"/>
+              </a:rPr>
+              <a:t>.NET </a:t>
+            </a:r>
+            <a:r>
+              <a:rPr lang="zh-CN" altLang="en-US" sz="1200" dirty="0">
+                <a:latin typeface="微软雅黑" panose="020B0503020204020204" pitchFamily="34" charset="-122"/>
+                <a:ea typeface="微软雅黑" panose="020B0503020204020204" pitchFamily="34" charset="-122"/>
+              </a:rPr>
+              <a:t>開發引擎</a:t>
+            </a:r>
+            <a:r>
+              <a:rPr lang="en-US" altLang="zh-CN" sz="1200" dirty="0">
+                <a:latin typeface="微软雅黑" panose="020B0503020204020204" pitchFamily="34" charset="-122"/>
+                <a:ea typeface="微软雅黑" panose="020B0503020204020204" pitchFamily="34" charset="-122"/>
+              </a:rPr>
+              <a:t>,</a:t>
+            </a:r>
+            <a:r>
+              <a:rPr lang="zh-CN" altLang="en-US" sz="1200" dirty="0">
+                <a:latin typeface="微软雅黑" panose="020B0503020204020204" pitchFamily="34" charset="-122"/>
+                <a:ea typeface="微软雅黑" panose="020B0503020204020204" pitchFamily="34" charset="-122"/>
+              </a:rPr>
+              <a:t>開發產品攔截平台</a:t>
+            </a:r>
+            <a:r>
+              <a:rPr lang="en-US" altLang="zh-CN" sz="1200" dirty="0">
+                <a:latin typeface="微软雅黑" panose="020B0503020204020204" pitchFamily="34" charset="-122"/>
+                <a:ea typeface="微软雅黑" panose="020B0503020204020204" pitchFamily="34" charset="-122"/>
+              </a:rPr>
+              <a:t>,</a:t>
+            </a:r>
+            <a:r>
+              <a:rPr lang="zh-CN" altLang="en-US" sz="1200" dirty="0">
+                <a:latin typeface="微软雅黑" panose="020B0503020204020204" pitchFamily="34" charset="-122"/>
+                <a:ea typeface="微软雅黑" panose="020B0503020204020204" pitchFamily="34" charset="-122"/>
+              </a:rPr>
+              <a:t>在平台中通過拖拽的方式實現攔截規則的設定</a:t>
+            </a:r>
+            <a:r>
+              <a:rPr lang="en-US" altLang="zh-CN" sz="1200" dirty="0">
+                <a:latin typeface="微软雅黑" panose="020B0503020204020204" pitchFamily="34" charset="-122"/>
+                <a:ea typeface="微软雅黑" panose="020B0503020204020204" pitchFamily="34" charset="-122"/>
+              </a:rPr>
+              <a:t>,</a:t>
+            </a:r>
+          </a:p>
+          <a:p>
+            <a:r>
+              <a:rPr lang="zh-CN" altLang="en-US" sz="1200" dirty="0">
+                <a:latin typeface="微软雅黑" panose="020B0503020204020204" pitchFamily="34" charset="-122"/>
+                <a:ea typeface="微软雅黑" panose="020B0503020204020204" pitchFamily="34" charset="-122"/>
+              </a:rPr>
+              <a:t>分離產品異常攔截邏輯與程序流程邏輯</a:t>
+            </a:r>
+            <a:endParaRPr lang="en-US" altLang="zh-CN" sz="1200" dirty="0">
+              <a:latin typeface="微软雅黑" panose="020B0503020204020204" pitchFamily="34" charset="-122"/>
+              <a:ea typeface="微软雅黑" panose="020B0503020204020204" pitchFamily="34" charset="-122"/>
+            </a:endParaRPr>
+          </a:p>
+        </p:txBody>
+      </p:sp>
+      <p:sp>
+        <p:nvSpPr>
+          <p:cNvPr id="9" name="文本框 8"/>
+          <p:cNvSpPr txBox="1"/>
+          <p:nvPr/>
+        </p:nvSpPr>
+        <p:spPr>
+          <a:xfrm>
+            <a:off x="862147" y="4112295"/>
+            <a:ext cx="11286737" cy="1569660"/>
+          </a:xfrm>
+          <a:prstGeom prst="rect">
+            <a:avLst/>
+          </a:prstGeom>
+          <a:noFill/>
+        </p:spPr>
+        <p:txBody>
+          <a:bodyPr wrap="square" rtlCol="0">
+            <a:spAutoFit/>
+          </a:bodyPr>
+          <a:lstStyle/>
+          <a:p>
+            <a:r>
+              <a:rPr lang="en-US" altLang="zh-CN" sz="1200" dirty="0">
+                <a:latin typeface="微软雅黑" panose="020B0503020204020204" pitchFamily="34" charset="-122"/>
+                <a:ea typeface="微软雅黑" panose="020B0503020204020204" pitchFamily="34" charset="-122"/>
+              </a:rPr>
+              <a:t>3.</a:t>
+            </a:r>
+            <a:r>
+              <a:rPr lang="zh-CN" altLang="en-US" sz="1200" dirty="0">
+                <a:latin typeface="微软雅黑" panose="020B0503020204020204" pitchFamily="34" charset="-122"/>
+                <a:ea typeface="微软雅黑" panose="020B0503020204020204" pitchFamily="34" charset="-122"/>
+              </a:rPr>
+              <a:t>生產製造系統架構優化</a:t>
+            </a:r>
+          </a:p>
+          <a:p>
+            <a:r>
+              <a:rPr lang="zh-CN" altLang="en-US" sz="1200" dirty="0">
+                <a:latin typeface="微软雅黑" panose="020B0503020204020204" pitchFamily="34" charset="-122"/>
+                <a:ea typeface="微软雅黑" panose="020B0503020204020204" pitchFamily="34" charset="-122"/>
+              </a:rPr>
+              <a:t>現有的開發模式是根據用戶零散的需求開發零散的功能</a:t>
+            </a:r>
+            <a:r>
+              <a:rPr lang="en-US" altLang="zh-CN" sz="1200" dirty="0">
+                <a:latin typeface="微软雅黑" panose="020B0503020204020204" pitchFamily="34" charset="-122"/>
+                <a:ea typeface="微软雅黑" panose="020B0503020204020204" pitchFamily="34" charset="-122"/>
+              </a:rPr>
+              <a:t>,</a:t>
+            </a:r>
+            <a:r>
+              <a:rPr lang="zh-CN" altLang="en-US" sz="1200" dirty="0">
+                <a:latin typeface="微软雅黑" panose="020B0503020204020204" pitchFamily="34" charset="-122"/>
+                <a:ea typeface="微软雅黑" panose="020B0503020204020204" pitchFamily="34" charset="-122"/>
+              </a:rPr>
+              <a:t>這樣做的缺點是功能實現冗餘、分散、片面</a:t>
+            </a:r>
+            <a:r>
+              <a:rPr lang="en-US" altLang="zh-CN" sz="1200" dirty="0">
+                <a:latin typeface="微软雅黑" panose="020B0503020204020204" pitchFamily="34" charset="-122"/>
+                <a:ea typeface="微软雅黑" panose="020B0503020204020204" pitchFamily="34" charset="-122"/>
+              </a:rPr>
+              <a:t>,</a:t>
+            </a:r>
+            <a:r>
+              <a:rPr lang="zh-CN" altLang="en-US" sz="1200" dirty="0">
+                <a:latin typeface="微软雅黑" panose="020B0503020204020204" pitchFamily="34" charset="-122"/>
+                <a:ea typeface="微软雅黑" panose="020B0503020204020204" pitchFamily="34" charset="-122"/>
+              </a:rPr>
+              <a:t>無法構成強大的系統</a:t>
+            </a:r>
+            <a:r>
+              <a:rPr lang="en-US" altLang="zh-CN" sz="1200" dirty="0">
+                <a:latin typeface="微软雅黑" panose="020B0503020204020204" pitchFamily="34" charset="-122"/>
+                <a:ea typeface="微软雅黑" panose="020B0503020204020204" pitchFamily="34" charset="-122"/>
+              </a:rPr>
+              <a:t>,</a:t>
+            </a:r>
+            <a:r>
+              <a:rPr lang="zh-CN" altLang="en-US" sz="1200" dirty="0">
+                <a:latin typeface="微软雅黑" panose="020B0503020204020204" pitchFamily="34" charset="-122"/>
+                <a:ea typeface="微软雅黑" panose="020B0503020204020204" pitchFamily="34" charset="-122"/>
+              </a:rPr>
+              <a:t>數據無法發揮最大的效用</a:t>
+            </a:r>
+            <a:r>
+              <a:rPr lang="en-US" altLang="zh-CN" sz="1200" dirty="0" smtClean="0">
+                <a:latin typeface="微软雅黑" panose="020B0503020204020204" pitchFamily="34" charset="-122"/>
+                <a:ea typeface="微软雅黑" panose="020B0503020204020204" pitchFamily="34" charset="-122"/>
+              </a:rPr>
+              <a:t>,</a:t>
+            </a:r>
+            <a:endParaRPr lang="en-US" altLang="zh-CN" sz="1200" dirty="0">
+              <a:latin typeface="微软雅黑" panose="020B0503020204020204" pitchFamily="34" charset="-122"/>
+              <a:ea typeface="微软雅黑" panose="020B0503020204020204" pitchFamily="34" charset="-122"/>
+            </a:endParaRPr>
+          </a:p>
+          <a:p>
+            <a:r>
+              <a:rPr lang="zh-CN" altLang="en-US" sz="1200" dirty="0">
+                <a:latin typeface="微软雅黑" panose="020B0503020204020204" pitchFamily="34" charset="-122"/>
+                <a:ea typeface="微软雅黑" panose="020B0503020204020204" pitchFamily="34" charset="-122"/>
+                <a:sym typeface="+mn-ea"/>
+              </a:rPr>
+              <a:t>打破現在系統封閉的現狀</a:t>
+            </a:r>
+            <a:r>
+              <a:rPr lang="en-US" altLang="zh-CN" sz="1200" dirty="0">
+                <a:latin typeface="微软雅黑" panose="020B0503020204020204" pitchFamily="34" charset="-122"/>
+                <a:ea typeface="微软雅黑" panose="020B0503020204020204" pitchFamily="34" charset="-122"/>
+                <a:sym typeface="+mn-ea"/>
+              </a:rPr>
+              <a:t>,</a:t>
+            </a:r>
+            <a:r>
+              <a:rPr lang="zh-CN" altLang="en-US" sz="1200" dirty="0">
+                <a:latin typeface="微软雅黑" panose="020B0503020204020204" pitchFamily="34" charset="-122"/>
+                <a:ea typeface="微软雅黑" panose="020B0503020204020204" pitchFamily="34" charset="-122"/>
+                <a:sym typeface="+mn-ea"/>
+              </a:rPr>
+              <a:t>將各個程序、模塊改造為開放形態架構</a:t>
+            </a:r>
+            <a:r>
+              <a:rPr lang="en-US" altLang="zh-CN" sz="1200" dirty="0">
+                <a:latin typeface="微软雅黑" panose="020B0503020204020204" pitchFamily="34" charset="-122"/>
+                <a:ea typeface="微软雅黑" panose="020B0503020204020204" pitchFamily="34" charset="-122"/>
+                <a:sym typeface="+mn-ea"/>
+              </a:rPr>
+              <a:t>,</a:t>
+            </a:r>
+            <a:r>
+              <a:rPr lang="zh-CN" altLang="en-US" sz="1200" dirty="0">
+                <a:latin typeface="微软雅黑" panose="020B0503020204020204" pitchFamily="34" charset="-122"/>
+                <a:ea typeface="微软雅黑" panose="020B0503020204020204" pitchFamily="34" charset="-122"/>
+                <a:sym typeface="+mn-ea"/>
+              </a:rPr>
+              <a:t>讓數據串聯變得簡單、讓開發速度更</a:t>
+            </a:r>
+            <a:r>
+              <a:rPr lang="zh-CN" altLang="en-US" sz="1200" dirty="0" smtClean="0">
+                <a:latin typeface="微软雅黑" panose="020B0503020204020204" pitchFamily="34" charset="-122"/>
+                <a:ea typeface="微软雅黑" panose="020B0503020204020204" pitchFamily="34" charset="-122"/>
+                <a:sym typeface="+mn-ea"/>
+              </a:rPr>
+              <a:t>快</a:t>
+            </a:r>
+            <a:endParaRPr lang="en-US" altLang="zh-CN" sz="1200" dirty="0">
+              <a:latin typeface="微软雅黑" panose="020B0503020204020204" pitchFamily="34" charset="-122"/>
+              <a:ea typeface="微软雅黑" panose="020B0503020204020204" pitchFamily="34" charset="-122"/>
+            </a:endParaRPr>
+          </a:p>
+          <a:p>
+            <a:r>
+              <a:rPr lang="zh-CN" altLang="en-US" sz="1200" dirty="0">
+                <a:latin typeface="微软雅黑" panose="020B0503020204020204" pitchFamily="34" charset="-122"/>
+                <a:ea typeface="微软雅黑" panose="020B0503020204020204" pitchFamily="34" charset="-122"/>
+                <a:sym typeface="+mn-ea"/>
+              </a:rPr>
+              <a:t>設計平穩、循序漸進的重構方案</a:t>
+            </a:r>
+            <a:r>
+              <a:rPr lang="en-US" altLang="zh-CN" sz="1200" dirty="0">
+                <a:latin typeface="微软雅黑" panose="020B0503020204020204" pitchFamily="34" charset="-122"/>
+                <a:ea typeface="微软雅黑" panose="020B0503020204020204" pitchFamily="34" charset="-122"/>
+                <a:sym typeface="+mn-ea"/>
+              </a:rPr>
+              <a:t>,</a:t>
+            </a:r>
+            <a:r>
+              <a:rPr lang="zh-CN" altLang="en-US" sz="1200" dirty="0">
+                <a:latin typeface="微软雅黑" panose="020B0503020204020204" pitchFamily="34" charset="-122"/>
+                <a:ea typeface="微软雅黑" panose="020B0503020204020204" pitchFamily="34" charset="-122"/>
+                <a:sym typeface="+mn-ea"/>
+              </a:rPr>
+              <a:t>設計標準接口方案</a:t>
+            </a:r>
+            <a:r>
+              <a:rPr lang="en-US" altLang="zh-CN" sz="1200" dirty="0">
+                <a:latin typeface="微软雅黑" panose="020B0503020204020204" pitchFamily="34" charset="-122"/>
+                <a:ea typeface="微软雅黑" panose="020B0503020204020204" pitchFamily="34" charset="-122"/>
+                <a:sym typeface="+mn-ea"/>
+              </a:rPr>
+              <a:t>,</a:t>
+            </a:r>
+            <a:r>
+              <a:rPr lang="zh-CN" altLang="en-US" sz="1200" dirty="0">
+                <a:latin typeface="微软雅黑" panose="020B0503020204020204" pitchFamily="34" charset="-122"/>
+                <a:ea typeface="微软雅黑" panose="020B0503020204020204" pitchFamily="34" charset="-122"/>
+                <a:sym typeface="+mn-ea"/>
+              </a:rPr>
+              <a:t>在不影響現有功能的前提下</a:t>
+            </a:r>
+            <a:r>
+              <a:rPr lang="en-US" altLang="zh-CN" sz="1200" dirty="0">
+                <a:latin typeface="微软雅黑" panose="020B0503020204020204" pitchFamily="34" charset="-122"/>
+                <a:ea typeface="微软雅黑" panose="020B0503020204020204" pitchFamily="34" charset="-122"/>
+                <a:sym typeface="+mn-ea"/>
+              </a:rPr>
+              <a:t>,</a:t>
+            </a:r>
+            <a:r>
+              <a:rPr lang="zh-CN" altLang="en-US" sz="1200" dirty="0">
+                <a:latin typeface="微软雅黑" panose="020B0503020204020204" pitchFamily="34" charset="-122"/>
+                <a:ea typeface="微软雅黑" panose="020B0503020204020204" pitchFamily="34" charset="-122"/>
+                <a:sym typeface="+mn-ea"/>
+              </a:rPr>
+              <a:t>基於前面的</a:t>
+            </a:r>
+            <a:r>
+              <a:rPr lang="en-US" altLang="zh-CN" sz="1200" dirty="0">
+                <a:latin typeface="微软雅黑" panose="020B0503020204020204" pitchFamily="34" charset="-122"/>
+                <a:ea typeface="微软雅黑" panose="020B0503020204020204" pitchFamily="34" charset="-122"/>
+                <a:sym typeface="+mn-ea"/>
+              </a:rPr>
+              <a:t>.NET </a:t>
+            </a:r>
+            <a:r>
+              <a:rPr lang="zh-CN" altLang="en-US" sz="1200" dirty="0">
+                <a:latin typeface="微软雅黑" panose="020B0503020204020204" pitchFamily="34" charset="-122"/>
+                <a:ea typeface="微软雅黑" panose="020B0503020204020204" pitchFamily="34" charset="-122"/>
+                <a:sym typeface="+mn-ea"/>
+              </a:rPr>
+              <a:t>開發引擎、產品攔截平台</a:t>
+            </a:r>
+            <a:r>
+              <a:rPr lang="en-US" altLang="zh-CN" sz="1200" dirty="0">
+                <a:latin typeface="微软雅黑" panose="020B0503020204020204" pitchFamily="34" charset="-122"/>
+                <a:ea typeface="微软雅黑" panose="020B0503020204020204" pitchFamily="34" charset="-122"/>
+                <a:sym typeface="+mn-ea"/>
+              </a:rPr>
+              <a:t>,</a:t>
+            </a:r>
+            <a:r>
+              <a:rPr lang="zh-CN" altLang="en-US" sz="1200" dirty="0">
+                <a:latin typeface="微软雅黑" panose="020B0503020204020204" pitchFamily="34" charset="-122"/>
+                <a:ea typeface="微软雅黑" panose="020B0503020204020204" pitchFamily="34" charset="-122"/>
+                <a:sym typeface="+mn-ea"/>
+              </a:rPr>
+              <a:t>將單體桌面端架構改為</a:t>
+            </a:r>
+            <a:r>
+              <a:rPr lang="en-US" altLang="zh-CN" sz="1200" dirty="0">
+                <a:latin typeface="微软雅黑" panose="020B0503020204020204" pitchFamily="34" charset="-122"/>
+                <a:ea typeface="微软雅黑" panose="020B0503020204020204" pitchFamily="34" charset="-122"/>
+                <a:sym typeface="+mn-ea"/>
+              </a:rPr>
+              <a:t>C/S</a:t>
+            </a:r>
+            <a:r>
+              <a:rPr lang="zh-CN" altLang="en-US" sz="1200" dirty="0">
+                <a:latin typeface="微软雅黑" panose="020B0503020204020204" pitchFamily="34" charset="-122"/>
+                <a:ea typeface="微软雅黑" panose="020B0503020204020204" pitchFamily="34" charset="-122"/>
+                <a:sym typeface="+mn-ea"/>
+              </a:rPr>
+              <a:t>架構</a:t>
+            </a:r>
+            <a:r>
+              <a:rPr lang="en-US" altLang="zh-CN" sz="1200" dirty="0">
+                <a:latin typeface="微软雅黑" panose="020B0503020204020204" pitchFamily="34" charset="-122"/>
+                <a:ea typeface="微软雅黑" panose="020B0503020204020204" pitchFamily="34" charset="-122"/>
+                <a:sym typeface="+mn-ea"/>
+              </a:rPr>
+              <a:t>,</a:t>
+            </a:r>
+            <a:r>
+              <a:rPr lang="zh-CN" altLang="en-US" sz="1200" dirty="0">
+                <a:latin typeface="微软雅黑" panose="020B0503020204020204" pitchFamily="34" charset="-122"/>
+                <a:ea typeface="微软雅黑" panose="020B0503020204020204" pitchFamily="34" charset="-122"/>
+                <a:sym typeface="+mn-ea"/>
+              </a:rPr>
+              <a:t>將單體</a:t>
+            </a:r>
+            <a:r>
+              <a:rPr lang="en-US" altLang="zh-CN" sz="1200" dirty="0">
+                <a:latin typeface="微软雅黑" panose="020B0503020204020204" pitchFamily="34" charset="-122"/>
+                <a:ea typeface="微软雅黑" panose="020B0503020204020204" pitchFamily="34" charset="-122"/>
+                <a:sym typeface="+mn-ea"/>
+              </a:rPr>
+              <a:t>web</a:t>
+            </a:r>
+            <a:r>
+              <a:rPr lang="zh-CN" altLang="en-US" sz="1200" dirty="0">
+                <a:latin typeface="微软雅黑" panose="020B0503020204020204" pitchFamily="34" charset="-122"/>
+                <a:ea typeface="微软雅黑" panose="020B0503020204020204" pitchFamily="34" charset="-122"/>
+                <a:sym typeface="+mn-ea"/>
+              </a:rPr>
+              <a:t>應用</a:t>
+            </a:r>
+            <a:r>
+              <a:rPr lang="en-US" altLang="zh-CN" sz="1200" dirty="0">
+                <a:latin typeface="微软雅黑" panose="020B0503020204020204" pitchFamily="34" charset="-122"/>
+                <a:ea typeface="微软雅黑" panose="020B0503020204020204" pitchFamily="34" charset="-122"/>
+                <a:sym typeface="+mn-ea"/>
+              </a:rPr>
+              <a:t>,</a:t>
+            </a:r>
+            <a:r>
+              <a:rPr lang="zh-CN" altLang="en-US" sz="1200" dirty="0">
+                <a:latin typeface="微软雅黑" panose="020B0503020204020204" pitchFamily="34" charset="-122"/>
+                <a:ea typeface="微软雅黑" panose="020B0503020204020204" pitchFamily="34" charset="-122"/>
+                <a:sym typeface="+mn-ea"/>
+              </a:rPr>
+              <a:t>改為前後端分離架構</a:t>
+            </a:r>
+            <a:r>
+              <a:rPr lang="en-US" altLang="zh-CN" sz="1200" dirty="0">
+                <a:latin typeface="微软雅黑" panose="020B0503020204020204" pitchFamily="34" charset="-122"/>
+                <a:ea typeface="微软雅黑" panose="020B0503020204020204" pitchFamily="34" charset="-122"/>
+                <a:sym typeface="+mn-ea"/>
+              </a:rPr>
+              <a:t>,</a:t>
+            </a:r>
+            <a:r>
+              <a:rPr lang="zh-CN" altLang="en-US" sz="1200" dirty="0">
+                <a:latin typeface="微软雅黑" panose="020B0503020204020204" pitchFamily="34" charset="-122"/>
+                <a:ea typeface="微软雅黑" panose="020B0503020204020204" pitchFamily="34" charset="-122"/>
+                <a:sym typeface="+mn-ea"/>
+              </a:rPr>
+              <a:t> 開放後端</a:t>
+            </a:r>
+            <a:r>
+              <a:rPr lang="en-US" altLang="zh-CN" sz="1200" dirty="0" smtClean="0">
+                <a:latin typeface="微软雅黑" panose="020B0503020204020204" pitchFamily="34" charset="-122"/>
+                <a:ea typeface="微软雅黑" panose="020B0503020204020204" pitchFamily="34" charset="-122"/>
+                <a:sym typeface="+mn-ea"/>
+              </a:rPr>
+              <a:t>API</a:t>
+            </a:r>
+            <a:endParaRPr lang="en-US" altLang="zh-CN" sz="1200" dirty="0">
+              <a:latin typeface="微软雅黑" panose="020B0503020204020204" pitchFamily="34" charset="-122"/>
+              <a:ea typeface="微软雅黑" panose="020B0503020204020204" pitchFamily="34" charset="-122"/>
+            </a:endParaRPr>
+          </a:p>
+          <a:p>
+            <a:r>
+              <a:rPr lang="zh-CN" altLang="en-US" sz="1200" dirty="0">
+                <a:latin typeface="微软雅黑" panose="020B0503020204020204" pitchFamily="34" charset="-122"/>
+                <a:ea typeface="微软雅黑" panose="020B0503020204020204" pitchFamily="34" charset="-122"/>
+              </a:rPr>
+              <a:t>在現在</a:t>
+            </a:r>
+            <a:r>
+              <a:rPr lang="en-US" altLang="zh-CN" sz="1200" dirty="0">
+                <a:latin typeface="微软雅黑" panose="020B0503020204020204" pitchFamily="34" charset="-122"/>
+                <a:ea typeface="微软雅黑" panose="020B0503020204020204" pitchFamily="34" charset="-122"/>
+              </a:rPr>
+              <a:t>AI</a:t>
+            </a:r>
+            <a:r>
+              <a:rPr lang="zh-CN" altLang="en-US" sz="1200" dirty="0">
+                <a:latin typeface="微软雅黑" panose="020B0503020204020204" pitchFamily="34" charset="-122"/>
+                <a:ea typeface="微软雅黑" panose="020B0503020204020204" pitchFamily="34" charset="-122"/>
+              </a:rPr>
+              <a:t>的浪潮下通過</a:t>
+            </a:r>
+            <a:r>
+              <a:rPr lang="en-US" altLang="zh-CN" sz="1200" dirty="0">
+                <a:latin typeface="微软雅黑" panose="020B0503020204020204" pitchFamily="34" charset="-122"/>
+                <a:ea typeface="微软雅黑" panose="020B0503020204020204" pitchFamily="34" charset="-122"/>
+              </a:rPr>
+              <a:t>n8n,dify</a:t>
+            </a:r>
+            <a:r>
+              <a:rPr lang="zh-CN" altLang="en-US" sz="1200" dirty="0">
+                <a:latin typeface="微软雅黑" panose="020B0503020204020204" pitchFamily="34" charset="-122"/>
+                <a:ea typeface="微软雅黑" panose="020B0503020204020204" pitchFamily="34" charset="-122"/>
+              </a:rPr>
+              <a:t>等類似工具</a:t>
+            </a:r>
+            <a:r>
+              <a:rPr lang="en-US" altLang="zh-CN" sz="1200" dirty="0">
+                <a:latin typeface="微软雅黑" panose="020B0503020204020204" pitchFamily="34" charset="-122"/>
+                <a:ea typeface="微软雅黑" panose="020B0503020204020204" pitchFamily="34" charset="-122"/>
+              </a:rPr>
+              <a:t>,</a:t>
+            </a:r>
+            <a:r>
+              <a:rPr lang="zh-CN" altLang="en-US" sz="1200" dirty="0">
+                <a:latin typeface="微软雅黑" panose="020B0503020204020204" pitchFamily="34" charset="-122"/>
+                <a:ea typeface="微软雅黑" panose="020B0503020204020204" pitchFamily="34" charset="-122"/>
+              </a:rPr>
+              <a:t>可反轉現有的開發模式</a:t>
+            </a:r>
+            <a:r>
+              <a:rPr lang="en-US" altLang="zh-CN" sz="1200" dirty="0">
+                <a:latin typeface="微软雅黑" panose="020B0503020204020204" pitchFamily="34" charset="-122"/>
+                <a:ea typeface="微软雅黑" panose="020B0503020204020204" pitchFamily="34" charset="-122"/>
+              </a:rPr>
+              <a:t>,</a:t>
+            </a:r>
+            <a:r>
+              <a:rPr lang="zh-CN" altLang="en-US" sz="1200" dirty="0">
+                <a:latin typeface="微软雅黑" panose="020B0503020204020204" pitchFamily="34" charset="-122"/>
+                <a:ea typeface="微软雅黑" panose="020B0503020204020204" pitchFamily="34" charset="-122"/>
+              </a:rPr>
+              <a:t>讓應用層面的功能由用戶基於開放</a:t>
+            </a:r>
+            <a:r>
+              <a:rPr lang="en-US" altLang="zh-CN" sz="1200" dirty="0">
+                <a:latin typeface="微软雅黑" panose="020B0503020204020204" pitchFamily="34" charset="-122"/>
+                <a:ea typeface="微软雅黑" panose="020B0503020204020204" pitchFamily="34" charset="-122"/>
+              </a:rPr>
+              <a:t>API</a:t>
+            </a:r>
+            <a:r>
+              <a:rPr lang="zh-CN" altLang="en-US" sz="1200" dirty="0">
+                <a:latin typeface="微软雅黑" panose="020B0503020204020204" pitchFamily="34" charset="-122"/>
+                <a:ea typeface="微软雅黑" panose="020B0503020204020204" pitchFamily="34" charset="-122"/>
+              </a:rPr>
+              <a:t>進行組織</a:t>
+            </a:r>
+            <a:r>
+              <a:rPr lang="en-US" altLang="zh-CN" sz="1200" dirty="0">
+                <a:latin typeface="微软雅黑" panose="020B0503020204020204" pitchFamily="34" charset="-122"/>
+                <a:ea typeface="微软雅黑" panose="020B0503020204020204" pitchFamily="34" charset="-122"/>
+              </a:rPr>
+              <a:t>,</a:t>
+            </a:r>
+            <a:r>
+              <a:rPr lang="zh-CN" altLang="en-US" sz="1200" dirty="0">
+                <a:latin typeface="微软雅黑" panose="020B0503020204020204" pitchFamily="34" charset="-122"/>
+                <a:ea typeface="微软雅黑" panose="020B0503020204020204" pitchFamily="34" charset="-122"/>
+              </a:rPr>
+              <a:t>而不是由開發人員開發</a:t>
+            </a:r>
+            <a:r>
+              <a:rPr lang="en-US" altLang="zh-CN" sz="1200" dirty="0">
+                <a:latin typeface="微软雅黑" panose="020B0503020204020204" pitchFamily="34" charset="-122"/>
+                <a:ea typeface="微软雅黑" panose="020B0503020204020204" pitchFamily="34" charset="-122"/>
+              </a:rPr>
+              <a:t>,</a:t>
+            </a:r>
+            <a:r>
+              <a:rPr lang="zh-CN" altLang="en-US" sz="1200" dirty="0">
+                <a:latin typeface="微软雅黑" panose="020B0503020204020204" pitchFamily="34" charset="-122"/>
+                <a:ea typeface="微软雅黑" panose="020B0503020204020204" pitchFamily="34" charset="-122"/>
+              </a:rPr>
+              <a:t>開發人員專注於開發底層功能</a:t>
+            </a:r>
+            <a:r>
+              <a:rPr lang="en-US" altLang="zh-CN" sz="1200" dirty="0">
+                <a:latin typeface="微软雅黑" panose="020B0503020204020204" pitchFamily="34" charset="-122"/>
+                <a:ea typeface="微软雅黑" panose="020B0503020204020204" pitchFamily="34" charset="-122"/>
+              </a:rPr>
+              <a:t>,</a:t>
+            </a:r>
+            <a:r>
+              <a:rPr lang="zh-CN" altLang="en-US" sz="1200" dirty="0">
+                <a:latin typeface="微软雅黑" panose="020B0503020204020204" pitchFamily="34" charset="-122"/>
+                <a:ea typeface="微软雅黑" panose="020B0503020204020204" pitchFamily="34" charset="-122"/>
+              </a:rPr>
+              <a:t>以釋放更加多的開放人員專注於</a:t>
+            </a:r>
+            <a:r>
+              <a:rPr lang="en-US" altLang="zh-CN" sz="1200" dirty="0">
+                <a:latin typeface="微软雅黑" panose="020B0503020204020204" pitchFamily="34" charset="-122"/>
+                <a:ea typeface="微软雅黑" panose="020B0503020204020204" pitchFamily="34" charset="-122"/>
+              </a:rPr>
+              <a:t>AI</a:t>
+            </a:r>
+            <a:r>
+              <a:rPr lang="zh-CN" altLang="en-US" sz="1200" dirty="0">
+                <a:latin typeface="微软雅黑" panose="020B0503020204020204" pitchFamily="34" charset="-122"/>
+                <a:ea typeface="微软雅黑" panose="020B0503020204020204" pitchFamily="34" charset="-122"/>
+              </a:rPr>
+              <a:t>、大數據、物聯網等領域的開發工作</a:t>
+            </a:r>
+            <a:r>
+              <a:rPr lang="en-US" altLang="zh-CN" sz="1200" dirty="0">
+                <a:latin typeface="微软雅黑" panose="020B0503020204020204" pitchFamily="34" charset="-122"/>
+                <a:ea typeface="微软雅黑" panose="020B0503020204020204" pitchFamily="34" charset="-122"/>
+              </a:rPr>
+              <a:t>,</a:t>
+            </a:r>
+            <a:r>
+              <a:rPr lang="zh-CN" altLang="en-US" sz="1200" dirty="0">
+                <a:latin typeface="微软雅黑" panose="020B0503020204020204" pitchFamily="34" charset="-122"/>
+                <a:ea typeface="微软雅黑" panose="020B0503020204020204" pitchFamily="34" charset="-122"/>
+              </a:rPr>
+              <a:t>幫助公司加快全面智能化的腳步</a:t>
+            </a:r>
+          </a:p>
+          <a:p>
+            <a:r>
+              <a:rPr lang="zh-CN" altLang="en-US" sz="1200" dirty="0" smtClean="0">
+                <a:latin typeface="微软雅黑" panose="020B0503020204020204" pitchFamily="34" charset="-122"/>
+                <a:ea typeface="微软雅黑" panose="020B0503020204020204" pitchFamily="34" charset="-122"/>
+              </a:rPr>
+              <a:t>輯</a:t>
+            </a:r>
+            <a:endParaRPr lang="en-US" altLang="zh-CN" sz="1200" dirty="0">
+              <a:latin typeface="微软雅黑" panose="020B0503020204020204" pitchFamily="34" charset="-122"/>
+              <a:ea typeface="微软雅黑" panose="020B0503020204020204" pitchFamily="34" charset="-122"/>
+            </a:endParaRPr>
+          </a:p>
+        </p:txBody>
+      </p:sp>
+      <p:sp>
+        <p:nvSpPr>
+          <p:cNvPr id="2" name="矩形 1"/>
+          <p:cNvSpPr/>
+          <p:nvPr/>
+        </p:nvSpPr>
+        <p:spPr>
+          <a:xfrm>
+            <a:off x="611120" y="5907566"/>
+            <a:ext cx="8389257" cy="646331"/>
+          </a:xfrm>
+          <a:prstGeom prst="rect">
+            <a:avLst/>
+          </a:prstGeom>
+        </p:spPr>
+        <p:txBody>
+          <a:bodyPr wrap="square">
+            <a:spAutoFit/>
+          </a:bodyPr>
+          <a:lstStyle/>
+          <a:p>
+            <a:r>
+              <a:rPr lang="zh-CN" altLang="en-US" sz="1200" dirty="0" smtClean="0">
+                <a:latin typeface="微软雅黑" panose="020B0503020204020204" pitchFamily="34" charset="-122"/>
+                <a:ea typeface="微软雅黑" panose="020B0503020204020204" pitchFamily="34" charset="-122"/>
+                <a:sym typeface="+mn-ea"/>
+              </a:rPr>
+              <a:t>通</a:t>
+            </a:r>
+            <a:r>
+              <a:rPr lang="zh-CN" altLang="en-US" sz="1200" dirty="0">
+                <a:latin typeface="微软雅黑" panose="020B0503020204020204" pitchFamily="34" charset="-122"/>
+                <a:ea typeface="微软雅黑" panose="020B0503020204020204" pitchFamily="34" charset="-122"/>
+                <a:sym typeface="+mn-ea"/>
+              </a:rPr>
+              <a:t>過上述的目標的達成</a:t>
+            </a:r>
+            <a:r>
+              <a:rPr lang="en-US" altLang="zh-CN" sz="1200" dirty="0">
+                <a:latin typeface="微软雅黑" panose="020B0503020204020204" pitchFamily="34" charset="-122"/>
+                <a:ea typeface="微软雅黑" panose="020B0503020204020204" pitchFamily="34" charset="-122"/>
+                <a:sym typeface="+mn-ea"/>
+              </a:rPr>
+              <a:t>,</a:t>
+            </a:r>
+            <a:r>
+              <a:rPr lang="zh-CN" altLang="en-US" sz="1200" dirty="0">
+                <a:latin typeface="微软雅黑" panose="020B0503020204020204" pitchFamily="34" charset="-122"/>
+                <a:ea typeface="微软雅黑" panose="020B0503020204020204" pitchFamily="34" charset="-122"/>
+                <a:sym typeface="+mn-ea"/>
+              </a:rPr>
+              <a:t>在現在</a:t>
+            </a:r>
+            <a:r>
+              <a:rPr lang="en-US" altLang="zh-CN" sz="1200" dirty="0">
+                <a:latin typeface="微软雅黑" panose="020B0503020204020204" pitchFamily="34" charset="-122"/>
+                <a:ea typeface="微软雅黑" panose="020B0503020204020204" pitchFamily="34" charset="-122"/>
+                <a:sym typeface="+mn-ea"/>
+              </a:rPr>
+              <a:t>AI</a:t>
+            </a:r>
+            <a:r>
+              <a:rPr lang="zh-CN" altLang="en-US" sz="1200" dirty="0">
+                <a:latin typeface="微软雅黑" panose="020B0503020204020204" pitchFamily="34" charset="-122"/>
+                <a:ea typeface="微软雅黑" panose="020B0503020204020204" pitchFamily="34" charset="-122"/>
+                <a:sym typeface="+mn-ea"/>
+              </a:rPr>
+              <a:t>的浪潮下</a:t>
+            </a:r>
+            <a:r>
+              <a:rPr lang="en-US" altLang="zh-CN" sz="1200" dirty="0">
+                <a:latin typeface="微软雅黑" panose="020B0503020204020204" pitchFamily="34" charset="-122"/>
+                <a:ea typeface="微软雅黑" panose="020B0503020204020204" pitchFamily="34" charset="-122"/>
+                <a:sym typeface="+mn-ea"/>
+              </a:rPr>
+              <a:t>,</a:t>
+            </a:r>
+            <a:r>
+              <a:rPr lang="zh-CN" altLang="en-US" sz="1200" dirty="0">
+                <a:latin typeface="微软雅黑" panose="020B0503020204020204" pitchFamily="34" charset="-122"/>
+                <a:ea typeface="微软雅黑" panose="020B0503020204020204" pitchFamily="34" charset="-122"/>
+                <a:sym typeface="+mn-ea"/>
+              </a:rPr>
+              <a:t>通過</a:t>
+            </a:r>
+            <a:r>
+              <a:rPr lang="en-US" altLang="zh-CN" sz="1200" dirty="0">
+                <a:latin typeface="微软雅黑" panose="020B0503020204020204" pitchFamily="34" charset="-122"/>
+                <a:ea typeface="微软雅黑" panose="020B0503020204020204" pitchFamily="34" charset="-122"/>
+                <a:sym typeface="+mn-ea"/>
+              </a:rPr>
+              <a:t>n8n,dify</a:t>
+            </a:r>
+            <a:r>
+              <a:rPr lang="zh-CN" altLang="en-US" sz="1200" dirty="0">
+                <a:latin typeface="微软雅黑" panose="020B0503020204020204" pitchFamily="34" charset="-122"/>
+                <a:ea typeface="微软雅黑" panose="020B0503020204020204" pitchFamily="34" charset="-122"/>
+                <a:sym typeface="+mn-ea"/>
+              </a:rPr>
+              <a:t>等類似工具</a:t>
+            </a:r>
+            <a:r>
+              <a:rPr lang="en-US" altLang="zh-CN" sz="1200" dirty="0">
+                <a:latin typeface="微软雅黑" panose="020B0503020204020204" pitchFamily="34" charset="-122"/>
+                <a:ea typeface="微软雅黑" panose="020B0503020204020204" pitchFamily="34" charset="-122"/>
+                <a:sym typeface="+mn-ea"/>
+              </a:rPr>
+              <a:t>,</a:t>
+            </a:r>
+            <a:r>
+              <a:rPr lang="zh-CN" altLang="en-US" sz="1200" dirty="0">
+                <a:latin typeface="微软雅黑" panose="020B0503020204020204" pitchFamily="34" charset="-122"/>
+                <a:ea typeface="微软雅黑" panose="020B0503020204020204" pitchFamily="34" charset="-122"/>
+                <a:sym typeface="+mn-ea"/>
+              </a:rPr>
+              <a:t>可反轉現有的開發模式</a:t>
+            </a:r>
+            <a:r>
+              <a:rPr lang="en-US" altLang="zh-CN" sz="1200" dirty="0">
+                <a:latin typeface="微软雅黑" panose="020B0503020204020204" pitchFamily="34" charset="-122"/>
+                <a:ea typeface="微软雅黑" panose="020B0503020204020204" pitchFamily="34" charset="-122"/>
+                <a:sym typeface="+mn-ea"/>
+              </a:rPr>
+              <a:t>,</a:t>
+            </a:r>
+            <a:r>
+              <a:rPr lang="zh-CN" altLang="en-US" sz="1200" dirty="0">
+                <a:latin typeface="微软雅黑" panose="020B0503020204020204" pitchFamily="34" charset="-122"/>
+                <a:ea typeface="微软雅黑" panose="020B0503020204020204" pitchFamily="34" charset="-122"/>
+                <a:sym typeface="+mn-ea"/>
+              </a:rPr>
+              <a:t>讓應用層面的功能由用戶基於開放</a:t>
+            </a:r>
+            <a:r>
+              <a:rPr lang="en-US" altLang="zh-CN" sz="1200" dirty="0">
+                <a:latin typeface="微软雅黑" panose="020B0503020204020204" pitchFamily="34" charset="-122"/>
+                <a:ea typeface="微软雅黑" panose="020B0503020204020204" pitchFamily="34" charset="-122"/>
+                <a:sym typeface="+mn-ea"/>
+              </a:rPr>
+              <a:t>API</a:t>
+            </a:r>
+            <a:r>
+              <a:rPr lang="zh-CN" altLang="en-US" sz="1200" dirty="0">
+                <a:latin typeface="微软雅黑" panose="020B0503020204020204" pitchFamily="34" charset="-122"/>
+                <a:ea typeface="微软雅黑" panose="020B0503020204020204" pitchFamily="34" charset="-122"/>
+                <a:sym typeface="+mn-ea"/>
+              </a:rPr>
+              <a:t>進行組織</a:t>
+            </a:r>
+            <a:r>
+              <a:rPr lang="en-US" altLang="zh-CN" sz="1200" dirty="0">
+                <a:latin typeface="微软雅黑" panose="020B0503020204020204" pitchFamily="34" charset="-122"/>
+                <a:ea typeface="微软雅黑" panose="020B0503020204020204" pitchFamily="34" charset="-122"/>
+                <a:sym typeface="+mn-ea"/>
+              </a:rPr>
+              <a:t>,</a:t>
+            </a:r>
+            <a:r>
+              <a:rPr lang="zh-CN" altLang="en-US" sz="1200" dirty="0">
+                <a:latin typeface="微软雅黑" panose="020B0503020204020204" pitchFamily="34" charset="-122"/>
+                <a:ea typeface="微软雅黑" panose="020B0503020204020204" pitchFamily="34" charset="-122"/>
+                <a:sym typeface="+mn-ea"/>
+              </a:rPr>
+              <a:t>而不是由開發人員開發</a:t>
+            </a:r>
+            <a:r>
+              <a:rPr lang="en-US" altLang="zh-CN" sz="1200" dirty="0">
+                <a:latin typeface="微软雅黑" panose="020B0503020204020204" pitchFamily="34" charset="-122"/>
+                <a:ea typeface="微软雅黑" panose="020B0503020204020204" pitchFamily="34" charset="-122"/>
+                <a:sym typeface="+mn-ea"/>
+              </a:rPr>
+              <a:t>,</a:t>
+            </a:r>
+            <a:r>
+              <a:rPr lang="zh-CN" altLang="en-US" sz="1200" dirty="0">
+                <a:latin typeface="微软雅黑" panose="020B0503020204020204" pitchFamily="34" charset="-122"/>
+                <a:ea typeface="微软雅黑" panose="020B0503020204020204" pitchFamily="34" charset="-122"/>
+                <a:sym typeface="+mn-ea"/>
+              </a:rPr>
+              <a:t>開發人員專注於開發底層功能</a:t>
+            </a:r>
+            <a:r>
+              <a:rPr lang="en-US" altLang="zh-CN" sz="1200" dirty="0">
+                <a:latin typeface="微软雅黑" panose="020B0503020204020204" pitchFamily="34" charset="-122"/>
+                <a:ea typeface="微软雅黑" panose="020B0503020204020204" pitchFamily="34" charset="-122"/>
+                <a:sym typeface="+mn-ea"/>
+              </a:rPr>
+              <a:t>,</a:t>
+            </a:r>
+            <a:r>
+              <a:rPr lang="zh-CN" altLang="en-US" sz="1200" dirty="0">
+                <a:latin typeface="微软雅黑" panose="020B0503020204020204" pitchFamily="34" charset="-122"/>
+                <a:ea typeface="微软雅黑" panose="020B0503020204020204" pitchFamily="34" charset="-122"/>
+                <a:sym typeface="+mn-ea"/>
+              </a:rPr>
+              <a:t>以釋放更加多的開放人員專注於</a:t>
+            </a:r>
+            <a:r>
+              <a:rPr lang="en-US" altLang="zh-CN" sz="1200" dirty="0">
+                <a:latin typeface="微软雅黑" panose="020B0503020204020204" pitchFamily="34" charset="-122"/>
+                <a:ea typeface="微软雅黑" panose="020B0503020204020204" pitchFamily="34" charset="-122"/>
+                <a:sym typeface="+mn-ea"/>
+              </a:rPr>
+              <a:t>AI</a:t>
+            </a:r>
+            <a:r>
+              <a:rPr lang="zh-CN" altLang="en-US" sz="1200" dirty="0">
+                <a:latin typeface="微软雅黑" panose="020B0503020204020204" pitchFamily="34" charset="-122"/>
+                <a:ea typeface="微软雅黑" panose="020B0503020204020204" pitchFamily="34" charset="-122"/>
+                <a:sym typeface="+mn-ea"/>
+              </a:rPr>
+              <a:t>、大數據、物聯網等領域的開發工作</a:t>
+            </a:r>
+            <a:r>
+              <a:rPr lang="en-US" altLang="zh-CN" sz="1200" dirty="0">
+                <a:latin typeface="微软雅黑" panose="020B0503020204020204" pitchFamily="34" charset="-122"/>
+                <a:ea typeface="微软雅黑" panose="020B0503020204020204" pitchFamily="34" charset="-122"/>
+                <a:sym typeface="+mn-ea"/>
+              </a:rPr>
+              <a:t>,</a:t>
+            </a:r>
+            <a:r>
+              <a:rPr lang="zh-CN" altLang="en-US" sz="1200" dirty="0">
+                <a:latin typeface="微软雅黑" panose="020B0503020204020204" pitchFamily="34" charset="-122"/>
+                <a:ea typeface="微软雅黑" panose="020B0503020204020204" pitchFamily="34" charset="-122"/>
+                <a:sym typeface="+mn-ea"/>
+              </a:rPr>
+              <a:t>幫助公司加快全面智能化的腳步</a:t>
+            </a:r>
+            <a:endParaRPr lang="zh-CN" altLang="en-US" sz="1200" dirty="0">
+              <a:latin typeface="微软雅黑" panose="020B0503020204020204" pitchFamily="34" charset="-122"/>
+              <a:ea typeface="微软雅黑" panose="020B0503020204020204" pitchFamily="34" charset="-122"/>
+            </a:endParaRPr>
+          </a:p>
+        </p:txBody>
+      </p:sp>
+      <p:pic>
+        <p:nvPicPr>
+          <p:cNvPr id="11" name="图片 10"/>
+          <p:cNvPicPr>
+            <a:picLocks noChangeAspect="1"/>
+          </p:cNvPicPr>
+          <p:nvPr/>
+        </p:nvPicPr>
+        <p:blipFill>
+          <a:blip r:embed="rId3">
+            <a:extLst>
+              <a:ext uri="{28A0092B-C50C-407E-A947-70E740481C1C}">
+                <a14:useLocalDpi xmlns:a14="http://schemas.microsoft.com/office/drawing/2010/main" val="0"/>
+              </a:ext>
+            </a:extLst>
+          </a:blip>
+          <a:stretch>
+            <a:fillRect/>
+          </a:stretch>
+        </p:blipFill>
+        <p:spPr>
+          <a:xfrm>
+            <a:off x="282129" y="2085315"/>
+            <a:ext cx="391396" cy="391396"/>
+          </a:xfrm>
+          <a:prstGeom prst="rect">
+            <a:avLst/>
+          </a:prstGeom>
+        </p:spPr>
+      </p:pic>
+      <p:pic>
+        <p:nvPicPr>
+          <p:cNvPr id="12" name="图片 11"/>
+          <p:cNvPicPr>
+            <a:picLocks noChangeAspect="1"/>
+          </p:cNvPicPr>
+          <p:nvPr/>
+        </p:nvPicPr>
+        <p:blipFill>
+          <a:blip r:embed="rId3">
+            <a:extLst>
+              <a:ext uri="{28A0092B-C50C-407E-A947-70E740481C1C}">
+                <a14:useLocalDpi xmlns:a14="http://schemas.microsoft.com/office/drawing/2010/main" val="0"/>
+              </a:ext>
+            </a:extLst>
+          </a:blip>
+          <a:stretch>
+            <a:fillRect/>
+          </a:stretch>
+        </p:blipFill>
+        <p:spPr>
+          <a:xfrm>
+            <a:off x="280405" y="3181780"/>
+            <a:ext cx="391396" cy="391396"/>
+          </a:xfrm>
+          <a:prstGeom prst="rect">
+            <a:avLst/>
+          </a:prstGeom>
+        </p:spPr>
+      </p:pic>
+      <p:pic>
+        <p:nvPicPr>
+          <p:cNvPr id="13" name="图片 12"/>
+          <p:cNvPicPr>
+            <a:picLocks noChangeAspect="1"/>
+          </p:cNvPicPr>
+          <p:nvPr/>
+        </p:nvPicPr>
+        <p:blipFill>
+          <a:blip r:embed="rId3">
+            <a:extLst>
+              <a:ext uri="{28A0092B-C50C-407E-A947-70E740481C1C}">
+                <a14:useLocalDpi xmlns:a14="http://schemas.microsoft.com/office/drawing/2010/main" val="0"/>
+              </a:ext>
+            </a:extLst>
+          </a:blip>
+          <a:stretch>
+            <a:fillRect/>
+          </a:stretch>
+        </p:blipFill>
+        <p:spPr>
+          <a:xfrm>
+            <a:off x="219724" y="4380562"/>
+            <a:ext cx="391396" cy="391396"/>
+          </a:xfrm>
+          <a:prstGeom prst="rect">
+            <a:avLst/>
+          </a:prstGeom>
+        </p:spPr>
+      </p:pic>
+    </p:spTree>
+  </p:cSld>
+  <p:clrMapOvr>
+    <a:masterClrMapping/>
+  </p:clrMapOvr>
+  <p:timing>
+    <p:tnLst>
+      <p:par>
+        <p:cTn id="1" dur="indefinite" restart="never" nodeType="tmRoot"/>
+      </p:par>
+    </p:tnLst>
+  </p:timing>
+</p:sld>
+</file>
+
+<file path=ppt/slides/slide6.xml><?xml version="1.0" encoding="utf-8"?>
+<p:sld xmlns:a="http://schemas.openxmlformats.org/drawingml/2006/main" xmlns:r="http://schemas.openxmlformats.org/officeDocument/2006/relationships" xmlns:p="http://schemas.openxmlformats.org/presentationml/2006/main">
+  <p:cSld>
+    <p:spTree>
+      <p:nvGrpSpPr>
+        <p:cNvPr id="1" name=""/>
+        <p:cNvGrpSpPr/>
+        <p:nvPr/>
+      </p:nvGrpSpPr>
+      <p:grpSpPr>
+        <a:xfrm>
+          <a:off x="0" y="0"/>
+          <a:ext cx="0" cy="0"/>
+          <a:chOff x="0" y="0"/>
+          <a:chExt cx="0" cy="0"/>
+        </a:xfrm>
+      </p:grpSpPr>
+      <p:sp>
+        <p:nvSpPr>
+          <p:cNvPr id="62" name="矩形 61"/>
+          <p:cNvSpPr/>
+          <p:nvPr/>
+        </p:nvSpPr>
+        <p:spPr>
+          <a:xfrm>
+            <a:off x="181497" y="1241585"/>
+            <a:ext cx="5654519" cy="917185"/>
+          </a:xfrm>
+          <a:prstGeom prst="rect">
+            <a:avLst/>
+          </a:prstGeom>
+          <a:solidFill>
+            <a:schemeClr val="bg1"/>
+          </a:solidFill>
+          <a:ln>
+            <a:noFill/>
+          </a:ln>
+          <a:effectLst>
+            <a:outerShdw blurRad="63500" sx="102000" sy="102000" algn="ctr" rotWithShape="0">
+              <a:prstClr val="black">
+                <a:alpha val="40000"/>
+              </a:prstClr>
+            </a:outerShdw>
+          </a:effectLst>
+        </p:spPr>
+        <p:style>
+          <a:lnRef idx="2">
+            <a:schemeClr val="accent1">
+              <a:shade val="50000"/>
+            </a:schemeClr>
+          </a:lnRef>
+          <a:fillRef idx="1">
+            <a:schemeClr val="accent1"/>
+          </a:fillRef>
+          <a:effectRef idx="0">
+            <a:schemeClr val="accent1"/>
+          </a:effectRef>
+          <a:fontRef idx="minor">
+            <a:schemeClr val="lt1"/>
+          </a:fontRef>
+        </p:style>
+        <p:txBody>
+          <a:bodyPr rtlCol="0" anchor="ctr"/>
+          <a:lstStyle/>
+          <a:p>
+            <a:pPr algn="ctr"/>
+            <a:endParaRPr lang="zh-CN" altLang="en-US"/>
+          </a:p>
+        </p:txBody>
+      </p:sp>
+      <p:sp>
+        <p:nvSpPr>
+          <p:cNvPr id="25" name="文本框 24"/>
+          <p:cNvSpPr txBox="1"/>
+          <p:nvPr/>
+        </p:nvSpPr>
+        <p:spPr>
+          <a:xfrm>
+            <a:off x="743275" y="108732"/>
+            <a:ext cx="2924198" cy="492443"/>
+          </a:xfrm>
+          <a:prstGeom prst="rect">
+            <a:avLst/>
+          </a:prstGeom>
+          <a:noFill/>
+        </p:spPr>
+        <p:txBody>
+          <a:bodyPr wrap="none" rtlCol="0">
+            <a:spAutoFit/>
+          </a:bodyPr>
+          <a:lstStyle/>
+          <a:p>
+            <a:r>
+              <a:rPr kumimoji="1" lang="en-US" altLang="zh-CN" sz="2600" b="1" dirty="0">
+                <a:latin typeface="微软雅黑" panose="020B0503020204020204" pitchFamily="34" charset="-122"/>
+                <a:ea typeface="微软雅黑" panose="020B0503020204020204" pitchFamily="34" charset="-122"/>
+              </a:rPr>
+              <a:t>J0080793-</a:t>
+            </a:r>
+            <a:r>
+              <a:rPr kumimoji="1" lang="zh-CN" altLang="en-US" sz="2600" b="1" dirty="0">
+                <a:latin typeface="微软雅黑" panose="020B0503020204020204" pitchFamily="34" charset="-122"/>
+                <a:ea typeface="微软雅黑" panose="020B0503020204020204" pitchFamily="34" charset="-122"/>
+              </a:rPr>
+              <a:t>季晨</a:t>
+            </a:r>
+            <a:r>
+              <a:rPr kumimoji="1" lang="zh-CN" altLang="en-US" sz="2600" b="1" dirty="0" smtClean="0">
+                <a:latin typeface="微软雅黑" panose="020B0503020204020204" pitchFamily="34" charset="-122"/>
+                <a:ea typeface="微软雅黑" panose="020B0503020204020204" pitchFamily="34" charset="-122"/>
+              </a:rPr>
+              <a:t>浩</a:t>
+            </a:r>
+            <a:endParaRPr kumimoji="1" lang="zh-CN" altLang="en-US" sz="2600" b="1" dirty="0">
+              <a:latin typeface="微软雅黑" panose="020B0503020204020204" pitchFamily="34" charset="-122"/>
+              <a:ea typeface="微软雅黑" panose="020B0503020204020204" pitchFamily="34" charset="-122"/>
+            </a:endParaRPr>
+          </a:p>
+        </p:txBody>
+      </p:sp>
+      <p:sp>
+        <p:nvSpPr>
+          <p:cNvPr id="12" name="內容版面配置區 2"/>
+          <p:cNvSpPr txBox="1">
+            <a:spLocks/>
+          </p:cNvSpPr>
+          <p:nvPr/>
+        </p:nvSpPr>
+        <p:spPr>
+          <a:xfrm>
+            <a:off x="694268" y="759081"/>
+            <a:ext cx="1493520" cy="344780"/>
+          </a:xfrm>
+          <a:prstGeom prst="rect">
+            <a:avLst/>
+          </a:prstGeom>
+        </p:spPr>
+        <p:txBody>
+          <a:bodyPr vert="horz" lIns="91440" tIns="45720" rIns="91440" bIns="45720" rtlCol="0" anchor="t">
+            <a:normAutofit/>
+          </a:bodyPr>
+          <a:lstStyle>
+            <a:defPPr>
+              <a:defRPr lang="zh-TW"/>
+            </a:defPPr>
+            <a:lvl1pPr marR="0" lvl="0" indent="0" fontAlgn="auto">
+              <a:lnSpc>
+                <a:spcPct val="90000"/>
+              </a:lnSpc>
+              <a:spcBef>
+                <a:spcPct val="0"/>
+              </a:spcBef>
+              <a:spcAft>
+                <a:spcPts val="0"/>
+              </a:spcAft>
+              <a:buClrTx/>
+              <a:buSzTx/>
+              <a:buFontTx/>
+              <a:buNone/>
+              <a:tabLst/>
+              <a:defRPr sz="2000" b="1" spc="100">
+                <a:solidFill>
+                  <a:srgbClr val="FFFF00"/>
+                </a:solidFill>
+                <a:latin typeface="Microsoft YaHei" panose="020B0503020204020204" pitchFamily="34" charset="-122"/>
+                <a:ea typeface="Microsoft YaHei" panose="020B0503020204020204" pitchFamily="34" charset="-122"/>
+              </a:defRPr>
+            </a:lvl1pPr>
+          </a:lstStyle>
+          <a:p>
+            <a:r>
+              <a:rPr lang="zh-CN" altLang="en-US" sz="1600" dirty="0" smtClean="0">
+                <a:solidFill>
+                  <a:schemeClr val="tx1"/>
+                </a:solidFill>
+              </a:rPr>
+              <a:t>個人能力介紹</a:t>
+            </a:r>
+            <a:endParaRPr lang="zh-TW" altLang="en-US" sz="1600" dirty="0">
+              <a:solidFill>
+                <a:schemeClr val="tx1"/>
+              </a:solidFill>
+            </a:endParaRPr>
+          </a:p>
+        </p:txBody>
+      </p:sp>
+      <p:pic>
+        <p:nvPicPr>
+          <p:cNvPr id="24" name="图片 23"/>
+          <p:cNvPicPr>
+            <a:picLocks noChangeAspect="1"/>
+          </p:cNvPicPr>
+          <p:nvPr/>
+        </p:nvPicPr>
+        <p:blipFill>
+          <a:blip r:embed="rId2">
+            <a:extLst>
+              <a:ext uri="{28A0092B-C50C-407E-A947-70E740481C1C}">
+                <a14:useLocalDpi xmlns:a14="http://schemas.microsoft.com/office/drawing/2010/main" val="0"/>
+              </a:ext>
+            </a:extLst>
+          </a:blip>
+          <a:stretch>
+            <a:fillRect/>
+          </a:stretch>
+        </p:blipFill>
+        <p:spPr>
+          <a:xfrm>
+            <a:off x="222688" y="731342"/>
+            <a:ext cx="372519" cy="372519"/>
+          </a:xfrm>
+          <a:prstGeom prst="rect">
+            <a:avLst/>
+          </a:prstGeom>
+        </p:spPr>
+      </p:pic>
+      <p:cxnSp>
+        <p:nvCxnSpPr>
+          <p:cNvPr id="26" name="直接连接符 25"/>
+          <p:cNvCxnSpPr/>
+          <p:nvPr/>
+        </p:nvCxnSpPr>
+        <p:spPr>
+          <a:xfrm>
+            <a:off x="227891" y="1174737"/>
+            <a:ext cx="11514930" cy="29486"/>
+          </a:xfrm>
+          <a:prstGeom prst="line">
+            <a:avLst/>
+          </a:prstGeom>
+          <a:ln/>
+        </p:spPr>
+        <p:style>
+          <a:lnRef idx="1">
+            <a:schemeClr val="dk1"/>
+          </a:lnRef>
+          <a:fillRef idx="0">
+            <a:schemeClr val="dk1"/>
+          </a:fillRef>
+          <a:effectRef idx="0">
+            <a:schemeClr val="dk1"/>
+          </a:effectRef>
+          <a:fontRef idx="minor">
+            <a:schemeClr val="tx1"/>
+          </a:fontRef>
+        </p:style>
+      </p:cxnSp>
+      <p:sp>
+        <p:nvSpPr>
+          <p:cNvPr id="28" name="文本框 27"/>
+          <p:cNvSpPr txBox="1"/>
+          <p:nvPr/>
+        </p:nvSpPr>
+        <p:spPr>
+          <a:xfrm>
+            <a:off x="802289" y="1287333"/>
+            <a:ext cx="4911013" cy="738664"/>
+          </a:xfrm>
+          <a:prstGeom prst="rect">
+            <a:avLst/>
+          </a:prstGeom>
+          <a:noFill/>
+        </p:spPr>
+        <p:txBody>
+          <a:bodyPr wrap="square" rtlCol="0">
+            <a:spAutoFit/>
+          </a:bodyPr>
+          <a:lstStyle/>
+          <a:p>
+            <a:r>
+              <a:rPr lang="zh-CN" altLang="en-US" sz="1400" b="1" dirty="0" smtClean="0">
+                <a:latin typeface="微软雅黑" panose="020B0503020204020204" pitchFamily="34" charset="-122"/>
+                <a:ea typeface="微软雅黑" panose="020B0503020204020204" pitchFamily="34" charset="-122"/>
+              </a:rPr>
+              <a:t>全棧開發</a:t>
+            </a:r>
+            <a:endParaRPr lang="en-US" altLang="zh-CN" sz="1400" b="1" dirty="0" smtClean="0">
+              <a:latin typeface="微软雅黑" panose="020B0503020204020204" pitchFamily="34" charset="-122"/>
+              <a:ea typeface="微软雅黑" panose="020B0503020204020204" pitchFamily="34" charset="-122"/>
+            </a:endParaRPr>
+          </a:p>
+          <a:p>
+            <a:r>
+              <a:rPr lang="zh-CN" altLang="en-US" sz="1400" dirty="0" smtClean="0"/>
+              <a:t>掌握多種編程語言及技術棧包括</a:t>
+            </a:r>
             <a:r>
               <a:rPr lang="en-US" altLang="zh-CN" sz="1400" dirty="0" smtClean="0"/>
-              <a:t>2.</a:t>
+              <a:t>C++</a:t>
             </a:r>
             <a:r>
               <a:rPr lang="zh-CN" altLang="en-US" sz="1400" dirty="0" smtClean="0"/>
-              <a:t>生</a:t>
-            </a:r>
-            <a:r>
-              <a:rPr lang="zh-CN" altLang="en-US" sz="1400" dirty="0"/>
-              <a:t>產製造系統</a:t>
-            </a:r>
-            <a:r>
-              <a:rPr lang="en-US" altLang="zh-CN" sz="1400" dirty="0"/>
-              <a:t>-</a:t>
-            </a:r>
-            <a:r>
-              <a:rPr lang="zh-CN" altLang="en-US" sz="1400" dirty="0"/>
-              <a:t>產品攔截</a:t>
+              <a:t>、</a:t>
+            </a:r>
+            <a:r>
+              <a:rPr lang="en-US" altLang="zh-CN" sz="1400" dirty="0" smtClean="0"/>
+              <a:t>JavaScript</a:t>
             </a:r>
             <a:r>
               <a:rPr lang="zh-CN" altLang="en-US" sz="1400" dirty="0" smtClean="0"/>
-              <a:t>平台開發</a:t>
-            </a:r>
-            <a:endParaRPr lang="en-US" altLang="zh-CN" sz="1400" dirty="0" smtClean="0"/>
-          </a:p>
-          <a:p>
+              <a:t>、</a:t>
+            </a:r>
+            <a:r>
+              <a:rPr lang="en-US" altLang="zh-CN" sz="1400" dirty="0" smtClean="0"/>
+              <a:t>Java</a:t>
+            </a:r>
             <a:r>
               <a:rPr lang="zh-CN" altLang="en-US" sz="1400" dirty="0" smtClean="0"/>
-              <a:t>實</a:t>
-            </a:r>
-            <a:r>
-              <a:rPr lang="zh-CN" altLang="en-US" sz="1400" dirty="0"/>
-              <a:t>現卡站可視化、過站卡站設定追溯、交付用戶自定義設定攔截規則無需開發人員參與等目</a:t>
+              <a:t>、</a:t>
+            </a:r>
+            <a:r>
+              <a:rPr lang="en-US" altLang="zh-CN" sz="1400" dirty="0" smtClean="0"/>
+              <a:t>C#</a:t>
             </a:r>
             <a:r>
               <a:rPr lang="zh-CN" altLang="en-US" sz="1400" dirty="0" smtClean="0"/>
-              <a:t>標</a:t>
-            </a:r>
-            <a:endParaRPr lang="en-US" altLang="zh-CN" sz="1400" dirty="0" smtClean="0"/>
-          </a:p>
-          <a:p>
-            <a:r>
-              <a:rPr lang="zh-CN" altLang="en-US" sz="1400" dirty="0"/>
-              <a:t>基於</a:t>
-            </a:r>
-            <a:r>
-              <a:rPr lang="en-US" altLang="zh-CN" sz="1400" dirty="0"/>
-              <a:t>.NET </a:t>
-            </a:r>
-            <a:r>
-              <a:rPr lang="zh-CN" altLang="en-US" sz="1400" dirty="0"/>
-              <a:t>開發引擎</a:t>
-            </a:r>
-            <a:r>
-              <a:rPr lang="en-US" altLang="zh-CN" sz="1400" dirty="0"/>
-              <a:t>,</a:t>
-            </a:r>
-            <a:r>
-              <a:rPr lang="zh-CN" altLang="en-US" sz="1400" dirty="0"/>
-              <a:t>開發產品攔截平台</a:t>
-            </a:r>
-            <a:r>
-              <a:rPr lang="en-US" altLang="zh-CN" sz="1400" dirty="0"/>
-              <a:t>,</a:t>
-            </a:r>
-            <a:r>
-              <a:rPr lang="zh-CN" altLang="en-US" sz="1400" dirty="0"/>
-              <a:t>在平台中通過拖拽的方式實現攔截規則的設定</a:t>
-            </a:r>
-            <a:r>
-              <a:rPr lang="en-US" altLang="zh-CN" sz="1400" dirty="0"/>
-              <a:t>,</a:t>
-            </a:r>
-          </a:p>
-          <a:p>
-            <a:r>
-              <a:rPr lang="zh-CN" altLang="en-US" sz="1400" dirty="0"/>
-              <a:t>分離產品異常攔截邏輯與程序流程邏輯</a:t>
-            </a:r>
-            <a:endParaRPr lang="en-US" altLang="zh-CN" sz="1400" dirty="0"/>
-          </a:p>
-          <a:p>
-            <a:endParaRPr lang="zh-CN" altLang="en-US" sz="1400" dirty="0"/>
-          </a:p>
-          <a:p>
-            <a:endParaRPr lang="zh-CN" altLang="en-US" sz="1400" dirty="0"/>
-          </a:p>
-          <a:p>
-            <a:endParaRPr lang="zh-CN" altLang="en-US" sz="1400" dirty="0"/>
-          </a:p>
-          <a:p>
-            <a:r>
-              <a:rPr lang="en-US" altLang="zh-CN" sz="1400" dirty="0"/>
-              <a:t>3.</a:t>
-            </a:r>
-            <a:r>
-              <a:rPr lang="zh-CN" altLang="en-US" sz="1400" dirty="0"/>
-              <a:t>生產製造系統架構優化</a:t>
-            </a:r>
-          </a:p>
-          <a:p>
-            <a:r>
-              <a:rPr lang="zh-CN" altLang="en-US" sz="1400" dirty="0"/>
-              <a:t>現有的開發模式是根據用戶零散的需求開發零散的功能</a:t>
-            </a:r>
-            <a:r>
-              <a:rPr lang="en-US" altLang="zh-CN" sz="1400" dirty="0"/>
-              <a:t>,</a:t>
-            </a:r>
-            <a:r>
-              <a:rPr lang="zh-CN" altLang="en-US" sz="1400" dirty="0"/>
-              <a:t>這樣做的缺點是功能實現冗餘、分散、片面</a:t>
-            </a:r>
-            <a:r>
-              <a:rPr lang="en-US" altLang="zh-CN" sz="1400" dirty="0"/>
-              <a:t>,</a:t>
-            </a:r>
-            <a:r>
-              <a:rPr lang="zh-CN" altLang="en-US" sz="1400" dirty="0"/>
-              <a:t>無法構成強大的系統</a:t>
-            </a:r>
-            <a:r>
-              <a:rPr lang="en-US" altLang="zh-CN" sz="1400" dirty="0"/>
-              <a:t>,</a:t>
-            </a:r>
-            <a:r>
-              <a:rPr lang="zh-CN" altLang="en-US" sz="1400" dirty="0"/>
-              <a:t>數據無法發揮最大的效用</a:t>
+              <a:t>等、有底層高難度開發經驗</a:t>
             </a:r>
             <a:r>
               <a:rPr lang="en-US" altLang="zh-CN" sz="1400" dirty="0" smtClean="0"/>
               <a:t>,</a:t>
             </a:r>
-          </a:p>
-          <a:p>
-            <a:endParaRPr lang="en-US" altLang="zh-CN" sz="1400" dirty="0" smtClean="0"/>
+            <a:r>
+              <a:rPr lang="zh-CN" altLang="en-US" sz="1400" dirty="0" smtClean="0"/>
+              <a:t>技術能力較強</a:t>
+            </a:r>
+            <a:r>
+              <a:rPr lang="en-US" altLang="zh-CN" sz="1400" dirty="0" smtClean="0"/>
+              <a:t>,</a:t>
+            </a:r>
+            <a:r>
+              <a:rPr lang="zh-CN" altLang="en-US" sz="1400" dirty="0" smtClean="0"/>
+              <a:t>可高質量完成工作</a:t>
+            </a:r>
+            <a:endParaRPr lang="zh-CN" altLang="en-US" sz="1400" dirty="0"/>
+          </a:p>
+        </p:txBody>
+      </p:sp>
+      <p:sp>
+        <p:nvSpPr>
+          <p:cNvPr id="29" name="文本框 28"/>
+          <p:cNvSpPr txBox="1"/>
+          <p:nvPr/>
+        </p:nvSpPr>
+        <p:spPr>
+          <a:xfrm>
+            <a:off x="837792" y="5681933"/>
+            <a:ext cx="4190570" cy="492443"/>
+          </a:xfrm>
+          <a:prstGeom prst="rect">
+            <a:avLst/>
+          </a:prstGeom>
+          <a:noFill/>
+        </p:spPr>
+        <p:txBody>
+          <a:bodyPr wrap="square" rtlCol="0">
+            <a:spAutoFit/>
+          </a:bodyPr>
+          <a:lstStyle/>
+          <a:p>
+            <a:r>
+              <a:rPr lang="zh-CN" altLang="en-US" sz="1400" b="1" dirty="0" smtClean="0">
+                <a:latin typeface="微软雅黑" panose="020B0503020204020204" pitchFamily="34" charset="-122"/>
+                <a:ea typeface="微软雅黑" panose="020B0503020204020204" pitchFamily="34" charset="-122"/>
+              </a:rPr>
+              <a:t>學習能力</a:t>
+            </a:r>
+            <a:endParaRPr lang="en-US" altLang="zh-CN" sz="1400" b="1" dirty="0" smtClean="0">
+              <a:latin typeface="微软雅黑" panose="020B0503020204020204" pitchFamily="34" charset="-122"/>
+              <a:ea typeface="微软雅黑" panose="020B0503020204020204" pitchFamily="34" charset="-122"/>
+            </a:endParaRPr>
+          </a:p>
+          <a:p>
+            <a:r>
+              <a:rPr lang="zh-CN" altLang="en-US" sz="1200" dirty="0" smtClean="0"/>
+              <a:t>學習能力較強</a:t>
+            </a:r>
+            <a:r>
+              <a:rPr lang="en-US" altLang="zh-CN" sz="1200" dirty="0" smtClean="0"/>
+              <a:t>,</a:t>
+            </a:r>
+            <a:r>
+              <a:rPr lang="zh-CN" altLang="en-US" sz="1200" dirty="0" smtClean="0"/>
+              <a:t>可不斷提升自我</a:t>
+            </a:r>
+            <a:r>
+              <a:rPr lang="en-US" altLang="zh-CN" sz="1200" dirty="0" smtClean="0"/>
+              <a:t>,</a:t>
+            </a:r>
+            <a:r>
+              <a:rPr lang="zh-CN" altLang="en-US" sz="1200" dirty="0" smtClean="0"/>
+              <a:t>快速成長</a:t>
+            </a:r>
+            <a:endParaRPr lang="zh-CN" altLang="en-US" sz="1200" dirty="0"/>
+          </a:p>
+        </p:txBody>
+      </p:sp>
+      <p:sp>
+        <p:nvSpPr>
+          <p:cNvPr id="30" name="文本框 29"/>
+          <p:cNvSpPr txBox="1"/>
+          <p:nvPr/>
+        </p:nvSpPr>
+        <p:spPr>
+          <a:xfrm>
+            <a:off x="742121" y="4534135"/>
+            <a:ext cx="4871839" cy="492443"/>
+          </a:xfrm>
+          <a:prstGeom prst="rect">
+            <a:avLst/>
+          </a:prstGeom>
+          <a:noFill/>
+        </p:spPr>
+        <p:txBody>
+          <a:bodyPr wrap="square" rtlCol="0">
+            <a:spAutoFit/>
+          </a:bodyPr>
+          <a:lstStyle/>
+          <a:p>
+            <a:r>
+              <a:rPr lang="zh-CN" altLang="en-US" sz="1400" b="1" dirty="0" smtClean="0">
+                <a:latin typeface="微软雅黑" panose="020B0503020204020204" pitchFamily="34" charset="-122"/>
+                <a:ea typeface="微软雅黑" panose="020B0503020204020204" pitchFamily="34" charset="-122"/>
+              </a:rPr>
+              <a:t>工作主動性高、善於思考、具有創新挑戰精神</a:t>
+            </a:r>
+            <a:endParaRPr lang="en-US" altLang="zh-CN" sz="1400" b="1" dirty="0" smtClean="0">
+              <a:latin typeface="微软雅黑" panose="020B0503020204020204" pitchFamily="34" charset="-122"/>
+              <a:ea typeface="微软雅黑" panose="020B0503020204020204" pitchFamily="34" charset="-122"/>
+            </a:endParaRPr>
+          </a:p>
+          <a:p>
+            <a:r>
+              <a:rPr lang="zh-CN" altLang="en-US" sz="1100" dirty="0" smtClean="0">
+                <a:latin typeface="微软雅黑 Light" panose="020B0502040204020203" pitchFamily="34" charset="-122"/>
+                <a:ea typeface="微软雅黑 Light" panose="020B0502040204020203" pitchFamily="34" charset="-122"/>
+              </a:rPr>
+              <a:t>可打破常規主動發現工作中的問題並設計優雅的解決方案</a:t>
+            </a:r>
+            <a:endParaRPr lang="zh-CN" altLang="en-US" sz="1100" dirty="0">
+              <a:latin typeface="微软雅黑 Light" panose="020B0502040204020203" pitchFamily="34" charset="-122"/>
+              <a:ea typeface="微软雅黑 Light" panose="020B0502040204020203" pitchFamily="34" charset="-122"/>
+            </a:endParaRPr>
+          </a:p>
+        </p:txBody>
+      </p:sp>
+      <p:cxnSp>
+        <p:nvCxnSpPr>
+          <p:cNvPr id="32" name="直接连接符 31"/>
+          <p:cNvCxnSpPr/>
+          <p:nvPr/>
+        </p:nvCxnSpPr>
+        <p:spPr>
+          <a:xfrm>
+            <a:off x="5857352" y="1292758"/>
+            <a:ext cx="32084" cy="5203056"/>
+          </a:xfrm>
+          <a:prstGeom prst="line">
+            <a:avLst/>
+          </a:prstGeom>
+          <a:ln/>
+        </p:spPr>
+        <p:style>
+          <a:lnRef idx="1">
+            <a:schemeClr val="dk1"/>
+          </a:lnRef>
+          <a:fillRef idx="0">
+            <a:schemeClr val="dk1"/>
+          </a:fillRef>
+          <a:effectRef idx="0">
+            <a:schemeClr val="dk1"/>
+          </a:effectRef>
+          <a:fontRef idx="minor">
+            <a:schemeClr val="tx1"/>
+          </a:fontRef>
+        </p:style>
+      </p:cxnSp>
+      <p:pic>
+        <p:nvPicPr>
+          <p:cNvPr id="35" name="图片 34"/>
+          <p:cNvPicPr>
+            <a:picLocks noChangeAspect="1"/>
+          </p:cNvPicPr>
+          <p:nvPr/>
+        </p:nvPicPr>
+        <p:blipFill>
+          <a:blip r:embed="rId3">
+            <a:extLst>
+              <a:ext uri="{28A0092B-C50C-407E-A947-70E740481C1C}">
+                <a14:useLocalDpi xmlns:a14="http://schemas.microsoft.com/office/drawing/2010/main" val="0"/>
+              </a:ext>
+            </a:extLst>
+          </a:blip>
+          <a:stretch>
+            <a:fillRect/>
+          </a:stretch>
+        </p:blipFill>
+        <p:spPr>
+          <a:xfrm>
+            <a:off x="248847" y="5749520"/>
+            <a:ext cx="494428" cy="494428"/>
+          </a:xfrm>
+          <a:prstGeom prst="rect">
+            <a:avLst/>
+          </a:prstGeom>
+        </p:spPr>
+      </p:pic>
+      <p:pic>
+        <p:nvPicPr>
+          <p:cNvPr id="37" name="图片 36"/>
+          <p:cNvPicPr>
+            <a:picLocks noChangeAspect="1"/>
+          </p:cNvPicPr>
+          <p:nvPr/>
+        </p:nvPicPr>
+        <p:blipFill>
+          <a:blip r:embed="rId4">
+            <a:extLst>
+              <a:ext uri="{28A0092B-C50C-407E-A947-70E740481C1C}">
+                <a14:useLocalDpi xmlns:a14="http://schemas.microsoft.com/office/drawing/2010/main" val="0"/>
+              </a:ext>
+            </a:extLst>
+          </a:blip>
+          <a:stretch>
+            <a:fillRect/>
+          </a:stretch>
+        </p:blipFill>
+        <p:spPr>
+          <a:xfrm>
+            <a:off x="286842" y="1487059"/>
+            <a:ext cx="430468" cy="430468"/>
+          </a:xfrm>
+          <a:prstGeom prst="rect">
+            <a:avLst/>
+          </a:prstGeom>
+        </p:spPr>
+      </p:pic>
+      <p:pic>
+        <p:nvPicPr>
+          <p:cNvPr id="38" name="图片 37"/>
+          <p:cNvPicPr>
+            <a:picLocks noChangeAspect="1"/>
+          </p:cNvPicPr>
+          <p:nvPr/>
+        </p:nvPicPr>
+        <p:blipFill>
+          <a:blip r:embed="rId5">
+            <a:extLst>
+              <a:ext uri="{28A0092B-C50C-407E-A947-70E740481C1C}">
+                <a14:useLocalDpi xmlns:a14="http://schemas.microsoft.com/office/drawing/2010/main" val="0"/>
+              </a:ext>
+            </a:extLst>
+          </a:blip>
+          <a:stretch>
+            <a:fillRect/>
+          </a:stretch>
+        </p:blipFill>
+        <p:spPr>
+          <a:xfrm>
+            <a:off x="314033" y="4573284"/>
+            <a:ext cx="392921" cy="392921"/>
+          </a:xfrm>
+          <a:prstGeom prst="rect">
+            <a:avLst/>
+          </a:prstGeom>
+        </p:spPr>
+      </p:pic>
+      <p:cxnSp>
+        <p:nvCxnSpPr>
+          <p:cNvPr id="40" name="直接连接符 39"/>
+          <p:cNvCxnSpPr/>
+          <p:nvPr/>
+        </p:nvCxnSpPr>
+        <p:spPr>
+          <a:xfrm>
+            <a:off x="213675" y="2196133"/>
+            <a:ext cx="5303346" cy="0"/>
+          </a:xfrm>
+          <a:prstGeom prst="line">
+            <a:avLst/>
+          </a:prstGeom>
+          <a:ln/>
+        </p:spPr>
+        <p:style>
+          <a:lnRef idx="1">
+            <a:schemeClr val="dk1"/>
+          </a:lnRef>
+          <a:fillRef idx="0">
+            <a:schemeClr val="dk1"/>
+          </a:fillRef>
+          <a:effectRef idx="0">
+            <a:schemeClr val="dk1"/>
+          </a:effectRef>
+          <a:fontRef idx="minor">
+            <a:schemeClr val="tx1"/>
+          </a:fontRef>
+        </p:style>
+      </p:cxnSp>
+      <p:cxnSp>
+        <p:nvCxnSpPr>
+          <p:cNvPr id="41" name="直接连接符 40"/>
+          <p:cNvCxnSpPr/>
+          <p:nvPr/>
+        </p:nvCxnSpPr>
+        <p:spPr>
+          <a:xfrm>
+            <a:off x="227891" y="3249939"/>
+            <a:ext cx="5303346" cy="0"/>
+          </a:xfrm>
+          <a:prstGeom prst="line">
+            <a:avLst/>
+          </a:prstGeom>
+          <a:ln/>
+        </p:spPr>
+        <p:style>
+          <a:lnRef idx="1">
+            <a:schemeClr val="dk1"/>
+          </a:lnRef>
+          <a:fillRef idx="0">
+            <a:schemeClr val="dk1"/>
+          </a:fillRef>
+          <a:effectRef idx="0">
+            <a:schemeClr val="dk1"/>
+          </a:effectRef>
+          <a:fontRef idx="minor">
+            <a:schemeClr val="tx1"/>
+          </a:fontRef>
+        </p:style>
+      </p:cxnSp>
+      <p:cxnSp>
+        <p:nvCxnSpPr>
+          <p:cNvPr id="42" name="直接连接符 41"/>
+          <p:cNvCxnSpPr/>
+          <p:nvPr/>
+        </p:nvCxnSpPr>
+        <p:spPr>
+          <a:xfrm>
+            <a:off x="213675" y="6616851"/>
+            <a:ext cx="5303346" cy="0"/>
+          </a:xfrm>
+          <a:prstGeom prst="line">
+            <a:avLst/>
+          </a:prstGeom>
+          <a:ln/>
+        </p:spPr>
+        <p:style>
+          <a:lnRef idx="1">
+            <a:schemeClr val="dk1"/>
+          </a:lnRef>
+          <a:fillRef idx="0">
+            <a:schemeClr val="dk1"/>
+          </a:fillRef>
+          <a:effectRef idx="0">
+            <a:schemeClr val="dk1"/>
+          </a:effectRef>
+          <a:fontRef idx="minor">
+            <a:schemeClr val="tx1"/>
+          </a:fontRef>
+        </p:style>
+      </p:cxnSp>
+      <p:sp>
+        <p:nvSpPr>
+          <p:cNvPr id="45" name="文本框 44"/>
+          <p:cNvSpPr txBox="1"/>
+          <p:nvPr/>
+        </p:nvSpPr>
+        <p:spPr>
+          <a:xfrm>
+            <a:off x="6336371" y="1441222"/>
+            <a:ext cx="4190570" cy="584775"/>
+          </a:xfrm>
+          <a:prstGeom prst="rect">
+            <a:avLst/>
+          </a:prstGeom>
+          <a:noFill/>
+        </p:spPr>
+        <p:txBody>
+          <a:bodyPr wrap="square" rtlCol="0">
+            <a:spAutoFit/>
+          </a:bodyPr>
+          <a:lstStyle/>
+          <a:p>
+            <a:r>
+              <a:rPr lang="zh-CN" altLang="en-US" sz="1400" b="1" dirty="0" smtClean="0">
+                <a:latin typeface="微软雅黑" panose="020B0503020204020204" pitchFamily="34" charset="-122"/>
+                <a:ea typeface="微软雅黑" panose="020B0503020204020204" pitchFamily="34" charset="-122"/>
+              </a:rPr>
+              <a:t>生產製造系統通用</a:t>
+            </a:r>
+            <a:r>
+              <a:rPr lang="zh-CN" altLang="en-US" sz="1400" b="1" dirty="0">
+                <a:latin typeface="微软雅黑" panose="020B0503020204020204" pitchFamily="34" charset="-122"/>
+                <a:ea typeface="微软雅黑" panose="020B0503020204020204" pitchFamily="34" charset="-122"/>
+              </a:rPr>
+              <a:t>框架開</a:t>
+            </a:r>
+            <a:r>
+              <a:rPr lang="zh-CN" altLang="en-US" sz="1400" b="1" dirty="0" smtClean="0">
+                <a:latin typeface="微软雅黑" panose="020B0503020204020204" pitchFamily="34" charset="-122"/>
+                <a:ea typeface="微软雅黑" panose="020B0503020204020204" pitchFamily="34" charset="-122"/>
+              </a:rPr>
+              <a:t>發</a:t>
+            </a:r>
+            <a:endParaRPr lang="en-US" altLang="zh-CN" sz="1400" b="1" dirty="0" smtClean="0">
+              <a:latin typeface="微软雅黑" panose="020B0503020204020204" pitchFamily="34" charset="-122"/>
+              <a:ea typeface="微软雅黑" panose="020B0503020204020204" pitchFamily="34" charset="-122"/>
+            </a:endParaRPr>
+          </a:p>
+          <a:p>
+            <a:r>
+              <a:rPr lang="zh-CN" altLang="en-US" dirty="0"/>
+              <a:t>多語言框架開</a:t>
+            </a:r>
+            <a:r>
+              <a:rPr lang="zh-CN" altLang="en-US" dirty="0" smtClean="0"/>
+              <a:t>發、</a:t>
+            </a:r>
+            <a:endParaRPr lang="en-US" altLang="zh-CN" dirty="0"/>
+          </a:p>
+        </p:txBody>
+      </p:sp>
+      <p:sp>
+        <p:nvSpPr>
+          <p:cNvPr id="48" name="文本框 47"/>
+          <p:cNvSpPr txBox="1"/>
+          <p:nvPr/>
+        </p:nvSpPr>
+        <p:spPr>
+          <a:xfrm>
+            <a:off x="6302291" y="2350137"/>
+            <a:ext cx="5440530" cy="677108"/>
+          </a:xfrm>
+          <a:prstGeom prst="rect">
+            <a:avLst/>
+          </a:prstGeom>
+          <a:noFill/>
+        </p:spPr>
+        <p:txBody>
+          <a:bodyPr wrap="square" rtlCol="0">
+            <a:spAutoFit/>
+          </a:bodyPr>
+          <a:lstStyle/>
+          <a:p>
+            <a:r>
+              <a:rPr lang="zh-CN" altLang="en-US" sz="1400" b="1" dirty="0" smtClean="0">
+                <a:latin typeface="微软雅黑" panose="020B0503020204020204" pitchFamily="34" charset="-122"/>
+                <a:ea typeface="微软雅黑" panose="020B0503020204020204" pitchFamily="34" charset="-122"/>
+              </a:rPr>
+              <a:t>物聯系統優化</a:t>
+            </a:r>
+            <a:r>
+              <a:rPr lang="en-US" altLang="zh-CN" sz="1400" b="1" dirty="0" smtClean="0">
+                <a:latin typeface="微软雅黑" panose="020B0503020204020204" pitchFamily="34" charset="-122"/>
+                <a:ea typeface="微软雅黑" panose="020B0503020204020204" pitchFamily="34" charset="-122"/>
+              </a:rPr>
+              <a:t>&amp;</a:t>
+            </a:r>
+            <a:r>
+              <a:rPr lang="zh-CN" altLang="en-US" sz="1400" b="1" dirty="0" smtClean="0">
+                <a:latin typeface="微软雅黑" panose="020B0503020204020204" pitchFamily="34" charset="-122"/>
+                <a:ea typeface="微软雅黑" panose="020B0503020204020204" pitchFamily="34" charset="-122"/>
+              </a:rPr>
+              <a:t>整合平台開發</a:t>
+            </a:r>
+            <a:endParaRPr lang="en-US" altLang="zh-CN" sz="1400" b="1" dirty="0" smtClean="0">
+              <a:latin typeface="微软雅黑" panose="020B0503020204020204" pitchFamily="34" charset="-122"/>
+              <a:ea typeface="微软雅黑" panose="020B0503020204020204" pitchFamily="34" charset="-122"/>
+            </a:endParaRPr>
+          </a:p>
+          <a:p>
+            <a:r>
+              <a:rPr lang="zh-CN" altLang="en-US" sz="1200" dirty="0" smtClean="0">
+                <a:latin typeface="微软雅黑 Light" panose="020B0502040204020203" pitchFamily="34" charset="-122"/>
+                <a:ea typeface="微软雅黑 Light" panose="020B0502040204020203" pitchFamily="34" charset="-122"/>
+              </a:rPr>
+              <a:t>儲物櫃、充電櫃、宿舍智能鎖、等服物聯務端應用</a:t>
+            </a:r>
+            <a:r>
+              <a:rPr lang="en-US" altLang="zh-CN" sz="1200" dirty="0" smtClean="0">
+                <a:latin typeface="微软雅黑 Light" panose="020B0502040204020203" pitchFamily="34" charset="-122"/>
+                <a:ea typeface="微软雅黑 Light" panose="020B0502040204020203" pitchFamily="34" charset="-122"/>
+              </a:rPr>
+              <a:t>,</a:t>
+            </a:r>
+            <a:r>
+              <a:rPr lang="zh-CN" altLang="en-US" sz="1200" dirty="0" smtClean="0">
+                <a:latin typeface="微软雅黑 Light" panose="020B0502040204020203" pitchFamily="34" charset="-122"/>
+                <a:ea typeface="微软雅黑 Light" panose="020B0502040204020203" pitchFamily="34" charset="-122"/>
+              </a:rPr>
+              <a:t>存在性能、穩定性、代碼質量等多種因素</a:t>
+            </a:r>
+            <a:r>
+              <a:rPr lang="en-US" altLang="zh-CN" sz="1200" dirty="0" smtClean="0">
+                <a:latin typeface="微软雅黑 Light" panose="020B0502040204020203" pitchFamily="34" charset="-122"/>
+                <a:ea typeface="微软雅黑 Light" panose="020B0502040204020203" pitchFamily="34" charset="-122"/>
+              </a:rPr>
+              <a:t>,</a:t>
+            </a:r>
+            <a:r>
+              <a:rPr lang="zh-CN" altLang="en-US" sz="1200" dirty="0" smtClean="0">
+                <a:latin typeface="微软雅黑 Light" panose="020B0502040204020203" pitchFamily="34" charset="-122"/>
+                <a:ea typeface="微软雅黑 Light" panose="020B0502040204020203" pitchFamily="34" charset="-122"/>
+              </a:rPr>
+              <a:t>導致等每天需要耗費大量精力進行異常處理和軟件維護</a:t>
+            </a:r>
+            <a:r>
+              <a:rPr lang="en-US" altLang="zh-CN" sz="1200" dirty="0" smtClean="0">
+                <a:latin typeface="微软雅黑 Light" panose="020B0502040204020203" pitchFamily="34" charset="-122"/>
+                <a:ea typeface="微软雅黑 Light" panose="020B0502040204020203" pitchFamily="34" charset="-122"/>
+              </a:rPr>
+              <a:t>,</a:t>
+            </a:r>
+            <a:r>
+              <a:rPr lang="zh-CN" altLang="en-US" sz="1200" dirty="0" smtClean="0">
+                <a:latin typeface="微软雅黑 Light" panose="020B0502040204020203" pitchFamily="34" charset="-122"/>
+                <a:ea typeface="微软雅黑 Light" panose="020B0502040204020203" pitchFamily="34" charset="-122"/>
+              </a:rPr>
+              <a:t>拖累團隊</a:t>
+            </a:r>
+            <a:r>
+              <a:rPr lang="en-US" altLang="zh-CN" sz="1200" dirty="0" smtClean="0">
+                <a:latin typeface="微软雅黑 Light" panose="020B0502040204020203" pitchFamily="34" charset="-122"/>
+                <a:ea typeface="微软雅黑 Light" panose="020B0502040204020203" pitchFamily="34" charset="-122"/>
+              </a:rPr>
+              <a:t>,</a:t>
+            </a:r>
+            <a:endParaRPr lang="en-US" altLang="zh-CN" sz="1200" dirty="0">
+              <a:latin typeface="微软雅黑 Light" panose="020B0502040204020203" pitchFamily="34" charset="-122"/>
+              <a:ea typeface="微软雅黑 Light" panose="020B0502040204020203" pitchFamily="34" charset="-122"/>
+            </a:endParaRPr>
+          </a:p>
+        </p:txBody>
+      </p:sp>
+      <p:sp>
+        <p:nvSpPr>
+          <p:cNvPr id="49" name="文本框 48"/>
+          <p:cNvSpPr txBox="1"/>
+          <p:nvPr/>
+        </p:nvSpPr>
+        <p:spPr>
+          <a:xfrm>
+            <a:off x="6336371" y="3838948"/>
+            <a:ext cx="4990239" cy="1046440"/>
+          </a:xfrm>
+          <a:prstGeom prst="rect">
+            <a:avLst/>
+          </a:prstGeom>
+          <a:noFill/>
+        </p:spPr>
+        <p:txBody>
+          <a:bodyPr wrap="square" rtlCol="0">
+            <a:spAutoFit/>
+          </a:bodyPr>
+          <a:lstStyle/>
+          <a:p>
+            <a:r>
+              <a:rPr lang="zh-CN" altLang="en-US" sz="1400" b="1" dirty="0">
+                <a:latin typeface="微软雅黑" panose="020B0503020204020204" pitchFamily="34" charset="-122"/>
+                <a:ea typeface="微软雅黑" panose="020B0503020204020204" pitchFamily="34" charset="-122"/>
+              </a:rPr>
+              <a:t>自研電腦監控系統替代</a:t>
+            </a:r>
+            <a:r>
+              <a:rPr lang="en-US" altLang="zh-CN" sz="1400" b="1" dirty="0" err="1">
+                <a:latin typeface="微软雅黑" panose="020B0503020204020204" pitchFamily="34" charset="-122"/>
+                <a:ea typeface="微软雅黑" panose="020B0503020204020204" pitchFamily="34" charset="-122"/>
+              </a:rPr>
+              <a:t>IPGuard</a:t>
+            </a:r>
+            <a:endParaRPr lang="en-US" altLang="zh-CN" sz="1400" b="1" dirty="0">
+              <a:latin typeface="微软雅黑" panose="020B0503020204020204" pitchFamily="34" charset="-122"/>
+              <a:ea typeface="微软雅黑" panose="020B0503020204020204" pitchFamily="34" charset="-122"/>
+            </a:endParaRPr>
+          </a:p>
+          <a:p>
+            <a:r>
+              <a:rPr lang="zh-CN" altLang="en-US" sz="1200" dirty="0" smtClean="0">
+                <a:latin typeface="微软雅黑 Light" panose="020B0502040204020203" pitchFamily="34" charset="-122"/>
+                <a:ea typeface="微软雅黑 Light" panose="020B0502040204020203" pitchFamily="34" charset="-122"/>
+              </a:rPr>
+              <a:t>使用</a:t>
+            </a:r>
+            <a:r>
+              <a:rPr lang="en-US" altLang="zh-CN" sz="1200" dirty="0" smtClean="0">
+                <a:latin typeface="微软雅黑 Light" panose="020B0502040204020203" pitchFamily="34" charset="-122"/>
+                <a:ea typeface="微软雅黑 Light" panose="020B0502040204020203" pitchFamily="34" charset="-122"/>
+              </a:rPr>
+              <a:t>C++</a:t>
+            </a:r>
+            <a:r>
+              <a:rPr lang="zh-CN" altLang="en-US" sz="1200" dirty="0" smtClean="0">
+                <a:latin typeface="微软雅黑 Light" panose="020B0502040204020203" pitchFamily="34" charset="-122"/>
+                <a:ea typeface="微软雅黑 Light" panose="020B0502040204020203" pitchFamily="34" charset="-122"/>
+              </a:rPr>
+              <a:t>、</a:t>
+            </a:r>
+            <a:r>
+              <a:rPr lang="en-US" altLang="zh-CN" sz="1200" dirty="0" smtClean="0">
+                <a:latin typeface="微软雅黑 Light" panose="020B0502040204020203" pitchFamily="34" charset="-122"/>
+                <a:ea typeface="微软雅黑 Light" panose="020B0502040204020203" pitchFamily="34" charset="-122"/>
+              </a:rPr>
+              <a:t>C#/ASP.NET CORE</a:t>
+            </a:r>
+            <a:r>
+              <a:rPr lang="zh-CN" altLang="en-US" sz="1200" dirty="0" smtClean="0">
+                <a:latin typeface="微软雅黑 Light" panose="020B0502040204020203" pitchFamily="34" charset="-122"/>
+                <a:ea typeface="微软雅黑 Light" panose="020B0502040204020203" pitchFamily="34" charset="-122"/>
+              </a:rPr>
+              <a:t>等技術、獨立一人完成架構設計、功能設計、代碼實現</a:t>
+            </a:r>
+            <a:r>
+              <a:rPr lang="zh-CN" altLang="en-US" sz="1200" dirty="0">
+                <a:latin typeface="微软雅黑 Light" panose="020B0502040204020203" pitchFamily="34" charset="-122"/>
+                <a:ea typeface="微软雅黑 Light" panose="020B0502040204020203" pitchFamily="34" charset="-122"/>
+              </a:rPr>
+              <a:t>。</a:t>
+            </a:r>
+            <a:r>
+              <a:rPr lang="zh-CN" altLang="en-US" sz="1200" dirty="0" smtClean="0">
+                <a:latin typeface="微软雅黑 Light" panose="020B0502040204020203" pitchFamily="34" charset="-122"/>
+                <a:ea typeface="微软雅黑 Light" panose="020B0502040204020203" pitchFamily="34" charset="-122"/>
+              </a:rPr>
+              <a:t>可替代</a:t>
+            </a:r>
+            <a:r>
+              <a:rPr lang="en-US" altLang="zh-CN" sz="1200" dirty="0" err="1" smtClean="0">
+                <a:latin typeface="微软雅黑 Light" panose="020B0502040204020203" pitchFamily="34" charset="-122"/>
+                <a:ea typeface="微软雅黑 Light" panose="020B0502040204020203" pitchFamily="34" charset="-122"/>
+              </a:rPr>
+              <a:t>IPGuard</a:t>
+            </a:r>
+            <a:r>
+              <a:rPr lang="zh-CN" altLang="en-US" sz="1200" dirty="0" smtClean="0">
+                <a:latin typeface="微软雅黑 Light" panose="020B0502040204020203" pitchFamily="34" charset="-122"/>
+                <a:ea typeface="微软雅黑 Light" panose="020B0502040204020203" pitchFamily="34" charset="-122"/>
+              </a:rPr>
+              <a:t>導入生產段電腦完成遠程指令執行、軟件</a:t>
+            </a:r>
+            <a:r>
+              <a:rPr lang="en-US" altLang="zh-CN" sz="1200" dirty="0" smtClean="0">
+                <a:latin typeface="微软雅黑 Light" panose="020B0502040204020203" pitchFamily="34" charset="-122"/>
+                <a:ea typeface="微软雅黑 Light" panose="020B0502040204020203" pitchFamily="34" charset="-122"/>
+              </a:rPr>
+              <a:t>&amp;</a:t>
+            </a:r>
+            <a:r>
+              <a:rPr lang="zh-CN" altLang="en-US" sz="1200" dirty="0" smtClean="0">
+                <a:latin typeface="微软雅黑 Light" panose="020B0502040204020203" pitchFamily="34" charset="-122"/>
+                <a:ea typeface="微软雅黑 Light" panose="020B0502040204020203" pitchFamily="34" charset="-122"/>
+              </a:rPr>
+              <a:t>硬件信息採集、在線狀態監控等功能</a:t>
+            </a:r>
+            <a:r>
+              <a:rPr lang="en-US" altLang="zh-CN" sz="1200" dirty="0" smtClean="0">
+                <a:latin typeface="微软雅黑 Light" panose="020B0502040204020203" pitchFamily="34" charset="-122"/>
+                <a:ea typeface="微软雅黑 Light" panose="020B0502040204020203" pitchFamily="34" charset="-122"/>
+              </a:rPr>
+              <a:t>,</a:t>
+            </a:r>
+            <a:r>
+              <a:rPr lang="zh-CN" altLang="en-US" sz="1200" dirty="0" smtClean="0">
+                <a:latin typeface="微软雅黑 Light" panose="020B0502040204020203" pitchFamily="34" charset="-122"/>
+                <a:ea typeface="微软雅黑 Light" panose="020B0502040204020203" pitchFamily="34" charset="-122"/>
+              </a:rPr>
+              <a:t>為公司每年節省</a:t>
+            </a:r>
+            <a:r>
+              <a:rPr lang="en-US" altLang="zh-CN" sz="1200" dirty="0" smtClean="0">
+                <a:latin typeface="微软雅黑 Light" panose="020B0502040204020203" pitchFamily="34" charset="-122"/>
+                <a:ea typeface="微软雅黑 Light" panose="020B0502040204020203" pitchFamily="34" charset="-122"/>
+              </a:rPr>
+              <a:t>75</a:t>
+            </a:r>
+            <a:r>
+              <a:rPr lang="zh-CN" altLang="en-US" sz="1200" dirty="0" smtClean="0">
+                <a:latin typeface="微软雅黑 Light" panose="020B0502040204020203" pitchFamily="34" charset="-122"/>
+                <a:ea typeface="微软雅黑 Light" panose="020B0502040204020203" pitchFamily="34" charset="-122"/>
+              </a:rPr>
+              <a:t>萬</a:t>
+            </a:r>
+            <a:r>
+              <a:rPr lang="en-US" altLang="zh-CN" sz="1200" dirty="0" smtClean="0">
+                <a:latin typeface="微软雅黑 Light" panose="020B0502040204020203" pitchFamily="34" charset="-122"/>
+                <a:ea typeface="微软雅黑 Light" panose="020B0502040204020203" pitchFamily="34" charset="-122"/>
+              </a:rPr>
+              <a:t>RMB</a:t>
+            </a:r>
+            <a:r>
+              <a:rPr lang="zh-CN" altLang="en-US" sz="1200" dirty="0" smtClean="0">
+                <a:latin typeface="微软雅黑 Light" panose="020B0502040204020203" pitchFamily="34" charset="-122"/>
+                <a:ea typeface="微软雅黑 Light" panose="020B0502040204020203" pitchFamily="34" charset="-122"/>
+              </a:rPr>
+              <a:t>的授權費用</a:t>
+            </a:r>
+            <a:endParaRPr lang="en-US" altLang="zh-CN" sz="1200" dirty="0">
+              <a:latin typeface="微软雅黑 Light" panose="020B0502040204020203" pitchFamily="34" charset="-122"/>
+              <a:ea typeface="微软雅黑 Light" panose="020B0502040204020203" pitchFamily="34" charset="-122"/>
+            </a:endParaRPr>
+          </a:p>
+        </p:txBody>
+      </p:sp>
+      <p:sp>
+        <p:nvSpPr>
+          <p:cNvPr id="50" name="內容版面配置區 2"/>
+          <p:cNvSpPr txBox="1">
+            <a:spLocks/>
+          </p:cNvSpPr>
+          <p:nvPr/>
+        </p:nvSpPr>
+        <p:spPr>
+          <a:xfrm>
+            <a:off x="6871236" y="724896"/>
+            <a:ext cx="1493520" cy="344780"/>
+          </a:xfrm>
+          <a:prstGeom prst="rect">
+            <a:avLst/>
+          </a:prstGeom>
+        </p:spPr>
+        <p:txBody>
+          <a:bodyPr vert="horz" lIns="91440" tIns="45720" rIns="91440" bIns="45720" rtlCol="0" anchor="t">
+            <a:normAutofit/>
+          </a:bodyPr>
+          <a:lstStyle>
+            <a:defPPr>
+              <a:defRPr lang="zh-TW"/>
+            </a:defPPr>
+            <a:lvl1pPr marR="0" lvl="0" indent="0" fontAlgn="auto">
+              <a:lnSpc>
+                <a:spcPct val="90000"/>
+              </a:lnSpc>
+              <a:spcBef>
+                <a:spcPct val="0"/>
+              </a:spcBef>
+              <a:spcAft>
+                <a:spcPts val="0"/>
+              </a:spcAft>
+              <a:buClrTx/>
+              <a:buSzTx/>
+              <a:buFontTx/>
+              <a:buNone/>
+              <a:tabLst/>
+              <a:defRPr sz="2000" b="1" spc="100">
+                <a:solidFill>
+                  <a:srgbClr val="FFFF00"/>
+                </a:solidFill>
+                <a:latin typeface="Microsoft YaHei" panose="020B0503020204020204" pitchFamily="34" charset="-122"/>
+                <a:ea typeface="Microsoft YaHei" panose="020B0503020204020204" pitchFamily="34" charset="-122"/>
+              </a:defRPr>
+            </a:lvl1pPr>
+          </a:lstStyle>
+          <a:p>
+            <a:r>
+              <a:rPr lang="zh-CN" altLang="en-US" sz="1600" dirty="0" smtClean="0">
+                <a:solidFill>
+                  <a:schemeClr val="tx1"/>
+                </a:solidFill>
+              </a:rPr>
+              <a:t>近年成就</a:t>
+            </a:r>
+            <a:endParaRPr lang="zh-TW" altLang="en-US" sz="1600" dirty="0">
+              <a:solidFill>
+                <a:schemeClr val="tx1"/>
+              </a:solidFill>
+            </a:endParaRPr>
+          </a:p>
+        </p:txBody>
+      </p:sp>
+      <p:pic>
+        <p:nvPicPr>
+          <p:cNvPr id="51" name="图片 50"/>
+          <p:cNvPicPr>
+            <a:picLocks noChangeAspect="1"/>
+          </p:cNvPicPr>
+          <p:nvPr/>
+        </p:nvPicPr>
+        <p:blipFill>
+          <a:blip r:embed="rId2">
+            <a:extLst>
+              <a:ext uri="{28A0092B-C50C-407E-A947-70E740481C1C}">
+                <a14:useLocalDpi xmlns:a14="http://schemas.microsoft.com/office/drawing/2010/main" val="0"/>
+              </a:ext>
+            </a:extLst>
+          </a:blip>
+          <a:stretch>
+            <a:fillRect/>
+          </a:stretch>
+        </p:blipFill>
+        <p:spPr>
+          <a:xfrm>
+            <a:off x="6399656" y="697157"/>
+            <a:ext cx="372519" cy="372519"/>
+          </a:xfrm>
+          <a:prstGeom prst="rect">
+            <a:avLst/>
+          </a:prstGeom>
+        </p:spPr>
+      </p:pic>
+      <p:sp>
+        <p:nvSpPr>
+          <p:cNvPr id="52" name="文本框 51"/>
+          <p:cNvSpPr txBox="1"/>
+          <p:nvPr/>
+        </p:nvSpPr>
+        <p:spPr>
+          <a:xfrm>
+            <a:off x="6399656" y="5435711"/>
+            <a:ext cx="4064000" cy="492443"/>
+          </a:xfrm>
+          <a:prstGeom prst="rect">
+            <a:avLst/>
+          </a:prstGeom>
+          <a:noFill/>
+        </p:spPr>
+        <p:txBody>
+          <a:bodyPr wrap="square" rtlCol="0">
+            <a:spAutoFit/>
+          </a:bodyPr>
+          <a:lstStyle/>
+          <a:p>
+            <a:r>
+              <a:rPr lang="zh-CN" altLang="en-US" sz="1400" b="1" dirty="0">
+                <a:latin typeface="微软雅黑" panose="020B0503020204020204" pitchFamily="34" charset="-122"/>
+                <a:ea typeface="微软雅黑" panose="020B0503020204020204" pitchFamily="34" charset="-122"/>
+              </a:rPr>
+              <a:t>資</a:t>
+            </a:r>
+            <a:r>
+              <a:rPr lang="zh-CN" altLang="en-US" sz="1400" b="1" dirty="0" smtClean="0">
+                <a:latin typeface="微软雅黑" panose="020B0503020204020204" pitchFamily="34" charset="-122"/>
+                <a:ea typeface="微软雅黑" panose="020B0503020204020204" pitchFamily="34" charset="-122"/>
+              </a:rPr>
+              <a:t>按</a:t>
+            </a:r>
+            <a:r>
+              <a:rPr lang="zh-CN" altLang="en-US" sz="1400" b="1" dirty="0">
+                <a:latin typeface="微软雅黑" panose="020B0503020204020204" pitchFamily="34" charset="-122"/>
+                <a:ea typeface="微软雅黑" panose="020B0503020204020204" pitchFamily="34" charset="-122"/>
+              </a:rPr>
+              <a:t>開</a:t>
+            </a:r>
+            <a:r>
+              <a:rPr lang="zh-CN" altLang="en-US" sz="1400" b="1" dirty="0" smtClean="0">
+                <a:latin typeface="微软雅黑" panose="020B0503020204020204" pitchFamily="34" charset="-122"/>
+                <a:ea typeface="微软雅黑" panose="020B0503020204020204" pitchFamily="34" charset="-122"/>
+              </a:rPr>
+              <a:t>發</a:t>
+            </a:r>
+            <a:endParaRPr lang="zh-CN" altLang="en-US" sz="1400" b="1" dirty="0">
+              <a:latin typeface="微软雅黑" panose="020B0503020204020204" pitchFamily="34" charset="-122"/>
+              <a:ea typeface="微软雅黑" panose="020B0503020204020204" pitchFamily="34" charset="-122"/>
+            </a:endParaRPr>
+          </a:p>
+          <a:p>
+            <a:r>
+              <a:rPr lang="en-US" altLang="zh-CN" sz="1200" dirty="0" smtClean="0">
+                <a:latin typeface="微软雅黑 Light" panose="020B0502040204020203" pitchFamily="34" charset="-122"/>
+                <a:ea typeface="微软雅黑 Light" panose="020B0502040204020203" pitchFamily="34" charset="-122"/>
+              </a:rPr>
+              <a:t>1.SFC</a:t>
+            </a:r>
+            <a:r>
+              <a:rPr lang="zh-CN" altLang="en-US" sz="1200" dirty="0" smtClean="0">
+                <a:latin typeface="微软雅黑 Light" panose="020B0502040204020203" pitchFamily="34" charset="-122"/>
+                <a:ea typeface="微软雅黑 Light" panose="020B0502040204020203" pitchFamily="34" charset="-122"/>
+              </a:rPr>
+              <a:t>版本控制推</a:t>
+            </a:r>
+            <a:r>
+              <a:rPr lang="zh-CN" altLang="en-US" sz="1200" dirty="0" smtClean="0">
+                <a:latin typeface="微软雅黑 Light" panose="020B0502040204020203" pitchFamily="34" charset="-122"/>
+                <a:ea typeface="微软雅黑 Light" panose="020B0502040204020203" pitchFamily="34" charset="-122"/>
+              </a:rPr>
+              <a:t>動</a:t>
+            </a:r>
+            <a:endParaRPr lang="en-US" altLang="zh-CN" sz="1200" dirty="0" smtClean="0">
+              <a:latin typeface="微软雅黑 Light" panose="020B0502040204020203" pitchFamily="34" charset="-122"/>
+              <a:ea typeface="微软雅黑 Light" panose="020B0502040204020203" pitchFamily="34" charset="-122"/>
+            </a:endParaRPr>
+          </a:p>
+        </p:txBody>
+      </p:sp>
+      <p:sp>
+        <p:nvSpPr>
+          <p:cNvPr id="53" name="文本框 52"/>
+          <p:cNvSpPr txBox="1"/>
+          <p:nvPr/>
+        </p:nvSpPr>
+        <p:spPr>
+          <a:xfrm>
+            <a:off x="755921" y="2248938"/>
+            <a:ext cx="4729411" cy="861774"/>
+          </a:xfrm>
+          <a:prstGeom prst="rect">
+            <a:avLst/>
+          </a:prstGeom>
+          <a:noFill/>
+        </p:spPr>
+        <p:txBody>
+          <a:bodyPr wrap="square" rtlCol="0">
+            <a:spAutoFit/>
+          </a:bodyPr>
+          <a:lstStyle/>
+          <a:p>
+            <a:r>
+              <a:rPr lang="zh-CN" altLang="en-US" sz="1400" b="1" dirty="0" smtClean="0">
+                <a:latin typeface="微软雅黑" panose="020B0503020204020204" pitchFamily="34" charset="-122"/>
+                <a:ea typeface="微软雅黑" panose="020B0503020204020204" pitchFamily="34" charset="-122"/>
+              </a:rPr>
+              <a:t>架構設計、代碼重構</a:t>
+            </a:r>
+            <a:endParaRPr lang="en-US" altLang="zh-CN" sz="1400" b="1" dirty="0" smtClean="0">
+              <a:latin typeface="微软雅黑" panose="020B0503020204020204" pitchFamily="34" charset="-122"/>
+              <a:ea typeface="微软雅黑" panose="020B0503020204020204" pitchFamily="34" charset="-122"/>
+            </a:endParaRPr>
+          </a:p>
+          <a:p>
+            <a:r>
+              <a:rPr lang="zh-TW" altLang="en-US" sz="1200" dirty="0">
+                <a:latin typeface="微软雅黑 Light" panose="020B0502040204020203" pitchFamily="34" charset="-122"/>
+                <a:ea typeface="微软雅黑 Light" panose="020B0502040204020203" pitchFamily="34" charset="-122"/>
+              </a:rPr>
+              <a:t>可根據業</a:t>
+            </a:r>
+            <a:r>
+              <a:rPr lang="zh-TW" altLang="en-US" sz="1200" dirty="0" smtClean="0">
+                <a:latin typeface="微软雅黑 Light" panose="020B0502040204020203" pitchFamily="34" charset="-122"/>
+                <a:ea typeface="微软雅黑 Light" panose="020B0502040204020203" pitchFamily="34" charset="-122"/>
+              </a:rPr>
+              <a:t>務</a:t>
+            </a:r>
+            <a:r>
+              <a:rPr lang="zh-CN" altLang="en-US" sz="1200" dirty="0" smtClean="0">
+                <a:latin typeface="微软雅黑 Light" panose="020B0502040204020203" pitchFamily="34" charset="-122"/>
+                <a:ea typeface="微软雅黑 Light" panose="020B0502040204020203" pitchFamily="34" charset="-122"/>
+              </a:rPr>
+              <a:t>根據實際情況</a:t>
+            </a:r>
+            <a:r>
+              <a:rPr lang="zh-TW" altLang="en-US" sz="1200" dirty="0" smtClean="0">
+                <a:latin typeface="微软雅黑 Light" panose="020B0502040204020203" pitchFamily="34" charset="-122"/>
+                <a:ea typeface="微软雅黑 Light" panose="020B0502040204020203" pitchFamily="34" charset="-122"/>
+              </a:rPr>
+              <a:t>設計</a:t>
+            </a:r>
+            <a:r>
+              <a:rPr lang="zh-CN" altLang="en-US" sz="1200" dirty="0" smtClean="0">
+                <a:latin typeface="微软雅黑 Light" panose="020B0502040204020203" pitchFamily="34" charset="-122"/>
+                <a:ea typeface="微软雅黑 Light" panose="020B0502040204020203" pitchFamily="34" charset="-122"/>
+              </a:rPr>
+              <a:t>優雅</a:t>
+            </a:r>
+            <a:r>
+              <a:rPr lang="zh-TW" altLang="en-US" sz="1200" dirty="0" smtClean="0">
+                <a:latin typeface="微软雅黑 Light" panose="020B0502040204020203" pitchFamily="34" charset="-122"/>
+                <a:ea typeface="微软雅黑 Light" panose="020B0502040204020203" pitchFamily="34" charset="-122"/>
+              </a:rPr>
+              <a:t>架構方案</a:t>
+            </a:r>
+            <a:r>
+              <a:rPr lang="zh-TW" altLang="en-US" sz="1200" dirty="0">
+                <a:latin typeface="微软雅黑 Light" panose="020B0502040204020203" pitchFamily="34" charset="-122"/>
+                <a:ea typeface="微软雅黑 Light" panose="020B0502040204020203" pitchFamily="34" charset="-122"/>
+              </a:rPr>
+              <a:t>包括</a:t>
+            </a:r>
+            <a:r>
+              <a:rPr lang="en-US" altLang="zh-TW" sz="1200" dirty="0">
+                <a:latin typeface="微软雅黑 Light" panose="020B0502040204020203" pitchFamily="34" charset="-122"/>
+                <a:ea typeface="微软雅黑 Light" panose="020B0502040204020203" pitchFamily="34" charset="-122"/>
+              </a:rPr>
+              <a:t>:</a:t>
+            </a:r>
+            <a:r>
+              <a:rPr lang="zh-TW" altLang="en-US" sz="1200" dirty="0">
+                <a:latin typeface="微软雅黑 Light" panose="020B0502040204020203" pitchFamily="34" charset="-122"/>
+                <a:ea typeface="微软雅黑 Light" panose="020B0502040204020203" pitchFamily="34" charset="-122"/>
+              </a:rPr>
+              <a:t>代碼分層架構、部署架構、業務建模等</a:t>
+            </a:r>
+            <a:r>
+              <a:rPr lang="en-US" altLang="zh-TW" sz="1200" dirty="0">
+                <a:latin typeface="微软雅黑 Light" panose="020B0502040204020203" pitchFamily="34" charset="-122"/>
+                <a:ea typeface="微软雅黑 Light" panose="020B0502040204020203" pitchFamily="34" charset="-122"/>
+              </a:rPr>
+              <a:t>,</a:t>
+            </a:r>
+            <a:r>
+              <a:rPr lang="zh-TW" altLang="en-US" sz="1200" dirty="0">
+                <a:latin typeface="微软雅黑 Light" panose="020B0502040204020203" pitchFamily="34" charset="-122"/>
+                <a:ea typeface="微软雅黑 Light" panose="020B0502040204020203" pitchFamily="34" charset="-122"/>
+              </a:rPr>
+              <a:t>可畫出易懂的架構圖</a:t>
+            </a:r>
+            <a:r>
+              <a:rPr lang="en-US" altLang="zh-TW" sz="1200" dirty="0">
+                <a:latin typeface="微软雅黑 Light" panose="020B0502040204020203" pitchFamily="34" charset="-122"/>
+                <a:ea typeface="微软雅黑 Light" panose="020B0502040204020203" pitchFamily="34" charset="-122"/>
+              </a:rPr>
+              <a:t>,</a:t>
+            </a:r>
+            <a:r>
+              <a:rPr lang="zh-TW" altLang="en-US" sz="1200" dirty="0">
+                <a:latin typeface="微软雅黑 Light" panose="020B0502040204020203" pitchFamily="34" charset="-122"/>
+                <a:ea typeface="微软雅黑 Light" panose="020B0502040204020203" pitchFamily="34" charset="-122"/>
+              </a:rPr>
+              <a:t>文檔</a:t>
+            </a:r>
+            <a:r>
+              <a:rPr lang="en-US" altLang="zh-TW" sz="1200" dirty="0">
+                <a:latin typeface="微软雅黑 Light" panose="020B0502040204020203" pitchFamily="34" charset="-122"/>
+                <a:ea typeface="微软雅黑 Light" panose="020B0502040204020203" pitchFamily="34" charset="-122"/>
+              </a:rPr>
+              <a:t>,</a:t>
+            </a:r>
+            <a:r>
+              <a:rPr lang="zh-TW" altLang="en-US" sz="1200" dirty="0">
+                <a:latin typeface="微软雅黑 Light" panose="020B0502040204020203" pitchFamily="34" charset="-122"/>
+                <a:ea typeface="微软雅黑 Light" panose="020B0502040204020203" pitchFamily="34" charset="-122"/>
+              </a:rPr>
+              <a:t>推進團隊開發速度</a:t>
+            </a:r>
+            <a:r>
+              <a:rPr lang="en-US" altLang="zh-TW" sz="1200" dirty="0">
+                <a:latin typeface="微软雅黑 Light" panose="020B0502040204020203" pitchFamily="34" charset="-122"/>
+                <a:ea typeface="微软雅黑 Light" panose="020B0502040204020203" pitchFamily="34" charset="-122"/>
+              </a:rPr>
+              <a:t>,</a:t>
+            </a:r>
+            <a:r>
+              <a:rPr lang="zh-TW" altLang="en-US" sz="1200" dirty="0">
+                <a:latin typeface="微软雅黑 Light" panose="020B0502040204020203" pitchFamily="34" charset="-122"/>
+                <a:ea typeface="微软雅黑 Light" panose="020B0502040204020203" pitchFamily="34" charset="-122"/>
+              </a:rPr>
+              <a:t>使係統穩定、高效</a:t>
+            </a:r>
+            <a:endParaRPr lang="zh-CN" altLang="en-US" sz="1200" dirty="0">
+              <a:latin typeface="微软雅黑 Light" panose="020B0502040204020203" pitchFamily="34" charset="-122"/>
+              <a:ea typeface="微软雅黑 Light" panose="020B0502040204020203" pitchFamily="34" charset="-122"/>
+            </a:endParaRPr>
+          </a:p>
+        </p:txBody>
+      </p:sp>
+      <p:pic>
+        <p:nvPicPr>
+          <p:cNvPr id="54" name="图片 53"/>
+          <p:cNvPicPr>
+            <a:picLocks noChangeAspect="1"/>
+          </p:cNvPicPr>
+          <p:nvPr/>
+        </p:nvPicPr>
+        <p:blipFill>
+          <a:blip r:embed="rId3">
+            <a:extLst>
+              <a:ext uri="{28A0092B-C50C-407E-A947-70E740481C1C}">
+                <a14:useLocalDpi xmlns:a14="http://schemas.microsoft.com/office/drawing/2010/main" val="0"/>
+              </a:ext>
+            </a:extLst>
+          </a:blip>
+          <a:stretch>
+            <a:fillRect/>
+          </a:stretch>
+        </p:blipFill>
+        <p:spPr>
+          <a:xfrm>
+            <a:off x="319933" y="2501075"/>
+            <a:ext cx="391396" cy="391396"/>
+          </a:xfrm>
+          <a:prstGeom prst="rect">
+            <a:avLst/>
+          </a:prstGeom>
+        </p:spPr>
+      </p:pic>
+      <p:pic>
+        <p:nvPicPr>
+          <p:cNvPr id="56" name="图片 55"/>
+          <p:cNvPicPr>
+            <a:picLocks noChangeAspect="1"/>
+          </p:cNvPicPr>
+          <p:nvPr/>
+        </p:nvPicPr>
+        <p:blipFill>
+          <a:blip r:embed="rId3">
+            <a:extLst>
+              <a:ext uri="{28A0092B-C50C-407E-A947-70E740481C1C}">
+                <a14:useLocalDpi xmlns:a14="http://schemas.microsoft.com/office/drawing/2010/main" val="0"/>
+              </a:ext>
+            </a:extLst>
+          </a:blip>
+          <a:stretch>
+            <a:fillRect/>
+          </a:stretch>
+        </p:blipFill>
+        <p:spPr>
+          <a:xfrm>
+            <a:off x="338155" y="3497277"/>
+            <a:ext cx="403966" cy="403966"/>
+          </a:xfrm>
+          <a:prstGeom prst="rect">
+            <a:avLst/>
+          </a:prstGeom>
+        </p:spPr>
+      </p:pic>
+      <p:cxnSp>
+        <p:nvCxnSpPr>
+          <p:cNvPr id="57" name="直接连接符 56"/>
+          <p:cNvCxnSpPr/>
+          <p:nvPr/>
+        </p:nvCxnSpPr>
+        <p:spPr>
+          <a:xfrm>
+            <a:off x="213675" y="4288266"/>
+            <a:ext cx="5303346" cy="0"/>
+          </a:xfrm>
+          <a:prstGeom prst="line">
+            <a:avLst/>
+          </a:prstGeom>
+          <a:ln/>
+        </p:spPr>
+        <p:style>
+          <a:lnRef idx="1">
+            <a:schemeClr val="dk1"/>
+          </a:lnRef>
+          <a:fillRef idx="0">
+            <a:schemeClr val="dk1"/>
+          </a:fillRef>
+          <a:effectRef idx="0">
+            <a:schemeClr val="dk1"/>
+          </a:effectRef>
+          <a:fontRef idx="minor">
+            <a:schemeClr val="tx1"/>
+          </a:fontRef>
+        </p:style>
+      </p:cxnSp>
+      <p:cxnSp>
+        <p:nvCxnSpPr>
+          <p:cNvPr id="58" name="直接连接符 57"/>
+          <p:cNvCxnSpPr/>
+          <p:nvPr/>
+        </p:nvCxnSpPr>
+        <p:spPr>
+          <a:xfrm>
+            <a:off x="265907" y="5439386"/>
+            <a:ext cx="5303346" cy="0"/>
+          </a:xfrm>
+          <a:prstGeom prst="line">
+            <a:avLst/>
+          </a:prstGeom>
+          <a:ln/>
+        </p:spPr>
+        <p:style>
+          <a:lnRef idx="1">
+            <a:schemeClr val="dk1"/>
+          </a:lnRef>
+          <a:fillRef idx="0">
+            <a:schemeClr val="dk1"/>
+          </a:fillRef>
+          <a:effectRef idx="0">
+            <a:schemeClr val="dk1"/>
+          </a:effectRef>
+          <a:fontRef idx="minor">
+            <a:schemeClr val="tx1"/>
+          </a:fontRef>
+        </p:style>
+      </p:cxnSp>
+      <p:sp>
+        <p:nvSpPr>
+          <p:cNvPr id="59" name="文本框 58"/>
+          <p:cNvSpPr txBox="1"/>
+          <p:nvPr/>
+        </p:nvSpPr>
+        <p:spPr>
+          <a:xfrm>
+            <a:off x="813334" y="3329928"/>
+            <a:ext cx="4729411" cy="738664"/>
+          </a:xfrm>
+          <a:prstGeom prst="rect">
+            <a:avLst/>
+          </a:prstGeom>
+          <a:noFill/>
+        </p:spPr>
+        <p:txBody>
+          <a:bodyPr wrap="square" rtlCol="0">
+            <a:spAutoFit/>
+          </a:bodyPr>
+          <a:lstStyle/>
+          <a:p>
+            <a:r>
+              <a:rPr lang="zh-CN" altLang="en-US" sz="1400" b="1" dirty="0">
+                <a:latin typeface="微软雅黑" panose="020B0503020204020204" pitchFamily="34" charset="-122"/>
+                <a:ea typeface="微软雅黑" panose="020B0503020204020204" pitchFamily="34" charset="-122"/>
+              </a:rPr>
+              <a:t>框架開發</a:t>
+            </a:r>
+            <a:endParaRPr lang="en-US" altLang="zh-CN" sz="1400" b="1" dirty="0">
+              <a:latin typeface="微软雅黑" panose="020B0503020204020204" pitchFamily="34" charset="-122"/>
+              <a:ea typeface="微软雅黑" panose="020B0503020204020204" pitchFamily="34" charset="-122"/>
+            </a:endParaRPr>
           </a:p>
           <a:p>
             <a:r>
               <a:rPr lang="zh-CN" altLang="en-US" sz="1400" dirty="0">
-                <a:sym typeface="+mn-ea"/>
-              </a:rPr>
-              <a:t>打破現在系統封閉的現狀</a:t>
-            </a:r>
-            <a:r>
-              <a:rPr lang="en-US" altLang="zh-CN" sz="1400" dirty="0" smtClean="0">
-                <a:sym typeface="+mn-ea"/>
+                <a:latin typeface="微软雅黑 Light" panose="020B0502040204020203" pitchFamily="34" charset="-122"/>
+                <a:ea typeface="微软雅黑 Light" panose="020B0502040204020203" pitchFamily="34" charset="-122"/>
+              </a:rPr>
+              <a:t>熟悉</a:t>
+            </a:r>
+            <a:r>
+              <a:rPr lang="en-US" altLang="zh-CN" sz="1400" dirty="0">
+                <a:latin typeface="微软雅黑 Light" panose="020B0502040204020203" pitchFamily="34" charset="-122"/>
+                <a:ea typeface="微软雅黑 Light" panose="020B0502040204020203" pitchFamily="34" charset="-122"/>
+              </a:rPr>
+              <a:t>C#/.NET </a:t>
+            </a:r>
+            <a:r>
+              <a:rPr lang="zh-CN" altLang="en-US" sz="1400" dirty="0">
+                <a:latin typeface="微软雅黑 Light" panose="020B0502040204020203" pitchFamily="34" charset="-122"/>
+                <a:ea typeface="微软雅黑 Light" panose="020B0502040204020203" pitchFamily="34" charset="-122"/>
+              </a:rPr>
+              <a:t>、</a:t>
+            </a:r>
+            <a:r>
+              <a:rPr lang="en-US" altLang="zh-CN" sz="1400" dirty="0">
+                <a:latin typeface="微软雅黑 Light" panose="020B0502040204020203" pitchFamily="34" charset="-122"/>
+                <a:ea typeface="微软雅黑 Light" panose="020B0502040204020203" pitchFamily="34" charset="-122"/>
+              </a:rPr>
+              <a:t>Java</a:t>
+            </a:r>
+            <a:r>
+              <a:rPr lang="zh-CN" altLang="en-US" sz="1400" dirty="0">
+                <a:latin typeface="微软雅黑 Light" panose="020B0502040204020203" pitchFamily="34" charset="-122"/>
+                <a:ea typeface="微软雅黑 Light" panose="020B0502040204020203" pitchFamily="34" charset="-122"/>
+              </a:rPr>
+              <a:t>技術棧高級特性</a:t>
+            </a:r>
+            <a:r>
+              <a:rPr lang="en-US" altLang="zh-CN" sz="1400" dirty="0">
+                <a:latin typeface="微软雅黑 Light" panose="020B0502040204020203" pitchFamily="34" charset="-122"/>
+                <a:ea typeface="微软雅黑 Light" panose="020B0502040204020203" pitchFamily="34" charset="-122"/>
               </a:rPr>
               <a:t>,</a:t>
             </a:r>
             <a:r>
-              <a:rPr lang="zh-CN" altLang="en-US" sz="1400" dirty="0" smtClean="0">
-                <a:sym typeface="+mn-ea"/>
-              </a:rPr>
-              <a:t>將各個程序、模塊改造為開放形態架構</a:t>
-            </a:r>
-            <a:r>
-              <a:rPr lang="en-US" altLang="zh-CN" sz="1400" dirty="0" smtClean="0">
-                <a:sym typeface="+mn-ea"/>
-              </a:rPr>
-              <a:t>,</a:t>
-            </a:r>
-            <a:r>
-              <a:rPr lang="zh-CN" altLang="en-US" sz="1400" dirty="0" smtClean="0">
-                <a:sym typeface="+mn-ea"/>
-              </a:rPr>
-              <a:t>讓數據串聯變得簡單、讓開發速度更快</a:t>
-            </a:r>
-            <a:endParaRPr lang="en-US" altLang="zh-CN" sz="1400" dirty="0" smtClean="0">
-              <a:sym typeface="+mn-ea"/>
+              <a:rPr lang="zh-CN" altLang="en-US" sz="1400" dirty="0">
+                <a:latin typeface="微软雅黑 Light" panose="020B0502040204020203" pitchFamily="34" charset="-122"/>
+                <a:ea typeface="微软雅黑 Light" panose="020B0502040204020203" pitchFamily="34" charset="-122"/>
+              </a:rPr>
+              <a:t>可封裝整個團隊通用的框架</a:t>
+            </a:r>
+            <a:endParaRPr lang="en-US" altLang="zh-CN" sz="1400" dirty="0">
+              <a:latin typeface="微软雅黑 Light" panose="020B0502040204020203" pitchFamily="34" charset="-122"/>
+              <a:ea typeface="微软雅黑 Light" panose="020B0502040204020203" pitchFamily="34" charset="-122"/>
             </a:endParaRPr>
           </a:p>
-          <a:p>
-            <a:endParaRPr lang="en-US" altLang="zh-CN" sz="1400" dirty="0" smtClean="0"/>
-          </a:p>
-          <a:p>
-            <a:r>
-              <a:rPr lang="zh-CN" altLang="en-US" sz="1400" dirty="0">
-                <a:sym typeface="+mn-ea"/>
-              </a:rPr>
-              <a:t>設計平穩、循序漸進的重構方案</a:t>
-            </a:r>
-            <a:r>
-              <a:rPr lang="en-US" altLang="zh-CN" sz="1400" dirty="0">
-                <a:sym typeface="+mn-ea"/>
-              </a:rPr>
-              <a:t>,</a:t>
-            </a:r>
-            <a:r>
-              <a:rPr lang="zh-CN" altLang="en-US" sz="1400" dirty="0">
-                <a:sym typeface="+mn-ea"/>
-              </a:rPr>
-              <a:t>設計標準接口方案</a:t>
-            </a:r>
-            <a:r>
-              <a:rPr lang="en-US" altLang="zh-CN" sz="1400" dirty="0">
-                <a:sym typeface="+mn-ea"/>
-              </a:rPr>
-              <a:t>,</a:t>
-            </a:r>
-            <a:r>
-              <a:rPr lang="zh-CN" altLang="en-US" sz="1400" dirty="0">
-                <a:sym typeface="+mn-ea"/>
-              </a:rPr>
-              <a:t>在不影響現有功能的前提下</a:t>
-            </a:r>
-            <a:r>
-              <a:rPr lang="en-US" altLang="zh-CN" sz="1400" dirty="0">
-                <a:sym typeface="+mn-ea"/>
-              </a:rPr>
-              <a:t>,</a:t>
-            </a:r>
-            <a:r>
-              <a:rPr lang="zh-CN" altLang="en-US" sz="1400" dirty="0">
-                <a:sym typeface="+mn-ea"/>
-              </a:rPr>
-              <a:t>基於前面的</a:t>
-            </a:r>
-            <a:r>
-              <a:rPr lang="en-US" altLang="zh-CN" sz="1400" dirty="0">
-                <a:sym typeface="+mn-ea"/>
-              </a:rPr>
-              <a:t>.NET </a:t>
-            </a:r>
-            <a:r>
-              <a:rPr lang="zh-CN" altLang="en-US" sz="1400" dirty="0">
-                <a:sym typeface="+mn-ea"/>
-              </a:rPr>
-              <a:t>開發引擎、產品攔截平台</a:t>
-            </a:r>
-            <a:r>
-              <a:rPr lang="en-US" altLang="zh-CN" sz="1400" dirty="0" smtClean="0">
-                <a:sym typeface="+mn-ea"/>
-              </a:rPr>
-              <a:t>,</a:t>
-            </a:r>
-            <a:r>
-              <a:rPr lang="zh-CN" altLang="en-US" sz="1400" dirty="0" smtClean="0">
-                <a:sym typeface="+mn-ea"/>
-              </a:rPr>
-              <a:t>將</a:t>
-            </a:r>
-            <a:r>
-              <a:rPr lang="zh-CN" altLang="en-US" sz="1400" dirty="0">
-                <a:sym typeface="+mn-ea"/>
-              </a:rPr>
-              <a:t>單體桌面端架構改為</a:t>
-            </a:r>
-            <a:r>
-              <a:rPr lang="en-US" altLang="zh-CN" sz="1400" dirty="0">
-                <a:sym typeface="+mn-ea"/>
-              </a:rPr>
-              <a:t>C/S</a:t>
-            </a:r>
-            <a:r>
-              <a:rPr lang="zh-CN" altLang="en-US" sz="1400" dirty="0">
-                <a:sym typeface="+mn-ea"/>
-              </a:rPr>
-              <a:t>架構</a:t>
-            </a:r>
-            <a:r>
-              <a:rPr lang="en-US" altLang="zh-CN" sz="1400" dirty="0">
-                <a:sym typeface="+mn-ea"/>
-              </a:rPr>
-              <a:t>,</a:t>
-            </a:r>
-            <a:r>
-              <a:rPr lang="zh-CN" altLang="en-US" sz="1400" dirty="0">
-                <a:sym typeface="+mn-ea"/>
-              </a:rPr>
-              <a:t>將單體</a:t>
-            </a:r>
-            <a:r>
-              <a:rPr lang="en-US" altLang="zh-CN" sz="1400" dirty="0">
-                <a:sym typeface="+mn-ea"/>
-              </a:rPr>
-              <a:t>web</a:t>
-            </a:r>
-            <a:r>
-              <a:rPr lang="zh-CN" altLang="en-US" sz="1400" dirty="0">
-                <a:sym typeface="+mn-ea"/>
-              </a:rPr>
-              <a:t>應用</a:t>
-            </a:r>
-            <a:r>
-              <a:rPr lang="en-US" altLang="zh-CN" sz="1400" dirty="0">
-                <a:sym typeface="+mn-ea"/>
-              </a:rPr>
-              <a:t>,</a:t>
-            </a:r>
-            <a:r>
-              <a:rPr lang="zh-CN" altLang="en-US" sz="1400" dirty="0">
-                <a:sym typeface="+mn-ea"/>
-              </a:rPr>
-              <a:t>改為前後端分離架構</a:t>
-            </a:r>
-            <a:r>
-              <a:rPr lang="en-US" altLang="zh-CN" sz="1400" dirty="0">
-                <a:sym typeface="+mn-ea"/>
-              </a:rPr>
-              <a:t>,</a:t>
-            </a:r>
-            <a:r>
-              <a:rPr lang="zh-CN" altLang="en-US" sz="1400" dirty="0">
-                <a:sym typeface="+mn-ea"/>
-              </a:rPr>
-              <a:t> 開放後端</a:t>
-            </a:r>
-            <a:r>
-              <a:rPr lang="en-US" altLang="zh-CN" sz="1400" dirty="0" smtClean="0">
-                <a:sym typeface="+mn-ea"/>
-              </a:rPr>
-              <a:t>API</a:t>
-            </a:r>
-            <a:endParaRPr lang="en-US" altLang="zh-CN" sz="1400" dirty="0">
-              <a:sym typeface="+mn-ea"/>
+        </p:txBody>
+      </p:sp>
+    </p:spTree>
+    <p:extLst>
+      <p:ext uri="{BB962C8B-B14F-4D97-AF65-F5344CB8AC3E}">
+        <p14:creationId xmlns:p14="http://schemas.microsoft.com/office/powerpoint/2010/main" val="1605343788"/>
+      </p:ext>
+    </p:extLst>
+  </p:cSld>
+  <p:clrMapOvr>
+    <a:masterClrMapping/>
+  </p:clrMapOvr>
+  <p:timing>
+    <p:tnLst>
+      <p:par>
+        <p:cTn id="1" dur="indefinite" restart="never" nodeType="tmRoot"/>
+      </p:par>
+    </p:tnLst>
+  </p:timing>
+</p:sld>
+</file>
+
+<file path=ppt/slides/slide7.xml><?xml version="1.0" encoding="utf-8"?>
+<p:sld xmlns:a="http://schemas.openxmlformats.org/drawingml/2006/main" xmlns:r="http://schemas.openxmlformats.org/officeDocument/2006/relationships" xmlns:p="http://schemas.openxmlformats.org/presentationml/2006/main">
+  <p:cSld>
+    <p:spTree>
+      <p:nvGrpSpPr>
+        <p:cNvPr id="1" name=""/>
+        <p:cNvGrpSpPr/>
+        <p:nvPr/>
+      </p:nvGrpSpPr>
+      <p:grpSpPr>
+        <a:xfrm>
+          <a:off x="0" y="0"/>
+          <a:ext cx="0" cy="0"/>
+          <a:chOff x="0" y="0"/>
+          <a:chExt cx="0" cy="0"/>
+        </a:xfrm>
+      </p:grpSpPr>
+      <p:sp>
+        <p:nvSpPr>
+          <p:cNvPr id="25" name="文本框 24"/>
+          <p:cNvSpPr txBox="1"/>
+          <p:nvPr/>
+        </p:nvSpPr>
+        <p:spPr>
+          <a:xfrm>
+            <a:off x="743275" y="108732"/>
+            <a:ext cx="2924198" cy="492443"/>
+          </a:xfrm>
+          <a:prstGeom prst="rect">
+            <a:avLst/>
+          </a:prstGeom>
+          <a:noFill/>
+        </p:spPr>
+        <p:txBody>
+          <a:bodyPr wrap="none" rtlCol="0">
+            <a:spAutoFit/>
+          </a:bodyPr>
+          <a:lstStyle/>
+          <a:p>
+            <a:r>
+              <a:rPr kumimoji="1" lang="en-US" altLang="zh-CN" sz="2600" b="1" dirty="0">
+                <a:latin typeface="微软雅黑" panose="020B0503020204020204" pitchFamily="34" charset="-122"/>
+                <a:ea typeface="微软雅黑" panose="020B0503020204020204" pitchFamily="34" charset="-122"/>
+              </a:rPr>
+              <a:t>J0080793-</a:t>
+            </a:r>
+            <a:r>
+              <a:rPr kumimoji="1" lang="zh-CN" altLang="en-US" sz="2600" b="1" dirty="0">
+                <a:latin typeface="微软雅黑" panose="020B0503020204020204" pitchFamily="34" charset="-122"/>
+                <a:ea typeface="微软雅黑" panose="020B0503020204020204" pitchFamily="34" charset="-122"/>
+              </a:rPr>
+              <a:t>季晨</a:t>
+            </a:r>
+            <a:r>
+              <a:rPr kumimoji="1" lang="zh-CN" altLang="en-US" sz="2600" b="1" dirty="0" smtClean="0">
+                <a:latin typeface="微软雅黑" panose="020B0503020204020204" pitchFamily="34" charset="-122"/>
+                <a:ea typeface="微软雅黑" panose="020B0503020204020204" pitchFamily="34" charset="-122"/>
+              </a:rPr>
+              <a:t>浩</a:t>
+            </a:r>
+            <a:endParaRPr kumimoji="1" lang="zh-CN" altLang="en-US" sz="2600" b="1" dirty="0">
+              <a:latin typeface="微软雅黑" panose="020B0503020204020204" pitchFamily="34" charset="-122"/>
+              <a:ea typeface="微软雅黑" panose="020B0503020204020204" pitchFamily="34" charset="-122"/>
             </a:endParaRPr>
-          </a:p>
-          <a:p>
-            <a:endParaRPr lang="en-US" altLang="zh-CN" sz="1400" dirty="0"/>
-          </a:p>
-          <a:p>
-            <a:r>
-              <a:rPr lang="zh-CN" altLang="en-US" sz="1400" dirty="0" smtClean="0"/>
-              <a:t>在</a:t>
-            </a:r>
-            <a:r>
-              <a:rPr lang="zh-CN" altLang="en-US" sz="1400" dirty="0"/>
-              <a:t>現在</a:t>
-            </a:r>
-            <a:r>
-              <a:rPr lang="en-US" altLang="zh-CN" sz="1400" dirty="0"/>
-              <a:t>AI</a:t>
-            </a:r>
-            <a:r>
-              <a:rPr lang="zh-CN" altLang="en-US" sz="1400" dirty="0"/>
-              <a:t>的浪潮下通過</a:t>
-            </a:r>
-            <a:r>
-              <a:rPr lang="en-US" altLang="zh-CN" sz="1400" dirty="0"/>
-              <a:t>n8n,dify</a:t>
-            </a:r>
-            <a:r>
-              <a:rPr lang="zh-CN" altLang="en-US" sz="1400" dirty="0"/>
-              <a:t>等類似工具</a:t>
-            </a:r>
-            <a:r>
-              <a:rPr lang="en-US" altLang="zh-CN" sz="1400" dirty="0"/>
-              <a:t>,</a:t>
-            </a:r>
-            <a:r>
-              <a:rPr lang="zh-CN" altLang="en-US" sz="1400" dirty="0"/>
-              <a:t>可反轉現有的開發模式</a:t>
-            </a:r>
-            <a:r>
-              <a:rPr lang="en-US" altLang="zh-CN" sz="1400" dirty="0"/>
-              <a:t>,</a:t>
-            </a:r>
-            <a:r>
-              <a:rPr lang="zh-CN" altLang="en-US" sz="1400" dirty="0"/>
-              <a:t>讓應用層面的功能由用戶基於開放</a:t>
-            </a:r>
-            <a:r>
-              <a:rPr lang="en-US" altLang="zh-CN" sz="1400" dirty="0"/>
-              <a:t>API</a:t>
-            </a:r>
-            <a:r>
-              <a:rPr lang="zh-CN" altLang="en-US" sz="1400" dirty="0"/>
-              <a:t>進行組織</a:t>
-            </a:r>
-            <a:r>
-              <a:rPr lang="en-US" altLang="zh-CN" sz="1400" dirty="0"/>
-              <a:t>,</a:t>
-            </a:r>
-            <a:r>
-              <a:rPr lang="zh-CN" altLang="en-US" sz="1400" dirty="0"/>
-              <a:t>而不是由開發人員開發</a:t>
-            </a:r>
-            <a:r>
-              <a:rPr lang="en-US" altLang="zh-CN" sz="1400" dirty="0"/>
-              <a:t>,</a:t>
-            </a:r>
-            <a:r>
-              <a:rPr lang="zh-CN" altLang="en-US" sz="1400" dirty="0"/>
-              <a:t>開發人員專注於開發底層功能</a:t>
-            </a:r>
-            <a:r>
-              <a:rPr lang="en-US" altLang="zh-CN" sz="1400" dirty="0"/>
-              <a:t>,</a:t>
-            </a:r>
-            <a:r>
-              <a:rPr lang="zh-CN" altLang="en-US" sz="1400" dirty="0"/>
-              <a:t>以釋放更加多的開放人員專注於</a:t>
-            </a:r>
-            <a:r>
-              <a:rPr lang="en-US" altLang="zh-CN" sz="1400" dirty="0"/>
-              <a:t>AI</a:t>
-            </a:r>
-            <a:r>
-              <a:rPr lang="zh-CN" altLang="en-US" sz="1400" dirty="0"/>
-              <a:t>、大數據、物聯網等領域的開發工作</a:t>
-            </a:r>
-            <a:r>
-              <a:rPr lang="en-US" altLang="zh-CN" sz="1400" dirty="0"/>
-              <a:t>,</a:t>
-            </a:r>
-            <a:r>
-              <a:rPr lang="zh-CN" altLang="en-US" sz="1400" dirty="0"/>
-              <a:t>幫助公司加快全面智能化的腳步</a:t>
-            </a:r>
-          </a:p>
-          <a:p>
-            <a:endParaRPr lang="zh-CN" altLang="en-US" sz="1400" dirty="0"/>
-          </a:p>
-          <a:p>
-            <a:r>
-              <a:rPr lang="en-US" altLang="zh-CN" sz="1400" dirty="0">
-                <a:sym typeface="+mn-ea"/>
-              </a:rPr>
-              <a:t>3.</a:t>
-            </a:r>
-            <a:r>
-              <a:rPr lang="zh-CN" altLang="en-US" sz="1400" dirty="0">
-                <a:sym typeface="+mn-ea"/>
-              </a:rPr>
-              <a:t>生產製造系統及網絡通信架構優化設計</a:t>
-            </a:r>
-            <a:r>
-              <a:rPr lang="en-US" altLang="zh-CN" sz="1400" dirty="0">
-                <a:sym typeface="+mn-ea"/>
-              </a:rPr>
-              <a:t>,</a:t>
-            </a:r>
-            <a:r>
-              <a:rPr lang="zh-CN" altLang="en-US" sz="1400" dirty="0">
-                <a:sym typeface="+mn-ea"/>
-              </a:rPr>
-              <a:t>提升系統整體的穩定性、效率、開發速度、可維護性等方面</a:t>
-            </a:r>
-          </a:p>
-          <a:p>
-            <a:endParaRPr lang="zh-CN" altLang="en-US" sz="1400" dirty="0">
-              <a:sym typeface="+mn-ea"/>
-            </a:endParaRPr>
-          </a:p>
-          <a:p>
-            <a:r>
-              <a:rPr lang="zh-CN" altLang="en-US" sz="1400" dirty="0">
-                <a:sym typeface="+mn-ea"/>
-              </a:rPr>
-              <a:t>通過上述的目標的達成</a:t>
-            </a:r>
-            <a:r>
-              <a:rPr lang="en-US" altLang="zh-CN" sz="1400" dirty="0">
-                <a:sym typeface="+mn-ea"/>
-              </a:rPr>
-              <a:t>,</a:t>
-            </a:r>
-            <a:r>
-              <a:rPr lang="zh-CN" altLang="en-US" sz="1400" dirty="0">
-                <a:sym typeface="+mn-ea"/>
-              </a:rPr>
-              <a:t>在現在</a:t>
-            </a:r>
-            <a:r>
-              <a:rPr lang="en-US" altLang="zh-CN" sz="1400" dirty="0">
-                <a:sym typeface="+mn-ea"/>
-              </a:rPr>
-              <a:t>AI</a:t>
-            </a:r>
-            <a:r>
-              <a:rPr lang="zh-CN" altLang="en-US" sz="1400" dirty="0">
-                <a:sym typeface="+mn-ea"/>
-              </a:rPr>
-              <a:t>的浪潮下</a:t>
-            </a:r>
-            <a:r>
-              <a:rPr lang="en-US" altLang="zh-CN" sz="1400" dirty="0">
-                <a:sym typeface="+mn-ea"/>
-              </a:rPr>
-              <a:t>,</a:t>
-            </a:r>
-            <a:r>
-              <a:rPr lang="zh-CN" altLang="en-US" sz="1400" dirty="0">
-                <a:sym typeface="+mn-ea"/>
-              </a:rPr>
-              <a:t>通過</a:t>
-            </a:r>
-            <a:r>
-              <a:rPr lang="en-US" altLang="zh-CN" sz="1400" dirty="0">
-                <a:sym typeface="+mn-ea"/>
-              </a:rPr>
-              <a:t>n8n,dify</a:t>
-            </a:r>
-            <a:r>
-              <a:rPr lang="zh-CN" altLang="en-US" sz="1400" dirty="0">
-                <a:sym typeface="+mn-ea"/>
-              </a:rPr>
-              <a:t>等類似工具</a:t>
-            </a:r>
-            <a:r>
-              <a:rPr lang="en-US" altLang="zh-CN" sz="1400" dirty="0">
-                <a:sym typeface="+mn-ea"/>
-              </a:rPr>
-              <a:t>,</a:t>
-            </a:r>
-            <a:r>
-              <a:rPr lang="zh-CN" altLang="en-US" sz="1400" dirty="0">
-                <a:sym typeface="+mn-ea"/>
-              </a:rPr>
-              <a:t>可反轉現有的開發模式</a:t>
-            </a:r>
-            <a:r>
-              <a:rPr lang="en-US" altLang="zh-CN" sz="1400" dirty="0">
-                <a:sym typeface="+mn-ea"/>
-              </a:rPr>
-              <a:t>,</a:t>
-            </a:r>
-            <a:r>
-              <a:rPr lang="zh-CN" altLang="en-US" sz="1400" dirty="0">
-                <a:sym typeface="+mn-ea"/>
-              </a:rPr>
-              <a:t>讓應用層面的功能由用戶基於開放</a:t>
-            </a:r>
-            <a:r>
-              <a:rPr lang="en-US" altLang="zh-CN" sz="1400" dirty="0">
-                <a:sym typeface="+mn-ea"/>
-              </a:rPr>
-              <a:t>API</a:t>
-            </a:r>
-            <a:r>
-              <a:rPr lang="zh-CN" altLang="en-US" sz="1400" dirty="0">
-                <a:sym typeface="+mn-ea"/>
-              </a:rPr>
-              <a:t>進行組織</a:t>
-            </a:r>
-            <a:r>
-              <a:rPr lang="en-US" altLang="zh-CN" sz="1400" dirty="0">
-                <a:sym typeface="+mn-ea"/>
-              </a:rPr>
-              <a:t>,</a:t>
-            </a:r>
-            <a:r>
-              <a:rPr lang="zh-CN" altLang="en-US" sz="1400" dirty="0">
-                <a:sym typeface="+mn-ea"/>
-              </a:rPr>
-              <a:t>而不是由開發人員開發</a:t>
-            </a:r>
-            <a:r>
-              <a:rPr lang="en-US" altLang="zh-CN" sz="1400" dirty="0">
-                <a:sym typeface="+mn-ea"/>
-              </a:rPr>
-              <a:t>,</a:t>
-            </a:r>
-            <a:r>
-              <a:rPr lang="zh-CN" altLang="en-US" sz="1400" dirty="0">
-                <a:sym typeface="+mn-ea"/>
-              </a:rPr>
-              <a:t>開發人員專注於開發底層功能</a:t>
-            </a:r>
-            <a:r>
-              <a:rPr lang="en-US" altLang="zh-CN" sz="1400" dirty="0">
-                <a:sym typeface="+mn-ea"/>
-              </a:rPr>
-              <a:t>,</a:t>
-            </a:r>
-            <a:r>
-              <a:rPr lang="zh-CN" altLang="en-US" sz="1400" dirty="0">
-                <a:sym typeface="+mn-ea"/>
-              </a:rPr>
-              <a:t>以釋放更加多的開放人員專注於</a:t>
-            </a:r>
-            <a:r>
-              <a:rPr lang="en-US" altLang="zh-CN" sz="1400" dirty="0">
-                <a:sym typeface="+mn-ea"/>
-              </a:rPr>
-              <a:t>AI</a:t>
-            </a:r>
-            <a:r>
-              <a:rPr lang="zh-CN" altLang="en-US" sz="1400" dirty="0">
-                <a:sym typeface="+mn-ea"/>
-              </a:rPr>
-              <a:t>、大數據、物聯網等領域的開發工作</a:t>
-            </a:r>
-            <a:r>
-              <a:rPr lang="en-US" altLang="zh-CN" sz="1400" dirty="0">
-                <a:sym typeface="+mn-ea"/>
-              </a:rPr>
-              <a:t>,</a:t>
-            </a:r>
-            <a:r>
-              <a:rPr lang="zh-CN" altLang="en-US" sz="1400" dirty="0">
-                <a:sym typeface="+mn-ea"/>
-              </a:rPr>
-              <a:t>幫助公司加快全面智能化的腳步</a:t>
-            </a:r>
-            <a:endParaRPr lang="zh-CN" altLang="en-US" sz="1400" dirty="0"/>
-          </a:p>
-          <a:p>
-            <a:endParaRPr lang="zh-CN" altLang="en-US" sz="1400" dirty="0"/>
           </a:p>
         </p:txBody>
       </p:sp>
@@ -11210,8 +11334,8 @@
         </p:nvSpPr>
         <p:spPr>
           <a:xfrm>
-            <a:off x="374975" y="827332"/>
-            <a:ext cx="10414344" cy="307777"/>
+            <a:off x="173374" y="979171"/>
+            <a:ext cx="4064000" cy="2308324"/>
           </a:xfrm>
           <a:prstGeom prst="rect">
             <a:avLst/>
@@ -11225,45 +11349,217 @@
           <a:lstStyle/>
           <a:p>
             <a:r>
-              <a:rPr lang="zh-CN" altLang="en-US" sz="1400" dirty="0">
-                <a:latin typeface="微软雅黑" panose="020B0503020204020204" pitchFamily="34" charset="-122"/>
-                <a:ea typeface="微软雅黑" panose="020B0503020204020204" pitchFamily="34" charset="-122"/>
-                <a:sym typeface="+mn-ea"/>
-              </a:rPr>
-              <a:t>隨</a:t>
-            </a:r>
-            <a:r>
-              <a:rPr lang="zh-CN" altLang="en-US" sz="1400" dirty="0" smtClean="0">
-                <a:latin typeface="微软雅黑" panose="020B0503020204020204" pitchFamily="34" charset="-122"/>
-                <a:ea typeface="微软雅黑" panose="020B0503020204020204" pitchFamily="34" charset="-122"/>
-                <a:sym typeface="+mn-ea"/>
-              </a:rPr>
-              <a:t>著技術的發展和</a:t>
-            </a:r>
-            <a:r>
-              <a:rPr lang="en-US" altLang="zh-CN" sz="1400" dirty="0" smtClean="0">
-                <a:latin typeface="微软雅黑" panose="020B0503020204020204" pitchFamily="34" charset="-122"/>
-                <a:ea typeface="微软雅黑" panose="020B0503020204020204" pitchFamily="34" charset="-122"/>
-                <a:sym typeface="+mn-ea"/>
-              </a:rPr>
-              <a:t>AI</a:t>
-            </a:r>
-            <a:r>
-              <a:rPr lang="zh-CN" altLang="en-US" sz="1400" dirty="0" smtClean="0">
-                <a:latin typeface="微软雅黑" panose="020B0503020204020204" pitchFamily="34" charset="-122"/>
-                <a:ea typeface="微软雅黑" panose="020B0503020204020204" pitchFamily="34" charset="-122"/>
-                <a:sym typeface="+mn-ea"/>
-              </a:rPr>
-              <a:t>的發展、現在已經有更多的工具可以完成</a:t>
-            </a:r>
-            <a:endParaRPr lang="zh-CN" altLang="en-US" sz="1200" dirty="0">
-              <a:latin typeface="微软雅黑" panose="020B0503020204020204" pitchFamily="34" charset="-122"/>
-              <a:ea typeface="微软雅黑" panose="020B0503020204020204" pitchFamily="34" charset="-122"/>
-            </a:endParaRPr>
+              <a:rPr lang="en-US" altLang="zh-CN" dirty="0" smtClean="0"/>
+              <a:t>1.</a:t>
+            </a:r>
+            <a:r>
+              <a:rPr lang="zh-CN" altLang="en-US" dirty="0"/>
+              <a:t>掌握多種編程語言及技術棧、包括</a:t>
+            </a:r>
+            <a:r>
+              <a:rPr lang="en-US" altLang="zh-CN" dirty="0"/>
+              <a:t>C++</a:t>
+            </a:r>
+            <a:r>
+              <a:rPr lang="zh-CN" altLang="en-US" dirty="0"/>
+              <a:t>、</a:t>
+            </a:r>
+            <a:r>
+              <a:rPr lang="en-US" altLang="zh-CN" dirty="0"/>
+              <a:t>JavaScript</a:t>
+            </a:r>
+            <a:r>
+              <a:rPr lang="zh-CN" altLang="en-US" dirty="0"/>
+              <a:t>、</a:t>
+            </a:r>
+            <a:r>
+              <a:rPr lang="en-US" altLang="zh-CN" dirty="0"/>
+              <a:t>Java</a:t>
+            </a:r>
+            <a:r>
+              <a:rPr lang="zh-CN" altLang="en-US" dirty="0"/>
+              <a:t>、</a:t>
+            </a:r>
+            <a:r>
+              <a:rPr lang="en-US" altLang="zh-CN" dirty="0"/>
+              <a:t>C#</a:t>
+            </a:r>
+            <a:r>
+              <a:rPr lang="zh-CN" altLang="en-US" dirty="0"/>
+              <a:t>等、有底層高難度開發經驗</a:t>
+            </a:r>
+            <a:r>
+              <a:rPr lang="en-US" altLang="zh-CN" dirty="0"/>
+              <a:t>,</a:t>
+            </a:r>
+            <a:r>
+              <a:rPr lang="zh-CN" altLang="en-US" dirty="0"/>
+              <a:t>技</a:t>
+            </a:r>
+            <a:r>
+              <a:rPr lang="zh-CN" altLang="en-US" dirty="0" smtClean="0"/>
+              <a:t>術能力強</a:t>
+            </a:r>
+            <a:r>
+              <a:rPr lang="en-US" altLang="zh-CN" dirty="0"/>
+              <a:t>,</a:t>
+            </a:r>
+            <a:r>
+              <a:rPr lang="zh-CN" altLang="en-US" dirty="0"/>
+              <a:t>可高質量完成</a:t>
+            </a:r>
+            <a:r>
+              <a:rPr lang="zh-CN" altLang="en-US" dirty="0" smtClean="0"/>
+              <a:t>工作</a:t>
+            </a:r>
+            <a:endParaRPr lang="en-US" altLang="zh-CN" dirty="0" smtClean="0"/>
+          </a:p>
+          <a:p>
+            <a:r>
+              <a:rPr lang="en-US" altLang="zh-CN" dirty="0" smtClean="0"/>
+              <a:t>2.</a:t>
+            </a:r>
+            <a:r>
+              <a:rPr lang="zh-CN" altLang="en-US" dirty="0" smtClean="0"/>
+              <a:t>擅長系統架構、代碼重構、框架封裝</a:t>
+            </a:r>
+            <a:endParaRPr lang="zh-CN" altLang="en-US" dirty="0"/>
+          </a:p>
+          <a:p>
+            <a:r>
+              <a:rPr lang="en-US" altLang="zh-CN" dirty="0" smtClean="0"/>
+              <a:t>3.</a:t>
+            </a:r>
+            <a:r>
+              <a:rPr lang="zh-CN" altLang="en-US" dirty="0"/>
+              <a:t>工作主動性高、善於思考、具有創新挑戰精神、可打破常規主動發現工作中的問題並設計優雅的解決</a:t>
+            </a:r>
+            <a:r>
+              <a:rPr lang="zh-CN" altLang="en-US" dirty="0" smtClean="0"/>
+              <a:t>方案</a:t>
+            </a:r>
+            <a:endParaRPr lang="zh-CN" altLang="en-US" dirty="0"/>
+          </a:p>
+        </p:txBody>
+      </p:sp>
+      <p:sp>
+        <p:nvSpPr>
+          <p:cNvPr id="6" name="文本框 5"/>
+          <p:cNvSpPr txBox="1"/>
+          <p:nvPr/>
+        </p:nvSpPr>
+        <p:spPr>
+          <a:xfrm>
+            <a:off x="6917323" y="1868508"/>
+            <a:ext cx="4064000" cy="2031325"/>
+          </a:xfrm>
+          <a:prstGeom prst="rect">
+            <a:avLst/>
+          </a:prstGeom>
+          <a:noFill/>
+        </p:spPr>
+        <p:txBody>
+          <a:bodyPr wrap="square" rtlCol="0">
+            <a:spAutoFit/>
+          </a:bodyPr>
+          <a:lstStyle/>
+          <a:p>
+            <a:r>
+              <a:rPr lang="zh-CN" altLang="en-US" dirty="0" smtClean="0"/>
+              <a:t>近年成就</a:t>
+            </a:r>
+            <a:endParaRPr lang="en-US" altLang="zh-CN" dirty="0" smtClean="0"/>
+          </a:p>
+          <a:p>
+            <a:r>
+              <a:rPr lang="en-US" altLang="zh-CN" dirty="0" smtClean="0"/>
+              <a:t>1.SFC</a:t>
+            </a:r>
+            <a:r>
+              <a:rPr lang="zh-CN" altLang="en-US" dirty="0" smtClean="0"/>
+              <a:t>版本控制推動</a:t>
+            </a:r>
+            <a:endParaRPr lang="en-US" altLang="zh-CN" dirty="0" smtClean="0"/>
+          </a:p>
+          <a:p>
+            <a:r>
+              <a:rPr lang="en-US" altLang="zh-CN" dirty="0" smtClean="0"/>
+              <a:t>2.</a:t>
+            </a:r>
+            <a:r>
+              <a:rPr lang="zh-CN" altLang="en-US" dirty="0" smtClean="0"/>
+              <a:t>多語言框架開發</a:t>
+            </a:r>
+            <a:endParaRPr lang="en-US" altLang="zh-CN" dirty="0" smtClean="0"/>
+          </a:p>
+          <a:p>
+            <a:r>
+              <a:rPr lang="en-US" altLang="zh-CN" dirty="0" smtClean="0"/>
+              <a:t>2.</a:t>
+            </a:r>
+            <a:r>
+              <a:rPr lang="zh-CN" altLang="en-US" dirty="0" smtClean="0"/>
+              <a:t>生產製造系統通用框架開發</a:t>
+            </a:r>
+            <a:endParaRPr lang="en-US" altLang="zh-CN" dirty="0" smtClean="0"/>
+          </a:p>
+          <a:p>
+            <a:r>
+              <a:rPr lang="en-US" altLang="zh-CN" dirty="0"/>
+              <a:t>3</a:t>
+            </a:r>
+            <a:r>
+              <a:rPr lang="en-US" altLang="zh-CN" dirty="0" smtClean="0"/>
+              <a:t>.</a:t>
+            </a:r>
+            <a:r>
+              <a:rPr lang="zh-CN" altLang="en-US" dirty="0"/>
+              <a:t>物</a:t>
+            </a:r>
+            <a:r>
+              <a:rPr lang="zh-CN" altLang="en-US" dirty="0" smtClean="0"/>
+              <a:t>聯整合平台開發</a:t>
+            </a:r>
+            <a:endParaRPr lang="en-US" altLang="zh-CN" dirty="0" smtClean="0"/>
+          </a:p>
+          <a:p>
+            <a:r>
+              <a:rPr lang="en-US" altLang="zh-CN" dirty="0"/>
+              <a:t>4</a:t>
+            </a:r>
+            <a:r>
+              <a:rPr lang="en-US" altLang="zh-CN" dirty="0" smtClean="0"/>
+              <a:t>.</a:t>
+            </a:r>
+            <a:r>
+              <a:rPr lang="zh-CN" altLang="en-US" dirty="0" smtClean="0"/>
+              <a:t>自研電腦監控系統替代</a:t>
+            </a:r>
+            <a:r>
+              <a:rPr lang="en-US" altLang="zh-CN" dirty="0" err="1" smtClean="0"/>
+              <a:t>IPGuard</a:t>
+            </a:r>
+            <a:endParaRPr lang="en-US" altLang="zh-CN" dirty="0" smtClean="0"/>
+          </a:p>
+          <a:p>
+            <a:r>
+              <a:rPr lang="en-US" altLang="zh-CN" dirty="0" smtClean="0"/>
+              <a:t>5.</a:t>
+            </a:r>
+            <a:r>
+              <a:rPr lang="zh-CN" altLang="en-US" dirty="0" smtClean="0"/>
+              <a:t>資按數據分析</a:t>
+            </a:r>
+            <a:endParaRPr lang="zh-CN" altLang="en-US" dirty="0"/>
           </a:p>
         </p:txBody>
       </p:sp>
     </p:spTree>
+    <p:extLst>
+      <p:ext uri="{BB962C8B-B14F-4D97-AF65-F5344CB8AC3E}">
+        <p14:creationId xmlns:p14="http://schemas.microsoft.com/office/powerpoint/2010/main" val="3749659606"/>
+      </p:ext>
+    </p:extLst>
   </p:cSld>
   <p:clrMapOvr>
     <a:masterClrMapping/>

--- a/J0080793.pptx
+++ b/J0080793.pptx
@@ -9747,8 +9747,8 @@
         </p:nvSpPr>
         <p:spPr>
           <a:xfrm>
-            <a:off x="928822" y="1194831"/>
-            <a:ext cx="9692496" cy="521970"/>
+            <a:off x="929005" y="1195070"/>
+            <a:ext cx="10259060" cy="460375"/>
           </a:xfrm>
           <a:prstGeom prst="rect">
             <a:avLst/>
@@ -9762,7 +9762,7 @@
           <a:lstStyle/>
           <a:p>
             <a:r>
-              <a:rPr lang="zh-CN" altLang="en-US" sz="1400" dirty="0" smtClean="0">
+              <a:rPr lang="zh-CN" altLang="en-US" sz="1200" dirty="0" smtClean="0">
                 <a:latin typeface="微软雅黑" panose="020B0503020204020204" pitchFamily="34" charset="-122"/>
                 <a:ea typeface="微软雅黑" panose="020B0503020204020204" pitchFamily="34" charset="-122"/>
                 <a:sym typeface="+mn-ea"/>
@@ -9770,7 +9770,7 @@
               <a:t>隨著技術和</a:t>
             </a:r>
             <a:r>
-              <a:rPr lang="en-US" altLang="zh-CN" sz="1400" dirty="0" smtClean="0">
+              <a:rPr lang="en-US" altLang="zh-CN" sz="1200" dirty="0" smtClean="0">
                 <a:latin typeface="微软雅黑" panose="020B0503020204020204" pitchFamily="34" charset="-122"/>
                 <a:ea typeface="微软雅黑" panose="020B0503020204020204" pitchFamily="34" charset="-122"/>
                 <a:sym typeface="+mn-ea"/>
@@ -9778,7 +9778,7 @@
               <a:t>AI</a:t>
             </a:r>
             <a:r>
-              <a:rPr lang="zh-CN" altLang="en-US" sz="1400" dirty="0" smtClean="0">
+              <a:rPr lang="zh-CN" altLang="en-US" sz="1200" dirty="0" smtClean="0">
                 <a:latin typeface="微软雅黑" panose="020B0503020204020204" pitchFamily="34" charset="-122"/>
                 <a:ea typeface="微软雅黑" panose="020B0503020204020204" pitchFamily="34" charset="-122"/>
                 <a:sym typeface="+mn-ea"/>
@@ -9786,38 +9786,54 @@
               <a:t>的不斷發展</a:t>
             </a:r>
             <a:r>
-              <a:rPr lang="en-US" altLang="zh-CN" sz="1400" dirty="0" smtClean="0">
-                <a:latin typeface="微软雅黑" panose="020B0503020204020204" pitchFamily="34" charset="-122"/>
-                <a:ea typeface="微软雅黑" panose="020B0503020204020204" pitchFamily="34" charset="-122"/>
-                <a:sym typeface="+mn-ea"/>
-              </a:rPr>
-              <a:t>,</a:t>
-            </a:r>
-            <a:r>
-              <a:rPr lang="zh-CN" altLang="en-US" sz="1400" dirty="0" smtClean="0">
-                <a:latin typeface="微软雅黑" panose="020B0503020204020204" pitchFamily="34" charset="-122"/>
-                <a:ea typeface="微软雅黑" panose="020B0503020204020204" pitchFamily="34" charset="-122"/>
-                <a:sym typeface="+mn-ea"/>
-              </a:rPr>
-              <a:t>個人認為團隊系統架構和開發模式也需要</a:t>
-            </a:r>
-            <a:r>
-              <a:rPr lang="zh-CN" altLang="en-US" sz="1400" dirty="0" smtClean="0">
-                <a:latin typeface="微软雅黑" panose="020B0503020204020204" pitchFamily="34" charset="-122"/>
-                <a:ea typeface="微软雅黑" panose="020B0503020204020204" pitchFamily="34" charset="-122"/>
-                <a:sym typeface="+mn-ea"/>
-              </a:rPr>
-              <a:t>隨之進行優化</a:t>
-            </a:r>
-            <a:r>
-              <a:rPr lang="zh-CN" altLang="en-US" sz="1400" dirty="0" smtClean="0">
-                <a:latin typeface="微软雅黑" panose="020B0503020204020204" pitchFamily="34" charset="-122"/>
-                <a:ea typeface="微软雅黑" panose="020B0503020204020204" pitchFamily="34" charset="-122"/>
-                <a:sym typeface="+mn-ea"/>
-              </a:rPr>
-              <a:t>和轉變</a:t>
-            </a:r>
-            <a:endParaRPr lang="zh-CN" altLang="en-US" sz="1400" dirty="0" smtClean="0">
+              <a:rPr lang="en-US" altLang="zh-CN" sz="1200" dirty="0" smtClean="0">
+                <a:latin typeface="微软雅黑" panose="020B0503020204020204" pitchFamily="34" charset="-122"/>
+                <a:ea typeface="微软雅黑" panose="020B0503020204020204" pitchFamily="34" charset="-122"/>
+                <a:sym typeface="+mn-ea"/>
+              </a:rPr>
+              <a:t>,</a:t>
+            </a:r>
+            <a:r>
+              <a:rPr lang="zh-CN" altLang="en-US" sz="1200" dirty="0" smtClean="0">
+                <a:latin typeface="微软雅黑" panose="020B0503020204020204" pitchFamily="34" charset="-122"/>
+                <a:ea typeface="微软雅黑" panose="020B0503020204020204" pitchFamily="34" charset="-122"/>
+                <a:sym typeface="+mn-ea"/>
+              </a:rPr>
+              <a:t>團隊所面臨的開發需求量和要求也越來越高</a:t>
+            </a:r>
+            <a:r>
+              <a:rPr lang="en-US" altLang="zh-CN" sz="1200" dirty="0" smtClean="0">
+                <a:latin typeface="微软雅黑" panose="020B0503020204020204" pitchFamily="34" charset="-122"/>
+                <a:ea typeface="微软雅黑" panose="020B0503020204020204" pitchFamily="34" charset="-122"/>
+                <a:sym typeface="+mn-ea"/>
+              </a:rPr>
+              <a:t>,</a:t>
+            </a:r>
+            <a:r>
+              <a:rPr lang="zh-CN" altLang="en-US" sz="1200" dirty="0" smtClean="0">
+                <a:latin typeface="微软雅黑" panose="020B0503020204020204" pitchFamily="34" charset="-122"/>
+                <a:ea typeface="微软雅黑" panose="020B0503020204020204" pitchFamily="34" charset="-122"/>
+                <a:sym typeface="+mn-ea"/>
+              </a:rPr>
+              <a:t>個人認為系統架構、開發模式也需要隨之進化</a:t>
+            </a:r>
+            <a:r>
+              <a:rPr lang="en-US" altLang="zh-CN" sz="1200" dirty="0" smtClean="0">
+                <a:latin typeface="微软雅黑" panose="020B0503020204020204" pitchFamily="34" charset="-122"/>
+                <a:ea typeface="微软雅黑" panose="020B0503020204020204" pitchFamily="34" charset="-122"/>
+                <a:sym typeface="+mn-ea"/>
+              </a:rPr>
+              <a:t>,</a:t>
+            </a:r>
+            <a:r>
+              <a:rPr lang="zh-CN" altLang="en-US" sz="1200" dirty="0" smtClean="0">
+                <a:latin typeface="微软雅黑" panose="020B0503020204020204" pitchFamily="34" charset="-122"/>
+                <a:ea typeface="微软雅黑" panose="020B0503020204020204" pitchFamily="34" charset="-122"/>
+                <a:sym typeface="+mn-ea"/>
+              </a:rPr>
+              <a:t>才可以面對越來越復雜的需求</a:t>
+            </a:r>
+            <a:endParaRPr lang="zh-CN" altLang="en-US" sz="1200" dirty="0" smtClean="0">
               <a:latin typeface="微软雅黑" panose="020B0503020204020204" pitchFamily="34" charset="-122"/>
               <a:ea typeface="微软雅黑" panose="020B0503020204020204" pitchFamily="34" charset="-122"/>
               <a:sym typeface="+mn-ea"/>
@@ -9825,22 +9841,14 @@
           </a:p>
           <a:p>
             <a:r>
-              <a:rPr lang="zh-CN" altLang="en-US" sz="1400" dirty="0" smtClean="0">
-                <a:latin typeface="微软雅黑" panose="020B0503020204020204" pitchFamily="34" charset="-122"/>
-                <a:ea typeface="微软雅黑" panose="020B0503020204020204" pitchFamily="34" charset="-122"/>
-                <a:sym typeface="+mn-ea"/>
-              </a:rPr>
-              <a:t>我希望通過以下的三項目標來幫助團隊進行優化和</a:t>
-            </a:r>
-            <a:r>
-              <a:rPr lang="zh-CN" altLang="en-US" sz="1400" dirty="0" smtClean="0">
-                <a:latin typeface="微软雅黑" panose="020B0503020204020204" pitchFamily="34" charset="-122"/>
-                <a:ea typeface="微软雅黑" panose="020B0503020204020204" pitchFamily="34" charset="-122"/>
-                <a:sym typeface="+mn-ea"/>
-              </a:rPr>
-              <a:t>轉變</a:t>
-            </a:r>
-            <a:endParaRPr lang="zh-CN" altLang="en-US" sz="1400" dirty="0" smtClean="0">
+              <a:rPr lang="zh-CN" altLang="en-US" sz="1200" dirty="0" smtClean="0">
+                <a:latin typeface="微软雅黑" panose="020B0503020204020204" pitchFamily="34" charset="-122"/>
+                <a:ea typeface="微软雅黑" panose="020B0503020204020204" pitchFamily="34" charset="-122"/>
+                <a:sym typeface="+mn-ea"/>
+              </a:rPr>
+              <a:t>我希望通過以下的目標來幫助團隊進行優化和轉變</a:t>
+            </a:r>
+            <a:endParaRPr lang="zh-CN" altLang="en-US" sz="1200" dirty="0" smtClean="0">
               <a:latin typeface="微软雅黑" panose="020B0503020204020204" pitchFamily="34" charset="-122"/>
               <a:ea typeface="微软雅黑" panose="020B0503020204020204" pitchFamily="34" charset="-122"/>
               <a:sym typeface="+mn-ea"/>
@@ -9916,7 +9924,7 @@
         </p:nvSpPr>
         <p:spPr>
           <a:xfrm>
-            <a:off x="929005" y="1717040"/>
+            <a:off x="929005" y="1897380"/>
             <a:ext cx="10414000" cy="1078230"/>
           </a:xfrm>
           <a:prstGeom prst="rect">
@@ -10052,7 +10060,14 @@
                 <a:latin typeface="微软雅黑" panose="020B0503020204020204" pitchFamily="34" charset="-122"/>
                 <a:ea typeface="微软雅黑" panose="020B0503020204020204" pitchFamily="34" charset="-122"/>
               </a:rPr>
-              <a:t>讓複雜的技術處理流程和業務流程變成簡單的</a:t>
+              <a:t>讓複雜的技術處細節和業務</a:t>
+            </a:r>
+            <a:r>
+              <a:rPr lang="zh-CN" altLang="en-US" sz="1200" dirty="0">
+                <a:latin typeface="微软雅黑" panose="020B0503020204020204" pitchFamily="34" charset="-122"/>
+                <a:ea typeface="微软雅黑" panose="020B0503020204020204" pitchFamily="34" charset="-122"/>
+              </a:rPr>
+              <a:t>流程變成簡單的</a:t>
             </a:r>
             <a:r>
               <a:rPr lang="en-US" altLang="zh-CN" sz="1200" dirty="0">
@@ -10092,13 +10107,27 @@
                 <a:latin typeface="微软雅黑" panose="020B0503020204020204" pitchFamily="34" charset="-122"/>
                 <a:ea typeface="微软雅黑" panose="020B0503020204020204" pitchFamily="34" charset="-122"/>
               </a:rPr>
-              <a:t>基礎設施封裝</a:t>
+              <a:t>基礎設施功能封裝、開源框架二次封裝</a:t>
             </a:r>
             <a:r>
               <a:rPr lang="en-US" altLang="zh-CN" sz="1200" dirty="0">
                 <a:latin typeface="微软雅黑" panose="020B0503020204020204" pitchFamily="34" charset="-122"/>
                 <a:ea typeface="微软雅黑" panose="020B0503020204020204" pitchFamily="34" charset="-122"/>
               </a:rPr>
+              <a:t>,</a:t>
+            </a:r>
+            <a:r>
+              <a:rPr lang="zh-CN" altLang="en-US" sz="1200" dirty="0">
+                <a:latin typeface="微软雅黑" panose="020B0503020204020204" pitchFamily="34" charset="-122"/>
+                <a:ea typeface="微软雅黑" panose="020B0503020204020204" pitchFamily="34" charset="-122"/>
+              </a:rPr>
+              <a:t>提供</a:t>
+            </a:r>
+            <a:r>
+              <a:rPr lang="en-US" altLang="zh-CN" sz="1200" dirty="0">
+                <a:latin typeface="微软雅黑" panose="020B0503020204020204" pitchFamily="34" charset="-122"/>
+                <a:ea typeface="微软雅黑" panose="020B0503020204020204" pitchFamily="34" charset="-122"/>
+              </a:rPr>
               <a:t> KR2:</a:t>
             </a:r>
             <a:r>
@@ -10124,6 +10153,22 @@
                 <a:sym typeface="+mn-ea"/>
               </a:rPr>
               <a:t> KR3:</a:t>
+            </a:r>
+            <a:r>
+              <a:rPr lang="zh-CN" altLang="en-US" sz="1200" dirty="0">
+                <a:latin typeface="微软雅黑" panose="020B0503020204020204" pitchFamily="34" charset="-122"/>
+                <a:ea typeface="微软雅黑" panose="020B0503020204020204" pitchFamily="34" charset="-122"/>
+                <a:sym typeface="+mn-ea"/>
+              </a:rPr>
+              <a:t>通信框架</a:t>
+            </a:r>
+            <a:r>
+              <a:rPr lang="zh-CN" altLang="en-US" sz="1200" dirty="0">
+                <a:latin typeface="微软雅黑" panose="020B0503020204020204" pitchFamily="34" charset="-122"/>
+                <a:ea typeface="微软雅黑" panose="020B0503020204020204" pitchFamily="34" charset="-122"/>
+                <a:sym typeface="+mn-ea"/>
+              </a:rPr>
+              <a:t>封裝</a:t>
             </a:r>
             <a:endParaRPr lang="zh-CN" altLang="en-US" sz="1200" dirty="0">
               <a:latin typeface="微软雅黑" panose="020B0503020204020204" pitchFamily="34" charset="-122"/>
@@ -10141,7 +10186,7 @@
         </p:nvSpPr>
         <p:spPr>
           <a:xfrm>
-            <a:off x="929005" y="3074670"/>
+            <a:off x="929005" y="3042920"/>
             <a:ext cx="10201910" cy="1014730"/>
           </a:xfrm>
           <a:prstGeom prst="rect">
@@ -10283,6 +10328,69 @@
                 <a:ea typeface="微软雅黑" panose="020B0503020204020204" pitchFamily="34" charset="-122"/>
               </a:rPr>
               <a:t>KR1:</a:t>
+            </a:r>
+            <a:r>
+              <a:rPr lang="zh-CN" altLang="en-US" sz="1200" dirty="0">
+                <a:latin typeface="微软雅黑" panose="020B0503020204020204" pitchFamily="34" charset="-122"/>
+                <a:ea typeface="微软雅黑" panose="020B0503020204020204" pitchFamily="34" charset="-122"/>
+              </a:rPr>
+              <a:t>開發人員內部使用</a:t>
+            </a:r>
+            <a:r>
+              <a:rPr lang="en-US" altLang="zh-CN" sz="1200" dirty="0">
+                <a:latin typeface="微软雅黑" panose="020B0503020204020204" pitchFamily="34" charset="-122"/>
+                <a:ea typeface="微软雅黑" panose="020B0503020204020204" pitchFamily="34" charset="-122"/>
+              </a:rPr>
+              <a:t> KR2:</a:t>
+            </a:r>
+            <a:r>
+              <a:rPr lang="zh-CN" altLang="en-US" sz="1200" dirty="0">
+                <a:latin typeface="微软雅黑" panose="020B0503020204020204" pitchFamily="34" charset="-122"/>
+                <a:ea typeface="微软雅黑" panose="020B0503020204020204" pitchFamily="34" charset="-122"/>
+              </a:rPr>
+              <a:t>用戶使用</a:t>
+            </a:r>
+            <a:r>
+              <a:rPr lang="en-US" altLang="zh-CN" sz="1200" dirty="0">
+                <a:latin typeface="微软雅黑" panose="020B0503020204020204" pitchFamily="34" charset="-122"/>
+                <a:ea typeface="微软雅黑" panose="020B0503020204020204" pitchFamily="34" charset="-122"/>
+              </a:rPr>
+              <a:t> KR3:</a:t>
+            </a:r>
+            <a:r>
+              <a:rPr lang="zh-CN" altLang="en-US" sz="1200" dirty="0">
+                <a:latin typeface="微软雅黑" panose="020B0503020204020204" pitchFamily="34" charset="-122"/>
+                <a:ea typeface="微软雅黑" panose="020B0503020204020204" pitchFamily="34" charset="-122"/>
+              </a:rPr>
+              <a:t>導入</a:t>
+            </a:r>
+            <a:r>
+              <a:rPr lang="en-US" altLang="zh-CN" sz="1200" dirty="0">
+                <a:latin typeface="微软雅黑" panose="020B0503020204020204" pitchFamily="34" charset="-122"/>
+                <a:ea typeface="微软雅黑" panose="020B0503020204020204" pitchFamily="34" charset="-122"/>
+              </a:rPr>
+              <a:t>AI</a:t>
+            </a:r>
+            <a:r>
+              <a:rPr lang="zh-CN" altLang="en-US" sz="1200" dirty="0">
+                <a:latin typeface="微软雅黑" panose="020B0503020204020204" pitchFamily="34" charset="-122"/>
+                <a:ea typeface="微软雅黑" panose="020B0503020204020204" pitchFamily="34" charset="-122"/>
+              </a:rPr>
+              <a:t>通過對話生成卡站</a:t>
+            </a:r>
+            <a:r>
+              <a:rPr lang="en-US" altLang="zh-CN" sz="1200" dirty="0">
+                <a:latin typeface="微软雅黑" panose="020B0503020204020204" pitchFamily="34" charset="-122"/>
+                <a:ea typeface="微软雅黑" panose="020B0503020204020204" pitchFamily="34" charset="-122"/>
+              </a:rPr>
+              <a:t> </a:t>
+            </a:r>
+            <a:r>
+              <a:rPr lang="en-US" altLang="zh-CN" sz="1200" dirty="0">
+                <a:latin typeface="微软雅黑" panose="020B0503020204020204" pitchFamily="34" charset="-122"/>
+                <a:ea typeface="微软雅黑" panose="020B0503020204020204" pitchFamily="34" charset="-122"/>
+              </a:rPr>
+              <a:t>KR4:</a:t>
             </a:r>
             <a:endParaRPr lang="en-US" altLang="zh-CN" sz="1200" dirty="0">
               <a:latin typeface="微软雅黑" panose="020B0503020204020204" pitchFamily="34" charset="-122"/>
@@ -10300,7 +10408,7 @@
         <p:spPr>
           <a:xfrm>
             <a:off x="929005" y="4272280"/>
-            <a:ext cx="10623550" cy="1568450"/>
+            <a:ext cx="10623550" cy="1753235"/>
           </a:xfrm>
           <a:prstGeom prst="rect">
             <a:avLst/>
@@ -10790,6 +10898,40 @@
                 <a:ea typeface="微软雅黑" panose="020B0503020204020204" pitchFamily="34" charset="-122"/>
               </a:rPr>
               <a:t>輯</a:t>
+            </a:r>
+            <a:endParaRPr lang="zh-CN" altLang="en-US" sz="1200" dirty="0" smtClean="0">
+              <a:latin typeface="微软雅黑" panose="020B0503020204020204" pitchFamily="34" charset="-122"/>
+              <a:ea typeface="微软雅黑" panose="020B0503020204020204" pitchFamily="34" charset="-122"/>
+            </a:endParaRPr>
+          </a:p>
+          <a:p>
+            <a:r>
+              <a:rPr lang="en-US" altLang="zh-CN" sz="1200" dirty="0">
+                <a:latin typeface="微软雅黑" panose="020B0503020204020204" pitchFamily="34" charset="-122"/>
+                <a:ea typeface="微软雅黑" panose="020B0503020204020204" pitchFamily="34" charset="-122"/>
+              </a:rPr>
+              <a:t>KR1:</a:t>
+            </a:r>
+            <a:r>
+              <a:rPr lang="zh-CN" altLang="en-US" sz="1200" dirty="0">
+                <a:latin typeface="微软雅黑" panose="020B0503020204020204" pitchFamily="34" charset="-122"/>
+                <a:ea typeface="微软雅黑" panose="020B0503020204020204" pitchFamily="34" charset="-122"/>
+              </a:rPr>
+              <a:t>方案設計</a:t>
+            </a:r>
+            <a:r>
+              <a:rPr lang="en-US" altLang="zh-CN" sz="1200" dirty="0">
+                <a:latin typeface="微软雅黑" panose="020B0503020204020204" pitchFamily="34" charset="-122"/>
+                <a:ea typeface="微软雅黑" panose="020B0503020204020204" pitchFamily="34" charset="-122"/>
+              </a:rPr>
+              <a:t> </a:t>
+            </a:r>
+            <a:r>
+              <a:rPr lang="en-US" altLang="zh-CN" sz="1200" dirty="0">
+                <a:latin typeface="微软雅黑" panose="020B0503020204020204" pitchFamily="34" charset="-122"/>
+                <a:ea typeface="微软雅黑" panose="020B0503020204020204" pitchFamily="34" charset="-122"/>
+              </a:rPr>
+              <a:t>KR2:</a:t>
             </a:r>
             <a:endParaRPr lang="en-US" altLang="zh-CN" sz="1200" dirty="0">
               <a:latin typeface="微软雅黑" panose="020B0503020204020204" pitchFamily="34" charset="-122"/>
@@ -10806,7 +10948,7 @@
         </p:nvSpPr>
         <p:spPr>
           <a:xfrm>
-            <a:off x="929005" y="5840730"/>
+            <a:off x="929005" y="6055360"/>
             <a:ext cx="10798810" cy="460375"/>
           </a:xfrm>
           <a:prstGeom prst="rect">
@@ -11088,7 +11230,7 @@
         </p:blipFill>
         <p:spPr>
           <a:xfrm>
-            <a:off x="348804" y="2104365"/>
+            <a:off x="348804" y="2183740"/>
             <a:ext cx="391396" cy="391396"/>
           </a:xfrm>
           <a:prstGeom prst="rect">

--- a/J0080793.pptx
+++ b/J0080793.pptx
@@ -7761,7 +7761,17 @@
                 <a:latin typeface="微软雅黑" panose="020B0503020204020204" pitchFamily="34" charset="-122"/>
                 <a:ea typeface="微软雅黑" panose="020B0503020204020204" pitchFamily="34" charset="-122"/>
               </a:rPr>
-              <a:t>掌握多种编程语言、全棧開發能力</a:t>
+              <a:t>掌握多种编程语言、</a:t>
+            </a:r>
+            <a:r>
+              <a:rPr lang="zh-CN" altLang="en-US" sz="1400" b="1" dirty="0" smtClean="0">
+                <a:solidFill>
+                  <a:schemeClr val="tx1"/>
+                </a:solidFill>
+                <a:latin typeface="微软雅黑" panose="020B0503020204020204" pitchFamily="34" charset="-122"/>
+                <a:ea typeface="微软雅黑" panose="020B0503020204020204" pitchFamily="34" charset="-122"/>
+              </a:rPr>
+              <a:t>具備全棧開發能力</a:t>
             </a:r>
             <a:endParaRPr lang="en-US" altLang="zh-CN" sz="1400" b="1" dirty="0" smtClean="0">
               <a:solidFill>
@@ -7900,7 +7910,7 @@
                 <a:latin typeface="微软雅黑 Light" panose="020B0502040204020203" pitchFamily="34" charset="-122"/>
                 <a:ea typeface="微软雅黑 Light" panose="020B0502040204020203" pitchFamily="34" charset="-122"/>
               </a:rPr>
-              <a:t>可使用更加更加宽泛的视野去设计系统和解决问题</a:t>
+              <a:t>可用更加更加宽泛的视野去设计系统、解决问题</a:t>
             </a:r>
             <a:r>
               <a:rPr lang="en-US" altLang="zh-CN" sz="1200" dirty="0" smtClean="0">
@@ -7977,7 +7987,7 @@
             <a:r>
               <a:rPr lang="zh-CN" altLang="en-US" sz="1400" b="1" dirty="0" smtClean="0">
                 <a:solidFill>
-                  <a:schemeClr val="bg1"/>
+                  <a:schemeClr val="tx1"/>
                 </a:solidFill>
                 <a:latin typeface="微软雅黑" panose="020B0503020204020204" pitchFamily="34" charset="-122"/>
                 <a:ea typeface="微软雅黑" panose="020B0503020204020204" pitchFamily="34" charset="-122"/>
@@ -7986,7 +7996,7 @@
             </a:r>
             <a:endParaRPr lang="en-US" altLang="zh-CN" sz="1400" b="1" dirty="0" smtClean="0">
               <a:solidFill>
-                <a:schemeClr val="bg1"/>
+                <a:schemeClr val="tx1"/>
               </a:solidFill>
               <a:latin typeface="微软雅黑" panose="020B0503020204020204" pitchFamily="34" charset="-122"/>
               <a:ea typeface="微软雅黑" panose="020B0503020204020204" pitchFamily="34" charset="-122"/>
@@ -7996,7 +8006,7 @@
             <a:r>
               <a:rPr lang="zh-CN" altLang="en-US" sz="1200" dirty="0" smtClean="0">
                 <a:solidFill>
-                  <a:schemeClr val="bg1"/>
+                  <a:schemeClr val="tx1"/>
                 </a:solidFill>
               </a:rPr>
               <a:t>學習能力較強</a:t>
@@ -8004,7 +8014,7 @@
             <a:r>
               <a:rPr lang="en-US" altLang="zh-CN" sz="1200" dirty="0" smtClean="0">
                 <a:solidFill>
-                  <a:schemeClr val="bg1"/>
+                  <a:schemeClr val="tx1"/>
                 </a:solidFill>
               </a:rPr>
               <a:t>,</a:t>
@@ -8012,7 +8022,7 @@
             <a:r>
               <a:rPr lang="zh-CN" altLang="en-US" sz="1200" dirty="0" smtClean="0">
                 <a:solidFill>
-                  <a:schemeClr val="bg1"/>
+                  <a:schemeClr val="tx1"/>
                 </a:solidFill>
               </a:rPr>
               <a:t>乐于接受新事物</a:t>
@@ -8020,7 +8030,7 @@
             <a:r>
               <a:rPr lang="en-US" altLang="zh-CN" sz="1200" dirty="0" smtClean="0">
                 <a:solidFill>
-                  <a:schemeClr val="bg1"/>
+                  <a:schemeClr val="tx1"/>
                 </a:solidFill>
               </a:rPr>
               <a:t>,</a:t>
@@ -8028,7 +8038,7 @@
             <a:r>
               <a:rPr lang="zh-CN" altLang="en-US" sz="1200" dirty="0" smtClean="0">
                 <a:solidFill>
-                  <a:schemeClr val="bg1"/>
+                  <a:schemeClr val="tx1"/>
                 </a:solidFill>
               </a:rPr>
               <a:t>可不斷提升自我</a:t>
@@ -8036,7 +8046,7 @@
             <a:r>
               <a:rPr lang="en-US" altLang="zh-CN" sz="1200" dirty="0" smtClean="0">
                 <a:solidFill>
-                  <a:schemeClr val="bg1"/>
+                  <a:schemeClr val="tx1"/>
                 </a:solidFill>
               </a:rPr>
               <a:t>,</a:t>
@@ -8044,14 +8054,14 @@
             <a:r>
               <a:rPr lang="zh-CN" altLang="en-US" sz="1200" dirty="0" smtClean="0">
                 <a:solidFill>
-                  <a:schemeClr val="bg1"/>
+                  <a:schemeClr val="tx1"/>
                 </a:solidFill>
               </a:rPr>
               <a:t>快速成長</a:t>
             </a:r>
             <a:endParaRPr lang="zh-CN" altLang="en-US" sz="1200" dirty="0" smtClean="0">
               <a:solidFill>
-                <a:schemeClr val="bg1"/>
+                <a:schemeClr val="tx1"/>
               </a:solidFill>
             </a:endParaRPr>
           </a:p>
@@ -8082,7 +8092,7 @@
             <a:r>
               <a:rPr lang="zh-CN" altLang="en-US" sz="1400" b="1" dirty="0" smtClean="0">
                 <a:solidFill>
-                  <a:schemeClr val="bg1"/>
+                  <a:schemeClr val="tx1"/>
                 </a:solidFill>
                 <a:latin typeface="微软雅黑" panose="020B0503020204020204" pitchFamily="34" charset="-122"/>
                 <a:ea typeface="微软雅黑" panose="020B0503020204020204" pitchFamily="34" charset="-122"/>
@@ -8091,7 +8101,7 @@
             </a:r>
             <a:endParaRPr lang="en-US" altLang="zh-CN" sz="1400" b="1" dirty="0" smtClean="0">
               <a:solidFill>
-                <a:schemeClr val="bg1"/>
+                <a:schemeClr val="tx1"/>
               </a:solidFill>
               <a:latin typeface="微软雅黑" panose="020B0503020204020204" pitchFamily="34" charset="-122"/>
               <a:ea typeface="微软雅黑" panose="020B0503020204020204" pitchFamily="34" charset="-122"/>
@@ -8101,7 +8111,7 @@
             <a:r>
               <a:rPr lang="zh-CN" altLang="en-US" sz="1200" dirty="0" smtClean="0">
                 <a:solidFill>
-                  <a:schemeClr val="bg1"/>
+                  <a:schemeClr val="tx1"/>
                 </a:solidFill>
                 <a:latin typeface="微软雅黑 Light" panose="020B0502040204020203" pitchFamily="34" charset="-122"/>
                 <a:ea typeface="微软雅黑 Light" panose="020B0502040204020203" pitchFamily="34" charset="-122"/>
@@ -8110,7 +8120,7 @@
             </a:r>
             <a:endParaRPr lang="zh-CN" altLang="en-US" sz="1200" dirty="0" smtClean="0">
               <a:solidFill>
-                <a:schemeClr val="bg1"/>
+                <a:schemeClr val="tx1"/>
               </a:solidFill>
               <a:latin typeface="微软雅黑 Light" panose="020B0502040204020203" pitchFamily="34" charset="-122"/>
               <a:ea typeface="微软雅黑 Light" panose="020B0502040204020203" pitchFamily="34" charset="-122"/>
@@ -9072,7 +9082,7 @@
             <a:r>
               <a:rPr lang="zh-CN" altLang="en-US" sz="1400" b="1" dirty="0" smtClean="0">
                 <a:solidFill>
-                  <a:schemeClr val="bg1"/>
+                  <a:schemeClr val="tx1"/>
                 </a:solidFill>
                 <a:latin typeface="微软雅黑" charset="0"/>
                 <a:ea typeface="微软雅黑" charset="0"/>
@@ -9083,7 +9093,7 @@
             <a:r>
               <a:rPr lang="en-US" altLang="zh-CN" sz="1400" b="1" dirty="0" smtClean="0">
                 <a:solidFill>
-                  <a:schemeClr val="bg1"/>
+                  <a:schemeClr val="tx1"/>
                 </a:solidFill>
                 <a:latin typeface="微软雅黑" charset="0"/>
                 <a:ea typeface="微软雅黑" charset="0"/>
@@ -9093,7 +9103,7 @@
             </a:r>
             <a:endParaRPr lang="en-US" altLang="zh-CN" sz="1400" b="1" dirty="0" smtClean="0">
               <a:solidFill>
-                <a:schemeClr val="bg1"/>
+                <a:schemeClr val="tx1"/>
               </a:solidFill>
               <a:latin typeface="微软雅黑" charset="0"/>
               <a:ea typeface="微软雅黑" charset="0"/>
@@ -9104,7 +9114,7 @@
             <a:r>
               <a:rPr lang="zh-CN" altLang="zh-TW" sz="1200" dirty="0">
                 <a:solidFill>
-                  <a:schemeClr val="bg1"/>
+                  <a:schemeClr val="tx1"/>
                 </a:solidFill>
                 <a:latin typeface="微软雅黑" charset="0"/>
                 <a:ea typeface="微软雅黑" charset="0"/>
@@ -9115,7 +9125,7 @@
             <a:r>
               <a:rPr lang="en-US" altLang="zh-CN" sz="1200" dirty="0">
                 <a:solidFill>
-                  <a:schemeClr val="bg1"/>
+                  <a:schemeClr val="tx1"/>
                 </a:solidFill>
                 <a:latin typeface="微软雅黑" charset="0"/>
                 <a:ea typeface="微软雅黑" charset="0"/>
@@ -9126,215 +9136,204 @@
             <a:r>
               <a:rPr lang="zh-TW" altLang="en-US" sz="1200" dirty="0">
                 <a:solidFill>
-                  <a:schemeClr val="bg1"/>
+                  <a:schemeClr val="tx1"/>
                 </a:solidFill>
                 <a:latin typeface="微软雅黑" charset="0"/>
                 <a:ea typeface="微软雅黑" charset="0"/>
                 <a:cs typeface="微软雅黑" charset="0"/>
               </a:rPr>
-              <a:t>可根據業</a:t>
-            </a:r>
-            <a:r>
-              <a:rPr lang="zh-TW" altLang="en-US" sz="1200" dirty="0" smtClean="0">
+              <a:t>可</a:t>
+            </a:r>
+            <a:r>
+              <a:rPr lang="zh-CN" altLang="en-US" sz="1200" dirty="0" smtClean="0">
                 <a:solidFill>
-                  <a:schemeClr val="bg1"/>
+                  <a:schemeClr val="tx1"/>
                 </a:solidFill>
                 <a:latin typeface="微软雅黑" charset="0"/>
                 <a:ea typeface="微软雅黑" charset="0"/>
                 <a:cs typeface="微软雅黑" charset="0"/>
               </a:rPr>
-              <a:t>務</a:t>
-            </a:r>
-            <a:r>
-              <a:rPr lang="zh-CN" altLang="en-US" sz="1200" dirty="0" smtClean="0">
+              <a:t>根據實際業務場景</a:t>
+            </a:r>
+            <a:r>
+              <a:rPr lang="zh-TW" altLang="en-US" sz="1200" dirty="0" smtClean="0">
                 <a:solidFill>
-                  <a:schemeClr val="bg1"/>
+                  <a:schemeClr val="tx1"/>
                 </a:solidFill>
                 <a:latin typeface="微软雅黑" charset="0"/>
                 <a:ea typeface="微软雅黑" charset="0"/>
                 <a:cs typeface="微软雅黑" charset="0"/>
               </a:rPr>
-              <a:t>根據實際情況</a:t>
-            </a:r>
-            <a:r>
-              <a:rPr lang="zh-TW" altLang="en-US" sz="1200" dirty="0" smtClean="0">
+              <a:t>設計</a:t>
+            </a:r>
+            <a:r>
+              <a:rPr lang="zh-CN" altLang="en-US" sz="1200" dirty="0" smtClean="0">
                 <a:solidFill>
-                  <a:schemeClr val="bg1"/>
+                  <a:schemeClr val="tx1"/>
                 </a:solidFill>
                 <a:latin typeface="微软雅黑" charset="0"/>
                 <a:ea typeface="微软雅黑" charset="0"/>
                 <a:cs typeface="微软雅黑" charset="0"/>
               </a:rPr>
-              <a:t>設計</a:t>
-            </a:r>
-            <a:r>
-              <a:rPr lang="zh-CN" altLang="en-US" sz="1200" dirty="0" smtClean="0">
+              <a:t>優雅</a:t>
+            </a:r>
+            <a:r>
+              <a:rPr lang="zh-TW" altLang="en-US" sz="1200" dirty="0" smtClean="0">
                 <a:solidFill>
-                  <a:schemeClr val="bg1"/>
+                  <a:schemeClr val="tx1"/>
                 </a:solidFill>
                 <a:latin typeface="微软雅黑" charset="0"/>
                 <a:ea typeface="微软雅黑" charset="0"/>
                 <a:cs typeface="微软雅黑" charset="0"/>
               </a:rPr>
-              <a:t>優雅</a:t>
-            </a:r>
-            <a:r>
-              <a:rPr lang="zh-TW" altLang="en-US" sz="1200" dirty="0" smtClean="0">
+              <a:t>架構方案</a:t>
+            </a:r>
+            <a:r>
+              <a:rPr lang="zh-TW" altLang="en-US" sz="1200" dirty="0">
                 <a:solidFill>
-                  <a:schemeClr val="bg1"/>
+                  <a:schemeClr val="tx1"/>
                 </a:solidFill>
                 <a:latin typeface="微软雅黑" charset="0"/>
                 <a:ea typeface="微软雅黑" charset="0"/>
                 <a:cs typeface="微软雅黑" charset="0"/>
               </a:rPr>
-              <a:t>架構方案</a:t>
-            </a:r>
-            <a:r>
-              <a:rPr lang="zh-TW" altLang="en-US" sz="1200" dirty="0">
+              <a:t>包括</a:t>
+            </a:r>
+            <a:r>
+              <a:rPr lang="en-US" altLang="zh-TW" sz="1200" dirty="0">
                 <a:solidFill>
-                  <a:schemeClr val="bg1"/>
+                  <a:schemeClr val="tx1"/>
                 </a:solidFill>
                 <a:latin typeface="微软雅黑" charset="0"/>
                 <a:ea typeface="微软雅黑" charset="0"/>
                 <a:cs typeface="微软雅黑" charset="0"/>
               </a:rPr>
-              <a:t>包括</a:t>
-            </a:r>
-            <a:r>
-              <a:rPr lang="en-US" altLang="zh-TW" sz="1200" dirty="0">
+              <a:t>:</a:t>
+            </a:r>
+            <a:r>
+              <a:rPr lang="zh-TW" altLang="en-US" sz="1200" dirty="0">
                 <a:solidFill>
-                  <a:schemeClr val="bg1"/>
+                  <a:schemeClr val="tx1"/>
                 </a:solidFill>
                 <a:latin typeface="微软雅黑" charset="0"/>
                 <a:ea typeface="微软雅黑" charset="0"/>
                 <a:cs typeface="微软雅黑" charset="0"/>
               </a:rPr>
-              <a:t>:</a:t>
-            </a:r>
-            <a:r>
-              <a:rPr lang="zh-TW" altLang="en-US" sz="1200" dirty="0">
+              <a:t>代碼分層架構、部署架構、業務建模等</a:t>
+            </a:r>
+            <a:r>
+              <a:rPr lang="en-US" altLang="zh-TW" sz="1200" dirty="0">
                 <a:solidFill>
-                  <a:schemeClr val="bg1"/>
+                  <a:schemeClr val="tx1"/>
                 </a:solidFill>
                 <a:latin typeface="微软雅黑" charset="0"/>
                 <a:ea typeface="微软雅黑" charset="0"/>
                 <a:cs typeface="微软雅黑" charset="0"/>
               </a:rPr>
-              <a:t>代碼分層架構、部署架構、業務建模等</a:t>
-            </a:r>
-            <a:r>
-              <a:rPr lang="en-US" altLang="zh-TW" sz="1200" dirty="0">
+              <a:t>,</a:t>
+            </a:r>
+            <a:r>
+              <a:rPr lang="zh-TW" altLang="en-US" sz="1200" dirty="0">
                 <a:solidFill>
-                  <a:schemeClr val="bg1"/>
+                  <a:schemeClr val="tx1"/>
                 </a:solidFill>
                 <a:latin typeface="微软雅黑" charset="0"/>
                 <a:ea typeface="微软雅黑" charset="0"/>
                 <a:cs typeface="微软雅黑" charset="0"/>
               </a:rPr>
-              <a:t>,</a:t>
-            </a:r>
-            <a:r>
-              <a:rPr lang="zh-TW" altLang="en-US" sz="1200" dirty="0">
+              <a:t>可</a:t>
+            </a:r>
+            <a:r>
+              <a:rPr lang="zh-CN" altLang="zh-TW" sz="1200" dirty="0">
                 <a:solidFill>
-                  <a:schemeClr val="bg1"/>
+                  <a:schemeClr val="tx1"/>
                 </a:solidFill>
                 <a:latin typeface="微软雅黑" charset="0"/>
                 <a:ea typeface="微软雅黑" charset="0"/>
                 <a:cs typeface="微软雅黑" charset="0"/>
               </a:rPr>
-              <a:t>可</a:t>
-            </a:r>
-            <a:r>
-              <a:rPr lang="zh-CN" altLang="zh-TW" sz="1200" dirty="0">
+              <a:t>产</a:t>
+            </a:r>
+            <a:r>
+              <a:rPr lang="zh-TW" altLang="en-US" sz="1200" dirty="0">
                 <a:solidFill>
-                  <a:schemeClr val="bg1"/>
+                  <a:schemeClr val="tx1"/>
                 </a:solidFill>
                 <a:latin typeface="微软雅黑" charset="0"/>
                 <a:ea typeface="微软雅黑" charset="0"/>
                 <a:cs typeface="微软雅黑" charset="0"/>
               </a:rPr>
-              <a:t>产</a:t>
-            </a:r>
-            <a:r>
-              <a:rPr lang="zh-TW" altLang="en-US" sz="1200" dirty="0">
+              <a:t>出易懂的架構圖</a:t>
+            </a:r>
+            <a:r>
+              <a:rPr lang="en-US" altLang="zh-TW" sz="1200" dirty="0">
                 <a:solidFill>
-                  <a:schemeClr val="bg1"/>
+                  <a:schemeClr val="tx1"/>
                 </a:solidFill>
                 <a:latin typeface="微软雅黑" charset="0"/>
                 <a:ea typeface="微软雅黑" charset="0"/>
                 <a:cs typeface="微软雅黑" charset="0"/>
               </a:rPr>
-              <a:t>出易懂的架構圖</a:t>
-            </a:r>
-            <a:r>
-              <a:rPr lang="en-US" altLang="zh-TW" sz="1200" dirty="0">
+              <a:t>,</a:t>
+            </a:r>
+            <a:r>
+              <a:rPr lang="zh-TW" altLang="en-US" sz="1200" dirty="0">
                 <a:solidFill>
-                  <a:schemeClr val="bg1"/>
+                  <a:schemeClr val="tx1"/>
                 </a:solidFill>
                 <a:latin typeface="微软雅黑" charset="0"/>
                 <a:ea typeface="微软雅黑" charset="0"/>
                 <a:cs typeface="微软雅黑" charset="0"/>
               </a:rPr>
-              <a:t>,</a:t>
-            </a:r>
-            <a:r>
-              <a:rPr lang="zh-TW" altLang="en-US" sz="1200" dirty="0">
+              <a:t>文檔</a:t>
+            </a:r>
+            <a:r>
+              <a:rPr lang="en-US" altLang="zh-TW" sz="1200" dirty="0">
                 <a:solidFill>
-                  <a:schemeClr val="bg1"/>
+                  <a:schemeClr val="tx1"/>
                 </a:solidFill>
                 <a:latin typeface="微软雅黑" charset="0"/>
                 <a:ea typeface="微软雅黑" charset="0"/>
                 <a:cs typeface="微软雅黑" charset="0"/>
               </a:rPr>
-              <a:t>文檔</a:t>
-            </a:r>
-            <a:r>
-              <a:rPr lang="en-US" altLang="zh-TW" sz="1200" dirty="0">
+              <a:t>,</a:t>
+            </a:r>
+            <a:r>
+              <a:rPr lang="zh-TW" altLang="en-US" sz="1200" dirty="0">
                 <a:solidFill>
-                  <a:schemeClr val="bg1"/>
+                  <a:schemeClr val="tx1"/>
                 </a:solidFill>
                 <a:latin typeface="微软雅黑" charset="0"/>
                 <a:ea typeface="微软雅黑" charset="0"/>
                 <a:cs typeface="微软雅黑" charset="0"/>
               </a:rPr>
-              <a:t>,</a:t>
-            </a:r>
-            <a:r>
-              <a:rPr lang="zh-TW" altLang="en-US" sz="1200" dirty="0">
+              <a:t>推進團隊開發速度</a:t>
+            </a:r>
+            <a:r>
+              <a:rPr lang="en-US" altLang="zh-TW" sz="1200" dirty="0">
                 <a:solidFill>
-                  <a:schemeClr val="bg1"/>
+                  <a:schemeClr val="tx1"/>
                 </a:solidFill>
                 <a:latin typeface="微软雅黑" charset="0"/>
                 <a:ea typeface="微软雅黑" charset="0"/>
                 <a:cs typeface="微软雅黑" charset="0"/>
               </a:rPr>
-              <a:t>推進團隊開發速度</a:t>
-            </a:r>
-            <a:r>
-              <a:rPr lang="en-US" altLang="zh-TW" sz="1200" dirty="0">
+              <a:t>,</a:t>
+            </a:r>
+            <a:r>
+              <a:rPr lang="zh-TW" altLang="en-US" sz="1200" dirty="0">
                 <a:solidFill>
-                  <a:schemeClr val="bg1"/>
+                  <a:schemeClr val="tx1"/>
                 </a:solidFill>
                 <a:latin typeface="微软雅黑" charset="0"/>
                 <a:ea typeface="微软雅黑" charset="0"/>
                 <a:cs typeface="微软雅黑" charset="0"/>
               </a:rPr>
-              <a:t>,</a:t>
-            </a:r>
-            <a:r>
-              <a:rPr lang="zh-TW" altLang="en-US" sz="1200" dirty="0">
-                <a:solidFill>
-                  <a:schemeClr val="bg1"/>
-                </a:solidFill>
-                <a:latin typeface="微软雅黑" charset="0"/>
-                <a:ea typeface="微软雅黑" charset="0"/>
-                <a:cs typeface="微软雅黑" charset="0"/>
-              </a:rPr>
               <a:t>使係統穩定、高效</a:t>
             </a:r>
             <a:endParaRPr lang="zh-TW" altLang="en-US" sz="1200" dirty="0">
               <a:solidFill>
-                <a:schemeClr val="bg1"/>
+                <a:schemeClr val="tx1"/>
               </a:solidFill>
               <a:latin typeface="微软雅黑" charset="0"/>
               <a:ea typeface="微软雅黑" charset="0"/>
@@ -9428,28 +9427,17 @@
             <a:r>
               <a:rPr lang="zh-CN" altLang="en-US" sz="1400" b="1" dirty="0">
                 <a:solidFill>
-                  <a:schemeClr val="bg1"/>
+                  <a:schemeClr val="tx1"/>
                 </a:solidFill>
                 <a:latin typeface="微软雅黑" charset="0"/>
                 <a:ea typeface="微软雅黑" charset="0"/>
                 <a:cs typeface="微软雅黑" charset="0"/>
               </a:rPr>
-              <a:t>代码</a:t>
-            </a:r>
-            <a:r>
-              <a:rPr lang="zh-CN" altLang="en-US" sz="1400" b="1" dirty="0">
-                <a:solidFill>
-                  <a:schemeClr val="bg1"/>
-                </a:solidFill>
-                <a:latin typeface="微软雅黑" charset="0"/>
-                <a:ea typeface="微软雅黑" charset="0"/>
-                <a:cs typeface="微软雅黑" charset="0"/>
-              </a:rPr>
-              <a:t>重构、框架開發</a:t>
+              <a:t>代码重构、框架開發</a:t>
             </a:r>
             <a:endParaRPr lang="en-US" altLang="zh-CN" sz="1400" b="1" dirty="0">
               <a:solidFill>
-                <a:schemeClr val="bg1"/>
+                <a:schemeClr val="tx1"/>
               </a:solidFill>
               <a:latin typeface="微软雅黑" charset="0"/>
               <a:ea typeface="微软雅黑" charset="0"/>
@@ -9460,7 +9448,7 @@
             <a:r>
               <a:rPr lang="zh-CN" altLang="en-US" sz="1200" dirty="0">
                 <a:solidFill>
-                  <a:schemeClr val="bg1"/>
+                  <a:schemeClr val="tx1"/>
                 </a:solidFill>
                 <a:latin typeface="微软雅黑" charset="0"/>
                 <a:ea typeface="微软雅黑" charset="0"/>
@@ -9471,7 +9459,7 @@
             <a:r>
               <a:rPr lang="en-US" altLang="zh-CN" sz="1200" dirty="0">
                 <a:solidFill>
-                  <a:schemeClr val="bg1"/>
+                  <a:schemeClr val="tx1"/>
                 </a:solidFill>
                 <a:latin typeface="微软雅黑" charset="0"/>
                 <a:ea typeface="微软雅黑" charset="0"/>
@@ -9482,7 +9470,7 @@
             <a:r>
               <a:rPr lang="zh-CN" altLang="en-US" sz="1200" dirty="0">
                 <a:solidFill>
-                  <a:schemeClr val="bg1"/>
+                  <a:schemeClr val="tx1"/>
                 </a:solidFill>
                 <a:latin typeface="微软雅黑" charset="0"/>
                 <a:ea typeface="微软雅黑" charset="0"/>
@@ -9493,7 +9481,7 @@
             <a:r>
               <a:rPr lang="en-US" altLang="zh-CN" sz="1200" dirty="0">
                 <a:solidFill>
-                  <a:schemeClr val="bg1"/>
+                  <a:schemeClr val="tx1"/>
                 </a:solidFill>
                 <a:latin typeface="微软雅黑" charset="0"/>
                 <a:ea typeface="微软雅黑" charset="0"/>
@@ -9504,7 +9492,7 @@
             <a:r>
               <a:rPr lang="zh-CN" altLang="en-US" sz="1200" dirty="0">
                 <a:solidFill>
-                  <a:schemeClr val="bg1"/>
+                  <a:schemeClr val="tx1"/>
                 </a:solidFill>
                 <a:latin typeface="微软雅黑" charset="0"/>
                 <a:ea typeface="微软雅黑" charset="0"/>
@@ -9515,7 +9503,7 @@
             <a:r>
               <a:rPr lang="en-US" altLang="zh-CN" sz="1200" dirty="0">
                 <a:solidFill>
-                  <a:schemeClr val="bg1"/>
+                  <a:schemeClr val="tx1"/>
                 </a:solidFill>
                 <a:latin typeface="微软雅黑" charset="0"/>
                 <a:ea typeface="微软雅黑" charset="0"/>
@@ -9526,7 +9514,7 @@
             <a:r>
               <a:rPr lang="zh-CN" altLang="en-US" sz="1200" dirty="0">
                 <a:solidFill>
-                  <a:schemeClr val="bg1"/>
+                  <a:schemeClr val="tx1"/>
                 </a:solidFill>
                 <a:latin typeface="微软雅黑" charset="0"/>
                 <a:ea typeface="微软雅黑" charset="0"/>
@@ -9537,7 +9525,7 @@
             <a:r>
               <a:rPr lang="en-US" altLang="zh-CN" sz="1200" dirty="0">
                 <a:solidFill>
-                  <a:schemeClr val="bg1"/>
+                  <a:schemeClr val="tx1"/>
                 </a:solidFill>
                 <a:latin typeface="微软雅黑" charset="0"/>
                 <a:ea typeface="微软雅黑" charset="0"/>
@@ -9548,7 +9536,7 @@
             <a:r>
               <a:rPr lang="zh-CN" altLang="en-US" sz="1200" dirty="0">
                 <a:solidFill>
-                  <a:schemeClr val="bg1"/>
+                  <a:schemeClr val="tx1"/>
                 </a:solidFill>
                 <a:latin typeface="微软雅黑" charset="0"/>
                 <a:ea typeface="微软雅黑" charset="0"/>
@@ -9558,7 +9546,7 @@
             </a:r>
             <a:endParaRPr lang="zh-CN" altLang="en-US" sz="1200" dirty="0">
               <a:solidFill>
-                <a:schemeClr val="bg1"/>
+                <a:schemeClr val="tx1"/>
               </a:solidFill>
               <a:latin typeface="微软雅黑" charset="0"/>
               <a:ea typeface="微软雅黑" charset="0"/>
@@ -9799,7 +9787,7 @@
                 <a:ea typeface="微软雅黑" panose="020B0503020204020204" pitchFamily="34" charset="-122"/>
                 <a:sym typeface="+mn-ea"/>
               </a:rPr>
-              <a:t>團隊所面臨的開發需求量和要求也越來越高</a:t>
+              <a:t>團隊所面臨的開發要求也越來越高</a:t>
             </a:r>
             <a:r>
               <a:rPr lang="en-US" altLang="zh-CN" sz="1200" dirty="0" smtClean="0">
@@ -9815,7 +9803,15 @@
                 <a:ea typeface="微软雅黑" panose="020B0503020204020204" pitchFamily="34" charset="-122"/>
                 <a:sym typeface="+mn-ea"/>
               </a:rPr>
-              <a:t>個人認為系統架構、開發模式也需要隨之進化</a:t>
+              <a:t>個人認為團隊的系統架構</a:t>
+            </a:r>
+            <a:r>
+              <a:rPr lang="zh-CN" altLang="en-US" sz="1200" dirty="0" smtClean="0">
+                <a:latin typeface="微软雅黑" panose="020B0503020204020204" pitchFamily="34" charset="-122"/>
+                <a:ea typeface="微软雅黑" panose="020B0503020204020204" pitchFamily="34" charset="-122"/>
+                <a:sym typeface="+mn-ea"/>
+              </a:rPr>
+              <a:t>和開發模式也需要隨之進化</a:t>
             </a:r>
             <a:r>
               <a:rPr lang="en-US" altLang="zh-CN" sz="1200" dirty="0" smtClean="0">
@@ -10107,7 +10103,7 @@
                 <a:latin typeface="微软雅黑" panose="020B0503020204020204" pitchFamily="34" charset="-122"/>
                 <a:ea typeface="微软雅黑" panose="020B0503020204020204" pitchFamily="34" charset="-122"/>
               </a:rPr>
-              <a:t>基礎設施功能封裝、開源框架二次封裝</a:t>
+              <a:t>底層基礎設施功能封裝、開源框架二次封裝</a:t>
             </a:r>
             <a:r>
               <a:rPr lang="en-US" altLang="zh-CN" sz="1200" dirty="0">
@@ -10121,7 +10117,7 @@
                 <a:latin typeface="微软雅黑" panose="020B0503020204020204" pitchFamily="34" charset="-122"/>
                 <a:ea typeface="微软雅黑" panose="020B0503020204020204" pitchFamily="34" charset="-122"/>
               </a:rPr>
-              <a:t>提供</a:t>
+              <a:t>為所有層面的應用提供功能</a:t>
             </a:r>
             <a:r>
               <a:rPr lang="en-US" altLang="zh-CN" sz="1200" dirty="0">
@@ -10131,12 +10127,27 @@
               <a:t> KR2:</a:t>
             </a:r>
             <a:r>
+              <a:rPr lang="zh-CN" altLang="en-US" sz="1200" dirty="0">
+                <a:latin typeface="微软雅黑" panose="020B0503020204020204" pitchFamily="34" charset="-122"/>
+                <a:ea typeface="微软雅黑" panose="020B0503020204020204" pitchFamily="34" charset="-122"/>
+              </a:rPr>
+              <a:t>生產製造系統</a:t>
+            </a:r>
+            <a:r>
+              <a:rPr lang="zh-CN" altLang="en-US" sz="1200" dirty="0">
+                <a:latin typeface="微软雅黑" panose="020B0503020204020204" pitchFamily="34" charset="-122"/>
+                <a:ea typeface="微软雅黑" panose="020B0503020204020204" pitchFamily="34" charset="-122"/>
+                <a:sym typeface="+mn-ea"/>
+              </a:rPr>
+              <a:t>通用的代碼封裝包</a:t>
+            </a:r>
+            <a:r>
               <a:rPr lang="en-US" altLang="zh-CN" sz="1200" dirty="0">
                 <a:latin typeface="微软雅黑" panose="020B0503020204020204" pitchFamily="34" charset="-122"/>
                 <a:ea typeface="微软雅黑" panose="020B0503020204020204" pitchFamily="34" charset="-122"/>
                 <a:sym typeface="+mn-ea"/>
               </a:rPr>
-              <a:t>SFC</a:t>
+              <a:t> KR3:</a:t>
             </a:r>
             <a:r>
               <a:rPr lang="zh-CN" altLang="en-US" sz="1200" dirty="0">
@@ -10144,7 +10155,7 @@
                 <a:ea typeface="微软雅黑" panose="020B0503020204020204" pitchFamily="34" charset="-122"/>
                 <a:sym typeface="+mn-ea"/>
               </a:rPr>
-              <a:t>通用的代碼封裝</a:t>
+              <a:t>通信框架封裝</a:t>
             </a:r>
             <a:r>
               <a:rPr lang="en-US" altLang="zh-CN" sz="1200" dirty="0">
@@ -10152,7 +10163,7 @@
                 <a:ea typeface="微软雅黑" panose="020B0503020204020204" pitchFamily="34" charset="-122"/>
                 <a:sym typeface="+mn-ea"/>
               </a:rPr>
-              <a:t> KR3:</a:t>
+              <a:t> KR4:</a:t>
             </a:r>
             <a:r>
               <a:rPr lang="zh-CN" altLang="en-US" sz="1200" dirty="0">
@@ -10160,7 +10171,7 @@
                 <a:ea typeface="微软雅黑" panose="020B0503020204020204" pitchFamily="34" charset="-122"/>
                 <a:sym typeface="+mn-ea"/>
               </a:rPr>
-              <a:t>通信框架</a:t>
+              <a:t>持續</a:t>
             </a:r>
             <a:r>
               <a:rPr lang="zh-CN" altLang="en-US" sz="1200" dirty="0">
@@ -10168,7 +10179,7 @@
                 <a:ea typeface="微软雅黑" panose="020B0503020204020204" pitchFamily="34" charset="-122"/>
                 <a:sym typeface="+mn-ea"/>
               </a:rPr>
-              <a:t>封裝</a:t>
+              <a:t>迭代</a:t>
             </a:r>
             <a:endParaRPr lang="zh-CN" altLang="en-US" sz="1200" dirty="0">
               <a:latin typeface="微软雅黑" panose="020B0503020204020204" pitchFamily="34" charset="-122"/>
@@ -10949,7 +10960,7 @@
         <p:spPr>
           <a:xfrm>
             <a:off x="929005" y="6055360"/>
-            <a:ext cx="10798810" cy="460375"/>
+            <a:ext cx="10798810" cy="645160"/>
           </a:xfrm>
           <a:prstGeom prst="rect">
             <a:avLst/>
@@ -11119,7 +11130,7 @@
                 <a:ea typeface="微软雅黑" panose="020B0503020204020204" pitchFamily="34" charset="-122"/>
                 <a:sym typeface="+mn-ea"/>
               </a:rPr>
-              <a:t>進行組織</a:t>
+              <a:t>進行組織、管理</a:t>
             </a:r>
             <a:r>
               <a:rPr lang="en-US" altLang="zh-CN" sz="1200" dirty="0">
@@ -11135,7 +11146,7 @@
                 <a:ea typeface="微软雅黑" panose="020B0503020204020204" pitchFamily="34" charset="-122"/>
                 <a:sym typeface="+mn-ea"/>
               </a:rPr>
-              <a:t>而不是由開發人員開發</a:t>
+              <a:t>而不是完全由開發人員開發</a:t>
             </a:r>
             <a:r>
               <a:rPr lang="en-US" altLang="zh-CN" sz="1200" dirty="0">
@@ -11183,7 +11194,15 @@
                 <a:ea typeface="微软雅黑" panose="020B0503020204020204" pitchFamily="34" charset="-122"/>
                 <a:sym typeface="+mn-ea"/>
               </a:rPr>
-              <a:t>、大數據、物聯網等領域的開發工作</a:t>
+              <a:t>、數據</a:t>
+            </a:r>
+            <a:r>
+              <a:rPr lang="zh-CN" altLang="en-US" sz="1200" dirty="0">
+                <a:latin typeface="微软雅黑" panose="020B0503020204020204" pitchFamily="34" charset="-122"/>
+                <a:ea typeface="微软雅黑" panose="020B0503020204020204" pitchFamily="34" charset="-122"/>
+                <a:sym typeface="+mn-ea"/>
+              </a:rPr>
+              <a:t>挖掘、物聯網等領域的開發工作</a:t>
             </a:r>
             <a:r>
               <a:rPr lang="en-US" altLang="zh-CN" sz="1200" dirty="0">
@@ -11199,7 +11218,23 @@
                 <a:ea typeface="微软雅黑" panose="020B0503020204020204" pitchFamily="34" charset="-122"/>
                 <a:sym typeface="+mn-ea"/>
               </a:rPr>
-              <a:t>幫助公司加快全面智能化的腳步</a:t>
+              <a:t>在公司三化的過程中</a:t>
+            </a:r>
+            <a:r>
+              <a:rPr lang="zh-CN" altLang="en-US" sz="1200" dirty="0">
+                <a:latin typeface="微软雅黑" panose="020B0503020204020204" pitchFamily="34" charset="-122"/>
+                <a:ea typeface="微软雅黑" panose="020B0503020204020204" pitchFamily="34" charset="-122"/>
+                <a:sym typeface="+mn-ea"/>
+              </a:rPr>
+              <a:t>貢獻自己的一份</a:t>
+            </a:r>
+            <a:r>
+              <a:rPr lang="zh-CN" altLang="en-US" sz="1200" dirty="0">
+                <a:latin typeface="微软雅黑" panose="020B0503020204020204" pitchFamily="34" charset="-122"/>
+                <a:ea typeface="微软雅黑" panose="020B0503020204020204" pitchFamily="34" charset="-122"/>
+                <a:sym typeface="+mn-ea"/>
+              </a:rPr>
+              <a:t>力量</a:t>
             </a:r>
             <a:endParaRPr lang="zh-CN" altLang="en-US" sz="1200" dirty="0">
               <a:latin typeface="微软雅黑" panose="020B0503020204020204" pitchFamily="34" charset="-122"/>
